--- a/BaoCaoCTDL.pptx
+++ b/BaoCaoCTDL.pptx
@@ -2,7 +2,7 @@
 <file path=ppt/presentation.xml><?xml version="1.0" encoding="utf-8"?>
 <p:presentation xmlns:a="http://schemas.openxmlformats.org/drawingml/2006/main" xmlns:r="http://schemas.openxmlformats.org/officeDocument/2006/relationships" xmlns:p="http://schemas.openxmlformats.org/presentationml/2006/main" saveSubsetFonts="1">
   <p:sldMasterIdLst>
-    <p:sldMasterId id="2147483660" r:id="rId1"/>
+    <p:sldMasterId id="2147483695" r:id="rId1"/>
   </p:sldMasterIdLst>
   <p:sldIdLst>
     <p:sldId id="256" r:id="rId2"/>
@@ -10,13 +10,10 @@
     <p:sldId id="257" r:id="rId4"/>
     <p:sldId id="271" r:id="rId5"/>
     <p:sldId id="272" r:id="rId6"/>
-    <p:sldId id="262" r:id="rId7"/>
-    <p:sldId id="270" r:id="rId8"/>
-    <p:sldId id="274" r:id="rId9"/>
-    <p:sldId id="260" r:id="rId10"/>
-    <p:sldId id="268" r:id="rId11"/>
-    <p:sldId id="269" r:id="rId12"/>
-    <p:sldId id="267" r:id="rId13"/>
+    <p:sldId id="274" r:id="rId7"/>
+    <p:sldId id="260" r:id="rId8"/>
+    <p:sldId id="276" r:id="rId9"/>
+    <p:sldId id="267" r:id="rId10"/>
   </p:sldIdLst>
   <p:sldSz cx="12192000" cy="6858000"/>
   <p:notesSz cx="6858000" cy="9144000"/>
@@ -896,7 +893,7 @@
     </p:spTree>
     <p:extLst>
       <p:ext uri="{BB962C8B-B14F-4D97-AF65-F5344CB8AC3E}">
-        <p14:creationId xmlns:p14="http://schemas.microsoft.com/office/powerpoint/2010/main" val="841339386"/>
+        <p14:creationId xmlns:p14="http://schemas.microsoft.com/office/powerpoint/2010/main" val="870426642"/>
       </p:ext>
     </p:extLst>
   </p:cSld>
@@ -1147,7 +1144,7 @@
     </p:spTree>
     <p:extLst>
       <p:ext uri="{BB962C8B-B14F-4D97-AF65-F5344CB8AC3E}">
-        <p14:creationId xmlns:p14="http://schemas.microsoft.com/office/powerpoint/2010/main" val="1772496901"/>
+        <p14:creationId xmlns:p14="http://schemas.microsoft.com/office/powerpoint/2010/main" val="1044916337"/>
       </p:ext>
     </p:extLst>
   </p:cSld>
@@ -1551,7 +1548,7 @@
     </p:spTree>
     <p:extLst>
       <p:ext uri="{BB962C8B-B14F-4D97-AF65-F5344CB8AC3E}">
-        <p14:creationId xmlns:p14="http://schemas.microsoft.com/office/powerpoint/2010/main" val="1935438767"/>
+        <p14:creationId xmlns:p14="http://schemas.microsoft.com/office/powerpoint/2010/main" val="1429875047"/>
       </p:ext>
     </p:extLst>
   </p:cSld>
@@ -1802,7 +1799,7 @@
     </p:spTree>
     <p:extLst>
       <p:ext uri="{BB962C8B-B14F-4D97-AF65-F5344CB8AC3E}">
-        <p14:creationId xmlns:p14="http://schemas.microsoft.com/office/powerpoint/2010/main" val="3280806842"/>
+        <p14:creationId xmlns:p14="http://schemas.microsoft.com/office/powerpoint/2010/main" val="696963264"/>
       </p:ext>
     </p:extLst>
   </p:cSld>
@@ -2198,7 +2195,7 @@
     </p:spTree>
     <p:extLst>
       <p:ext uri="{BB962C8B-B14F-4D97-AF65-F5344CB8AC3E}">
-        <p14:creationId xmlns:p14="http://schemas.microsoft.com/office/powerpoint/2010/main" val="1685766483"/>
+        <p14:creationId xmlns:p14="http://schemas.microsoft.com/office/powerpoint/2010/main" val="3257146503"/>
       </p:ext>
     </p:extLst>
   </p:cSld>
@@ -2509,7 +2506,7 @@
     </p:spTree>
     <p:extLst>
       <p:ext uri="{BB962C8B-B14F-4D97-AF65-F5344CB8AC3E}">
-        <p14:creationId xmlns:p14="http://schemas.microsoft.com/office/powerpoint/2010/main" val="2114906326"/>
+        <p14:creationId xmlns:p14="http://schemas.microsoft.com/office/powerpoint/2010/main" val="1178816017"/>
       </p:ext>
     </p:extLst>
   </p:cSld>
@@ -2679,7 +2676,7 @@
     </p:spTree>
     <p:extLst>
       <p:ext uri="{BB962C8B-B14F-4D97-AF65-F5344CB8AC3E}">
-        <p14:creationId xmlns:p14="http://schemas.microsoft.com/office/powerpoint/2010/main" val="83734078"/>
+        <p14:creationId xmlns:p14="http://schemas.microsoft.com/office/powerpoint/2010/main" val="190941481"/>
       </p:ext>
     </p:extLst>
   </p:cSld>
@@ -2859,7 +2856,7 @@
     </p:spTree>
     <p:extLst>
       <p:ext uri="{BB962C8B-B14F-4D97-AF65-F5344CB8AC3E}">
-        <p14:creationId xmlns:p14="http://schemas.microsoft.com/office/powerpoint/2010/main" val="687065691"/>
+        <p14:creationId xmlns:p14="http://schemas.microsoft.com/office/powerpoint/2010/main" val="231747060"/>
       </p:ext>
     </p:extLst>
   </p:cSld>
@@ -3035,7 +3032,7 @@
     </p:spTree>
     <p:extLst>
       <p:ext uri="{BB962C8B-B14F-4D97-AF65-F5344CB8AC3E}">
-        <p14:creationId xmlns:p14="http://schemas.microsoft.com/office/powerpoint/2010/main" val="4127085056"/>
+        <p14:creationId xmlns:p14="http://schemas.microsoft.com/office/powerpoint/2010/main" val="3157983567"/>
       </p:ext>
     </p:extLst>
   </p:cSld>
@@ -3282,7 +3279,7 @@
     </p:spTree>
     <p:extLst>
       <p:ext uri="{BB962C8B-B14F-4D97-AF65-F5344CB8AC3E}">
-        <p14:creationId xmlns:p14="http://schemas.microsoft.com/office/powerpoint/2010/main" val="2071000927"/>
+        <p14:creationId xmlns:p14="http://schemas.microsoft.com/office/powerpoint/2010/main" val="3662336220"/>
       </p:ext>
     </p:extLst>
   </p:cSld>
@@ -3514,7 +3511,7 @@
     </p:spTree>
     <p:extLst>
       <p:ext uri="{BB962C8B-B14F-4D97-AF65-F5344CB8AC3E}">
-        <p14:creationId xmlns:p14="http://schemas.microsoft.com/office/powerpoint/2010/main" val="541885493"/>
+        <p14:creationId xmlns:p14="http://schemas.microsoft.com/office/powerpoint/2010/main" val="2691393570"/>
       </p:ext>
     </p:extLst>
   </p:cSld>
@@ -3888,7 +3885,7 @@
     </p:spTree>
     <p:extLst>
       <p:ext uri="{BB962C8B-B14F-4D97-AF65-F5344CB8AC3E}">
-        <p14:creationId xmlns:p14="http://schemas.microsoft.com/office/powerpoint/2010/main" val="2552276832"/>
+        <p14:creationId xmlns:p14="http://schemas.microsoft.com/office/powerpoint/2010/main" val="2699564730"/>
       </p:ext>
     </p:extLst>
   </p:cSld>
@@ -4011,7 +4008,7 @@
     </p:spTree>
     <p:extLst>
       <p:ext uri="{BB962C8B-B14F-4D97-AF65-F5344CB8AC3E}">
-        <p14:creationId xmlns:p14="http://schemas.microsoft.com/office/powerpoint/2010/main" val="3616809235"/>
+        <p14:creationId xmlns:p14="http://schemas.microsoft.com/office/powerpoint/2010/main" val="116755903"/>
       </p:ext>
     </p:extLst>
   </p:cSld>
@@ -4106,7 +4103,7 @@
     </p:spTree>
     <p:extLst>
       <p:ext uri="{BB962C8B-B14F-4D97-AF65-F5344CB8AC3E}">
-        <p14:creationId xmlns:p14="http://schemas.microsoft.com/office/powerpoint/2010/main" val="24230981"/>
+        <p14:creationId xmlns:p14="http://schemas.microsoft.com/office/powerpoint/2010/main" val="975995871"/>
       </p:ext>
     </p:extLst>
   </p:cSld>
@@ -4361,7 +4358,7 @@
     </p:spTree>
     <p:extLst>
       <p:ext uri="{BB962C8B-B14F-4D97-AF65-F5344CB8AC3E}">
-        <p14:creationId xmlns:p14="http://schemas.microsoft.com/office/powerpoint/2010/main" val="1283014728"/>
+        <p14:creationId xmlns:p14="http://schemas.microsoft.com/office/powerpoint/2010/main" val="4237225916"/>
       </p:ext>
     </p:extLst>
   </p:cSld>
@@ -4624,7 +4621,7 @@
     </p:spTree>
     <p:extLst>
       <p:ext uri="{BB962C8B-B14F-4D97-AF65-F5344CB8AC3E}">
-        <p14:creationId xmlns:p14="http://schemas.microsoft.com/office/powerpoint/2010/main" val="1663330552"/>
+        <p14:creationId xmlns:p14="http://schemas.microsoft.com/office/powerpoint/2010/main" val="2962087728"/>
       </p:ext>
     </p:extLst>
   </p:cSld>
@@ -5401,28 +5398,28 @@
     </p:spTree>
     <p:extLst>
       <p:ext uri="{BB962C8B-B14F-4D97-AF65-F5344CB8AC3E}">
-        <p14:creationId xmlns:p14="http://schemas.microsoft.com/office/powerpoint/2010/main" val="1840067823"/>
+        <p14:creationId xmlns:p14="http://schemas.microsoft.com/office/powerpoint/2010/main" val="1480246278"/>
       </p:ext>
     </p:extLst>
   </p:cSld>
   <p:clrMap bg1="lt1" tx1="dk1" bg2="lt2" tx2="dk2" accent1="accent1" accent2="accent2" accent3="accent3" accent4="accent4" accent5="accent5" accent6="accent6" hlink="hlink" folHlink="folHlink"/>
   <p:sldLayoutIdLst>
-    <p:sldLayoutId id="2147483661" r:id="rId1"/>
-    <p:sldLayoutId id="2147483662" r:id="rId2"/>
-    <p:sldLayoutId id="2147483663" r:id="rId3"/>
-    <p:sldLayoutId id="2147483664" r:id="rId4"/>
-    <p:sldLayoutId id="2147483665" r:id="rId5"/>
-    <p:sldLayoutId id="2147483666" r:id="rId6"/>
-    <p:sldLayoutId id="2147483667" r:id="rId7"/>
-    <p:sldLayoutId id="2147483668" r:id="rId8"/>
-    <p:sldLayoutId id="2147483669" r:id="rId9"/>
-    <p:sldLayoutId id="2147483670" r:id="rId10"/>
-    <p:sldLayoutId id="2147483671" r:id="rId11"/>
-    <p:sldLayoutId id="2147483672" r:id="rId12"/>
-    <p:sldLayoutId id="2147483673" r:id="rId13"/>
-    <p:sldLayoutId id="2147483674" r:id="rId14"/>
-    <p:sldLayoutId id="2147483675" r:id="rId15"/>
-    <p:sldLayoutId id="2147483676" r:id="rId16"/>
+    <p:sldLayoutId id="2147483696" r:id="rId1"/>
+    <p:sldLayoutId id="2147483697" r:id="rId2"/>
+    <p:sldLayoutId id="2147483698" r:id="rId3"/>
+    <p:sldLayoutId id="2147483699" r:id="rId4"/>
+    <p:sldLayoutId id="2147483700" r:id="rId5"/>
+    <p:sldLayoutId id="2147483701" r:id="rId6"/>
+    <p:sldLayoutId id="2147483702" r:id="rId7"/>
+    <p:sldLayoutId id="2147483703" r:id="rId8"/>
+    <p:sldLayoutId id="2147483704" r:id="rId9"/>
+    <p:sldLayoutId id="2147483705" r:id="rId10"/>
+    <p:sldLayoutId id="2147483706" r:id="rId11"/>
+    <p:sldLayoutId id="2147483707" r:id="rId12"/>
+    <p:sldLayoutId id="2147483708" r:id="rId13"/>
+    <p:sldLayoutId id="2147483709" r:id="rId14"/>
+    <p:sldLayoutId id="2147483710" r:id="rId15"/>
+    <p:sldLayoutId id="2147483711" r:id="rId16"/>
   </p:sldLayoutIdLst>
   <p:txStyles>
     <p:titleStyle>
@@ -5888,18 +5885,11 @@
               </a:rPr>
             </a:br>
             <a:r>
-              <a:rPr lang="en-US" sz="3800" u="sng" dirty="0" smtClean="0">
-                <a:latin typeface="Times New Roman" panose="02020603050405020304" pitchFamily="18" charset="0"/>
-                <a:cs typeface="Times New Roman" panose="02020603050405020304" pitchFamily="18" charset="0"/>
-              </a:rPr>
-              <a:t>ĐỀ TÀI:</a:t>
-            </a:r>
-            <a:r>
               <a:rPr lang="en-US" sz="3800" dirty="0" smtClean="0">
                 <a:latin typeface="Times New Roman" panose="02020603050405020304" pitchFamily="18" charset="0"/>
                 <a:cs typeface="Times New Roman" panose="02020603050405020304" pitchFamily="18" charset="0"/>
               </a:rPr>
-              <a:t> GAME SUDOKU SỬ DỤNG NGĂN XẾP</a:t>
+              <a:t>ĐỀ TÀI: GAME SUDOKU SỬ DỤNG NGĂN XẾP</a:t>
             </a:r>
             <a:endParaRPr lang="en-US" sz="3800" dirty="0">
               <a:latin typeface="Times New Roman" panose="02020603050405020304" pitchFamily="18" charset="0"/>
@@ -5920,8 +5910,8 @@
         </p:nvSpPr>
         <p:spPr>
           <a:xfrm>
-            <a:off x="1507067" y="4442719"/>
-            <a:ext cx="8710990" cy="2415281"/>
+            <a:off x="1119168" y="4442719"/>
+            <a:ext cx="8710990" cy="1455805"/>
           </a:xfrm>
         </p:spPr>
         <p:txBody>
@@ -6275,2315 +6265,6 @@
 </p:sld>
 </file>
 
-<file path=ppt/slides/slide10.xml><?xml version="1.0" encoding="utf-8"?>
-<p:sld xmlns:a="http://schemas.openxmlformats.org/drawingml/2006/main" xmlns:r="http://schemas.openxmlformats.org/officeDocument/2006/relationships" xmlns:p="http://schemas.openxmlformats.org/presentationml/2006/main">
-  <p:cSld>
-    <p:spTree>
-      <p:nvGrpSpPr>
-        <p:cNvPr id="1" name=""/>
-        <p:cNvGrpSpPr/>
-        <p:nvPr/>
-      </p:nvGrpSpPr>
-      <p:grpSpPr>
-        <a:xfrm>
-          <a:off x="0" y="0"/>
-          <a:ext cx="0" cy="0"/>
-          <a:chOff x="0" y="0"/>
-          <a:chExt cx="0" cy="0"/>
-        </a:xfrm>
-      </p:grpSpPr>
-      <p:sp>
-        <p:nvSpPr>
-          <p:cNvPr id="2" name="Title 1"/>
-          <p:cNvSpPr>
-            <a:spLocks noGrp="1"/>
-          </p:cNvSpPr>
-          <p:nvPr>
-            <p:ph type="title"/>
-          </p:nvPr>
-        </p:nvSpPr>
-        <p:spPr/>
-        <p:txBody>
-          <a:bodyPr/>
-          <a:lstStyle/>
-          <a:p>
-            <a:r>
-              <a:rPr lang="en-US" dirty="0">
-                <a:latin typeface="Times New Roman" panose="02020603050405020304" pitchFamily="18" charset="0"/>
-                <a:cs typeface="Times New Roman" panose="02020603050405020304" pitchFamily="18" charset="0"/>
-              </a:rPr>
-              <a:t>4</a:t>
-            </a:r>
-            <a:r>
-              <a:rPr lang="en-US" dirty="0" smtClean="0">
-                <a:latin typeface="Times New Roman" panose="02020603050405020304" pitchFamily="18" charset="0"/>
-                <a:cs typeface="Times New Roman" panose="02020603050405020304" pitchFamily="18" charset="0"/>
-              </a:rPr>
-              <a:t>. </a:t>
-            </a:r>
-            <a:r>
-              <a:rPr lang="en-US" dirty="0" smtClean="0">
-                <a:latin typeface="Times New Roman" panose="02020603050405020304" pitchFamily="18" charset="0"/>
-                <a:cs typeface="Times New Roman" panose="02020603050405020304" pitchFamily="18" charset="0"/>
-              </a:rPr>
-              <a:t>ĐÁNH GIÁ</a:t>
-            </a:r>
-            <a:endParaRPr lang="en-US" dirty="0">
-              <a:latin typeface="Times New Roman" panose="02020603050405020304" pitchFamily="18" charset="0"/>
-              <a:cs typeface="Times New Roman" panose="02020603050405020304" pitchFamily="18" charset="0"/>
-            </a:endParaRPr>
-          </a:p>
-        </p:txBody>
-      </p:sp>
-      <p:sp>
-        <p:nvSpPr>
-          <p:cNvPr id="3" name="Content Placeholder 2"/>
-          <p:cNvSpPr>
-            <a:spLocks noGrp="1"/>
-          </p:cNvSpPr>
-          <p:nvPr>
-            <p:ph idx="1"/>
-          </p:nvPr>
-        </p:nvSpPr>
-        <p:spPr/>
-        <p:txBody>
-          <a:bodyPr>
-            <a:normAutofit/>
-          </a:bodyPr>
-          <a:lstStyle/>
-          <a:p>
-            <a:pPr marL="0" indent="0">
-              <a:buNone/>
-            </a:pPr>
-            <a:r>
-              <a:rPr lang="en-US" sz="2400" b="1" dirty="0" err="1" smtClean="0">
-                <a:solidFill>
-                  <a:schemeClr val="tx1"/>
-                </a:solidFill>
-                <a:latin typeface="Times New Roman" panose="02020603050405020304" pitchFamily="18" charset="0"/>
-                <a:cs typeface="Times New Roman" panose="02020603050405020304" pitchFamily="18" charset="0"/>
-              </a:rPr>
-              <a:t>Nhược</a:t>
-            </a:r>
-            <a:r>
-              <a:rPr lang="en-US" sz="2400" b="1" dirty="0" smtClean="0">
-                <a:solidFill>
-                  <a:schemeClr val="tx1"/>
-                </a:solidFill>
-                <a:latin typeface="Times New Roman" panose="02020603050405020304" pitchFamily="18" charset="0"/>
-                <a:cs typeface="Times New Roman" panose="02020603050405020304" pitchFamily="18" charset="0"/>
-              </a:rPr>
-              <a:t> </a:t>
-            </a:r>
-            <a:r>
-              <a:rPr lang="en-US" sz="2400" b="1" dirty="0" err="1" smtClean="0">
-                <a:solidFill>
-                  <a:schemeClr val="tx1"/>
-                </a:solidFill>
-                <a:latin typeface="Times New Roman" panose="02020603050405020304" pitchFamily="18" charset="0"/>
-                <a:cs typeface="Times New Roman" panose="02020603050405020304" pitchFamily="18" charset="0"/>
-              </a:rPr>
-              <a:t>điểm</a:t>
-            </a:r>
-            <a:r>
-              <a:rPr lang="en-US" sz="2400" b="1" dirty="0" smtClean="0">
-                <a:solidFill>
-                  <a:schemeClr val="tx1"/>
-                </a:solidFill>
-                <a:latin typeface="Times New Roman" panose="02020603050405020304" pitchFamily="18" charset="0"/>
-                <a:cs typeface="Times New Roman" panose="02020603050405020304" pitchFamily="18" charset="0"/>
-              </a:rPr>
-              <a:t>:</a:t>
-            </a:r>
-          </a:p>
-          <a:p>
-            <a:pPr marL="0" indent="0">
-              <a:buNone/>
-            </a:pPr>
-            <a:r>
-              <a:rPr lang="en-US" sz="2400" dirty="0" smtClean="0">
-                <a:solidFill>
-                  <a:schemeClr val="tx1"/>
-                </a:solidFill>
-                <a:latin typeface="Times New Roman" panose="02020603050405020304" pitchFamily="18" charset="0"/>
-                <a:cs typeface="Times New Roman" panose="02020603050405020304" pitchFamily="18" charset="0"/>
-              </a:rPr>
-              <a:t>	- </a:t>
-            </a:r>
-            <a:r>
-              <a:rPr lang="en-US" sz="2400" dirty="0">
-                <a:solidFill>
-                  <a:schemeClr val="tx1"/>
-                </a:solidFill>
-                <a:latin typeface="Times New Roman" panose="02020603050405020304" pitchFamily="18" charset="0"/>
-                <a:cs typeface="Times New Roman" panose="02020603050405020304" pitchFamily="18" charset="0"/>
-              </a:rPr>
-              <a:t>Ở </a:t>
-            </a:r>
-            <a:r>
-              <a:rPr lang="en-US" sz="2400" dirty="0" err="1">
-                <a:solidFill>
-                  <a:schemeClr val="tx1"/>
-                </a:solidFill>
-                <a:latin typeface="Times New Roman" panose="02020603050405020304" pitchFamily="18" charset="0"/>
-                <a:cs typeface="Times New Roman" panose="02020603050405020304" pitchFamily="18" charset="0"/>
-              </a:rPr>
-              <a:t>chế</a:t>
-            </a:r>
-            <a:r>
-              <a:rPr lang="en-US" sz="2400" dirty="0">
-                <a:solidFill>
-                  <a:schemeClr val="tx1"/>
-                </a:solidFill>
-                <a:latin typeface="Times New Roman" panose="02020603050405020304" pitchFamily="18" charset="0"/>
-                <a:cs typeface="Times New Roman" panose="02020603050405020304" pitchFamily="18" charset="0"/>
-              </a:rPr>
-              <a:t> </a:t>
-            </a:r>
-            <a:r>
-              <a:rPr lang="en-US" sz="2400" dirty="0" err="1">
-                <a:solidFill>
-                  <a:schemeClr val="tx1"/>
-                </a:solidFill>
-                <a:latin typeface="Times New Roman" panose="02020603050405020304" pitchFamily="18" charset="0"/>
-                <a:cs typeface="Times New Roman" panose="02020603050405020304" pitchFamily="18" charset="0"/>
-              </a:rPr>
-              <a:t>độ</a:t>
-            </a:r>
-            <a:r>
-              <a:rPr lang="en-US" sz="2400" dirty="0">
-                <a:solidFill>
-                  <a:schemeClr val="tx1"/>
-                </a:solidFill>
-                <a:latin typeface="Times New Roman" panose="02020603050405020304" pitchFamily="18" charset="0"/>
-                <a:cs typeface="Times New Roman" panose="02020603050405020304" pitchFamily="18" charset="0"/>
-              </a:rPr>
-              <a:t> </a:t>
-            </a:r>
-            <a:r>
-              <a:rPr lang="en-US" sz="2400" dirty="0" err="1">
-                <a:solidFill>
-                  <a:schemeClr val="tx1"/>
-                </a:solidFill>
-                <a:latin typeface="Times New Roman" panose="02020603050405020304" pitchFamily="18" charset="0"/>
-                <a:cs typeface="Times New Roman" panose="02020603050405020304" pitchFamily="18" charset="0"/>
-              </a:rPr>
-              <a:t>chơi</a:t>
-            </a:r>
-            <a:r>
-              <a:rPr lang="en-US" sz="2400" dirty="0">
-                <a:solidFill>
-                  <a:schemeClr val="tx1"/>
-                </a:solidFill>
-                <a:latin typeface="Times New Roman" panose="02020603050405020304" pitchFamily="18" charset="0"/>
-                <a:cs typeface="Times New Roman" panose="02020603050405020304" pitchFamily="18" charset="0"/>
-              </a:rPr>
-              <a:t> </a:t>
-            </a:r>
-            <a:r>
-              <a:rPr lang="en-US" sz="2400" dirty="0" err="1">
-                <a:solidFill>
-                  <a:schemeClr val="tx1"/>
-                </a:solidFill>
-                <a:latin typeface="Times New Roman" panose="02020603050405020304" pitchFamily="18" charset="0"/>
-                <a:cs typeface="Times New Roman" panose="02020603050405020304" pitchFamily="18" charset="0"/>
-              </a:rPr>
-              <a:t>bảng</a:t>
-            </a:r>
-            <a:r>
-              <a:rPr lang="en-US" sz="2400" dirty="0">
-                <a:solidFill>
-                  <a:schemeClr val="tx1"/>
-                </a:solidFill>
-                <a:latin typeface="Times New Roman" panose="02020603050405020304" pitchFamily="18" charset="0"/>
-                <a:cs typeface="Times New Roman" panose="02020603050405020304" pitchFamily="18" charset="0"/>
-              </a:rPr>
-              <a:t> </a:t>
-            </a:r>
-            <a:r>
-              <a:rPr lang="en-US" sz="2400" dirty="0" err="1">
-                <a:solidFill>
-                  <a:schemeClr val="tx1"/>
-                </a:solidFill>
-                <a:latin typeface="Times New Roman" panose="02020603050405020304" pitchFamily="18" charset="0"/>
-                <a:cs typeface="Times New Roman" panose="02020603050405020304" pitchFamily="18" charset="0"/>
-              </a:rPr>
-              <a:t>chữ</a:t>
-            </a:r>
-            <a:r>
-              <a:rPr lang="en-US" sz="2400" dirty="0">
-                <a:solidFill>
-                  <a:schemeClr val="tx1"/>
-                </a:solidFill>
-                <a:latin typeface="Times New Roman" panose="02020603050405020304" pitchFamily="18" charset="0"/>
-                <a:cs typeface="Times New Roman" panose="02020603050405020304" pitchFamily="18" charset="0"/>
-              </a:rPr>
-              <a:t> 16x16, </a:t>
-            </a:r>
-            <a:r>
-              <a:rPr lang="en-US" sz="2400" dirty="0" err="1">
-                <a:solidFill>
-                  <a:schemeClr val="tx1"/>
-                </a:solidFill>
-                <a:latin typeface="Times New Roman" panose="02020603050405020304" pitchFamily="18" charset="0"/>
-                <a:cs typeface="Times New Roman" panose="02020603050405020304" pitchFamily="18" charset="0"/>
-              </a:rPr>
-              <a:t>phần</a:t>
-            </a:r>
-            <a:r>
-              <a:rPr lang="en-US" sz="2400" dirty="0">
-                <a:solidFill>
-                  <a:schemeClr val="tx1"/>
-                </a:solidFill>
-                <a:latin typeface="Times New Roman" panose="02020603050405020304" pitchFamily="18" charset="0"/>
-                <a:cs typeface="Times New Roman" panose="02020603050405020304" pitchFamily="18" charset="0"/>
-              </a:rPr>
-              <a:t> </a:t>
-            </a:r>
-            <a:r>
-              <a:rPr lang="en-US" sz="2400" dirty="0" err="1">
-                <a:solidFill>
-                  <a:schemeClr val="tx1"/>
-                </a:solidFill>
-                <a:latin typeface="Times New Roman" panose="02020603050405020304" pitchFamily="18" charset="0"/>
-                <a:cs typeface="Times New Roman" panose="02020603050405020304" pitchFamily="18" charset="0"/>
-              </a:rPr>
-              <a:t>chọn</a:t>
-            </a:r>
-            <a:r>
-              <a:rPr lang="en-US" sz="2400" dirty="0">
-                <a:solidFill>
-                  <a:schemeClr val="tx1"/>
-                </a:solidFill>
-                <a:latin typeface="Times New Roman" panose="02020603050405020304" pitchFamily="18" charset="0"/>
-                <a:cs typeface="Times New Roman" panose="02020603050405020304" pitchFamily="18" charset="0"/>
-              </a:rPr>
-              <a:t> </a:t>
-            </a:r>
-            <a:r>
-              <a:rPr lang="en-US" sz="2400" dirty="0" err="1">
-                <a:solidFill>
-                  <a:schemeClr val="tx1"/>
-                </a:solidFill>
-                <a:latin typeface="Times New Roman" panose="02020603050405020304" pitchFamily="18" charset="0"/>
-                <a:cs typeface="Times New Roman" panose="02020603050405020304" pitchFamily="18" charset="0"/>
-              </a:rPr>
-              <a:t>chữ</a:t>
-            </a:r>
-            <a:r>
-              <a:rPr lang="en-US" sz="2400" dirty="0">
-                <a:solidFill>
-                  <a:schemeClr val="tx1"/>
-                </a:solidFill>
-                <a:latin typeface="Times New Roman" panose="02020603050405020304" pitchFamily="18" charset="0"/>
-                <a:cs typeface="Times New Roman" panose="02020603050405020304" pitchFamily="18" charset="0"/>
-              </a:rPr>
-              <a:t> </a:t>
-            </a:r>
-            <a:r>
-              <a:rPr lang="en-US" sz="2400" dirty="0" err="1">
-                <a:solidFill>
-                  <a:schemeClr val="tx1"/>
-                </a:solidFill>
-                <a:latin typeface="Times New Roman" panose="02020603050405020304" pitchFamily="18" charset="0"/>
-                <a:cs typeface="Times New Roman" panose="02020603050405020304" pitchFamily="18" charset="0"/>
-              </a:rPr>
-              <a:t>còn</a:t>
-            </a:r>
-            <a:r>
-              <a:rPr lang="en-US" sz="2400" dirty="0">
-                <a:solidFill>
-                  <a:schemeClr val="tx1"/>
-                </a:solidFill>
-                <a:latin typeface="Times New Roman" panose="02020603050405020304" pitchFamily="18" charset="0"/>
-                <a:cs typeface="Times New Roman" panose="02020603050405020304" pitchFamily="18" charset="0"/>
-              </a:rPr>
-              <a:t> </a:t>
-            </a:r>
-            <a:r>
-              <a:rPr lang="en-US" sz="2400" dirty="0" err="1">
-                <a:solidFill>
-                  <a:schemeClr val="tx1"/>
-                </a:solidFill>
-                <a:latin typeface="Times New Roman" panose="02020603050405020304" pitchFamily="18" charset="0"/>
-                <a:cs typeface="Times New Roman" panose="02020603050405020304" pitchFamily="18" charset="0"/>
-              </a:rPr>
-              <a:t>nhỏ</a:t>
-            </a:r>
-            <a:r>
-              <a:rPr lang="en-US" sz="2400" dirty="0">
-                <a:solidFill>
-                  <a:schemeClr val="tx1"/>
-                </a:solidFill>
-                <a:latin typeface="Times New Roman" panose="02020603050405020304" pitchFamily="18" charset="0"/>
-                <a:cs typeface="Times New Roman" panose="02020603050405020304" pitchFamily="18" charset="0"/>
-              </a:rPr>
-              <a:t>, </a:t>
-            </a:r>
-            <a:r>
-              <a:rPr lang="en-US" sz="2400" dirty="0" err="1">
-                <a:solidFill>
-                  <a:schemeClr val="tx1"/>
-                </a:solidFill>
-                <a:latin typeface="Times New Roman" panose="02020603050405020304" pitchFamily="18" charset="0"/>
-                <a:cs typeface="Times New Roman" panose="02020603050405020304" pitchFamily="18" charset="0"/>
-              </a:rPr>
-              <a:t>khó</a:t>
-            </a:r>
-            <a:r>
-              <a:rPr lang="en-US" sz="2400" dirty="0">
-                <a:solidFill>
-                  <a:schemeClr val="tx1"/>
-                </a:solidFill>
-                <a:latin typeface="Times New Roman" panose="02020603050405020304" pitchFamily="18" charset="0"/>
-                <a:cs typeface="Times New Roman" panose="02020603050405020304" pitchFamily="18" charset="0"/>
-              </a:rPr>
-              <a:t> </a:t>
-            </a:r>
-            <a:r>
-              <a:rPr lang="en-US" sz="2400" dirty="0" smtClean="0">
-                <a:solidFill>
-                  <a:schemeClr val="tx1"/>
-                </a:solidFill>
-                <a:latin typeface="Times New Roman" panose="02020603050405020304" pitchFamily="18" charset="0"/>
-                <a:cs typeface="Times New Roman" panose="02020603050405020304" pitchFamily="18" charset="0"/>
-              </a:rPr>
-              <a:t>	click </a:t>
-            </a:r>
-            <a:r>
-              <a:rPr lang="en-US" sz="2400" dirty="0" err="1">
-                <a:solidFill>
-                  <a:schemeClr val="tx1"/>
-                </a:solidFill>
-                <a:latin typeface="Times New Roman" panose="02020603050405020304" pitchFamily="18" charset="0"/>
-                <a:cs typeface="Times New Roman" panose="02020603050405020304" pitchFamily="18" charset="0"/>
-              </a:rPr>
-              <a:t>chọn</a:t>
-            </a:r>
-            <a:r>
-              <a:rPr lang="en-US" sz="2400" dirty="0">
-                <a:solidFill>
-                  <a:schemeClr val="tx1"/>
-                </a:solidFill>
-                <a:latin typeface="Times New Roman" panose="02020603050405020304" pitchFamily="18" charset="0"/>
-                <a:cs typeface="Times New Roman" panose="02020603050405020304" pitchFamily="18" charset="0"/>
-              </a:rPr>
-              <a:t>.</a:t>
-            </a:r>
-          </a:p>
-          <a:p>
-            <a:pPr marL="0" indent="0">
-              <a:buNone/>
-            </a:pPr>
-            <a:r>
-              <a:rPr lang="en-US" sz="2400" dirty="0" smtClean="0">
-                <a:solidFill>
-                  <a:schemeClr val="tx1"/>
-                </a:solidFill>
-                <a:latin typeface="Times New Roman" panose="02020603050405020304" pitchFamily="18" charset="0"/>
-                <a:cs typeface="Times New Roman" panose="02020603050405020304" pitchFamily="18" charset="0"/>
-              </a:rPr>
-              <a:t>	- </a:t>
-            </a:r>
-            <a:r>
-              <a:rPr lang="en-US" sz="2400" dirty="0" err="1">
-                <a:solidFill>
-                  <a:schemeClr val="tx1"/>
-                </a:solidFill>
-                <a:latin typeface="Times New Roman" panose="02020603050405020304" pitchFamily="18" charset="0"/>
-                <a:cs typeface="Times New Roman" panose="02020603050405020304" pitchFamily="18" charset="0"/>
-              </a:rPr>
-              <a:t>Phần</a:t>
-            </a:r>
-            <a:r>
-              <a:rPr lang="en-US" sz="2400" dirty="0">
-                <a:solidFill>
-                  <a:schemeClr val="tx1"/>
-                </a:solidFill>
-                <a:latin typeface="Times New Roman" panose="02020603050405020304" pitchFamily="18" charset="0"/>
-                <a:cs typeface="Times New Roman" panose="02020603050405020304" pitchFamily="18" charset="0"/>
-              </a:rPr>
-              <a:t> </a:t>
-            </a:r>
-            <a:r>
-              <a:rPr lang="en-US" sz="2400" dirty="0" err="1">
-                <a:solidFill>
-                  <a:schemeClr val="tx1"/>
-                </a:solidFill>
-                <a:latin typeface="Times New Roman" panose="02020603050405020304" pitchFamily="18" charset="0"/>
-                <a:cs typeface="Times New Roman" panose="02020603050405020304" pitchFamily="18" charset="0"/>
-              </a:rPr>
-              <a:t>giao</a:t>
-            </a:r>
-            <a:r>
-              <a:rPr lang="en-US" sz="2400" dirty="0">
-                <a:solidFill>
-                  <a:schemeClr val="tx1"/>
-                </a:solidFill>
-                <a:latin typeface="Times New Roman" panose="02020603050405020304" pitchFamily="18" charset="0"/>
-                <a:cs typeface="Times New Roman" panose="02020603050405020304" pitchFamily="18" charset="0"/>
-              </a:rPr>
-              <a:t> </a:t>
-            </a:r>
-            <a:r>
-              <a:rPr lang="en-US" sz="2400" dirty="0" err="1">
-                <a:solidFill>
-                  <a:schemeClr val="tx1"/>
-                </a:solidFill>
-                <a:latin typeface="Times New Roman" panose="02020603050405020304" pitchFamily="18" charset="0"/>
-                <a:cs typeface="Times New Roman" panose="02020603050405020304" pitchFamily="18" charset="0"/>
-              </a:rPr>
-              <a:t>diện</a:t>
-            </a:r>
-            <a:r>
-              <a:rPr lang="en-US" sz="2400" dirty="0">
-                <a:solidFill>
-                  <a:schemeClr val="tx1"/>
-                </a:solidFill>
-                <a:latin typeface="Times New Roman" panose="02020603050405020304" pitchFamily="18" charset="0"/>
-                <a:cs typeface="Times New Roman" panose="02020603050405020304" pitchFamily="18" charset="0"/>
-              </a:rPr>
-              <a:t> </a:t>
-            </a:r>
-            <a:r>
-              <a:rPr lang="en-US" sz="2400" dirty="0" err="1">
-                <a:solidFill>
-                  <a:schemeClr val="tx1"/>
-                </a:solidFill>
-                <a:latin typeface="Times New Roman" panose="02020603050405020304" pitchFamily="18" charset="0"/>
-                <a:cs typeface="Times New Roman" panose="02020603050405020304" pitchFamily="18" charset="0"/>
-              </a:rPr>
-              <a:t>thiết</a:t>
-            </a:r>
-            <a:r>
-              <a:rPr lang="en-US" sz="2400" dirty="0">
-                <a:solidFill>
-                  <a:schemeClr val="tx1"/>
-                </a:solidFill>
-                <a:latin typeface="Times New Roman" panose="02020603050405020304" pitchFamily="18" charset="0"/>
-                <a:cs typeface="Times New Roman" panose="02020603050405020304" pitchFamily="18" charset="0"/>
-              </a:rPr>
-              <a:t> </a:t>
-            </a:r>
-            <a:r>
-              <a:rPr lang="en-US" sz="2400" dirty="0" err="1">
-                <a:solidFill>
-                  <a:schemeClr val="tx1"/>
-                </a:solidFill>
-                <a:latin typeface="Times New Roman" panose="02020603050405020304" pitchFamily="18" charset="0"/>
-                <a:cs typeface="Times New Roman" panose="02020603050405020304" pitchFamily="18" charset="0"/>
-              </a:rPr>
-              <a:t>kế</a:t>
-            </a:r>
-            <a:r>
-              <a:rPr lang="en-US" sz="2400" dirty="0">
-                <a:solidFill>
-                  <a:schemeClr val="tx1"/>
-                </a:solidFill>
-                <a:latin typeface="Times New Roman" panose="02020603050405020304" pitchFamily="18" charset="0"/>
-                <a:cs typeface="Times New Roman" panose="02020603050405020304" pitchFamily="18" charset="0"/>
-              </a:rPr>
-              <a:t> </a:t>
-            </a:r>
-            <a:r>
-              <a:rPr lang="en-US" sz="2400" dirty="0" err="1">
-                <a:solidFill>
-                  <a:schemeClr val="tx1"/>
-                </a:solidFill>
-                <a:latin typeface="Times New Roman" panose="02020603050405020304" pitchFamily="18" charset="0"/>
-                <a:cs typeface="Times New Roman" panose="02020603050405020304" pitchFamily="18" charset="0"/>
-              </a:rPr>
-              <a:t>chưa</a:t>
-            </a:r>
-            <a:r>
-              <a:rPr lang="en-US" sz="2400" dirty="0">
-                <a:solidFill>
-                  <a:schemeClr val="tx1"/>
-                </a:solidFill>
-                <a:latin typeface="Times New Roman" panose="02020603050405020304" pitchFamily="18" charset="0"/>
-                <a:cs typeface="Times New Roman" panose="02020603050405020304" pitchFamily="18" charset="0"/>
-              </a:rPr>
-              <a:t> </a:t>
-            </a:r>
-            <a:r>
-              <a:rPr lang="en-US" sz="2400" dirty="0" err="1">
-                <a:solidFill>
-                  <a:schemeClr val="tx1"/>
-                </a:solidFill>
-                <a:latin typeface="Times New Roman" panose="02020603050405020304" pitchFamily="18" charset="0"/>
-                <a:cs typeface="Times New Roman" panose="02020603050405020304" pitchFamily="18" charset="0"/>
-              </a:rPr>
-              <a:t>được</a:t>
-            </a:r>
-            <a:r>
-              <a:rPr lang="en-US" sz="2400" dirty="0">
-                <a:solidFill>
-                  <a:schemeClr val="tx1"/>
-                </a:solidFill>
-                <a:latin typeface="Times New Roman" panose="02020603050405020304" pitchFamily="18" charset="0"/>
-                <a:cs typeface="Times New Roman" panose="02020603050405020304" pitchFamily="18" charset="0"/>
-              </a:rPr>
-              <a:t> </a:t>
-            </a:r>
-            <a:r>
-              <a:rPr lang="en-US" sz="2400" dirty="0" err="1">
-                <a:solidFill>
-                  <a:schemeClr val="tx1"/>
-                </a:solidFill>
-                <a:latin typeface="Times New Roman" panose="02020603050405020304" pitchFamily="18" charset="0"/>
-                <a:cs typeface="Times New Roman" panose="02020603050405020304" pitchFamily="18" charset="0"/>
-              </a:rPr>
-              <a:t>đẹp</a:t>
-            </a:r>
-            <a:r>
-              <a:rPr lang="en-US" sz="2400" dirty="0">
-                <a:solidFill>
-                  <a:schemeClr val="tx1"/>
-                </a:solidFill>
-                <a:latin typeface="Times New Roman" panose="02020603050405020304" pitchFamily="18" charset="0"/>
-                <a:cs typeface="Times New Roman" panose="02020603050405020304" pitchFamily="18" charset="0"/>
-              </a:rPr>
-              <a:t>, </a:t>
-            </a:r>
-            <a:r>
-              <a:rPr lang="en-US" sz="2400" dirty="0" err="1">
-                <a:solidFill>
-                  <a:schemeClr val="tx1"/>
-                </a:solidFill>
-                <a:latin typeface="Times New Roman" panose="02020603050405020304" pitchFamily="18" charset="0"/>
-                <a:cs typeface="Times New Roman" panose="02020603050405020304" pitchFamily="18" charset="0"/>
-              </a:rPr>
-              <a:t>chưa</a:t>
-            </a:r>
-            <a:r>
-              <a:rPr lang="en-US" sz="2400" dirty="0">
-                <a:solidFill>
-                  <a:schemeClr val="tx1"/>
-                </a:solidFill>
-                <a:latin typeface="Times New Roman" panose="02020603050405020304" pitchFamily="18" charset="0"/>
-                <a:cs typeface="Times New Roman" panose="02020603050405020304" pitchFamily="18" charset="0"/>
-              </a:rPr>
-              <a:t> </a:t>
-            </a:r>
-            <a:r>
-              <a:rPr lang="en-US" sz="2400" dirty="0" err="1">
-                <a:solidFill>
-                  <a:schemeClr val="tx1"/>
-                </a:solidFill>
-                <a:latin typeface="Times New Roman" panose="02020603050405020304" pitchFamily="18" charset="0"/>
-                <a:cs typeface="Times New Roman" panose="02020603050405020304" pitchFamily="18" charset="0"/>
-              </a:rPr>
-              <a:t>hoàn</a:t>
-            </a:r>
-            <a:r>
-              <a:rPr lang="en-US" sz="2400" dirty="0">
-                <a:solidFill>
-                  <a:schemeClr val="tx1"/>
-                </a:solidFill>
-                <a:latin typeface="Times New Roman" panose="02020603050405020304" pitchFamily="18" charset="0"/>
-                <a:cs typeface="Times New Roman" panose="02020603050405020304" pitchFamily="18" charset="0"/>
-              </a:rPr>
-              <a:t> </a:t>
-            </a:r>
-            <a:r>
-              <a:rPr lang="en-US" sz="2400" dirty="0" err="1">
-                <a:solidFill>
-                  <a:schemeClr val="tx1"/>
-                </a:solidFill>
-                <a:latin typeface="Times New Roman" panose="02020603050405020304" pitchFamily="18" charset="0"/>
-                <a:cs typeface="Times New Roman" panose="02020603050405020304" pitchFamily="18" charset="0"/>
-              </a:rPr>
-              <a:t>thiện</a:t>
-            </a:r>
-            <a:r>
-              <a:rPr lang="en-US" sz="2400" dirty="0">
-                <a:solidFill>
-                  <a:schemeClr val="tx1"/>
-                </a:solidFill>
-                <a:latin typeface="Times New Roman" panose="02020603050405020304" pitchFamily="18" charset="0"/>
-                <a:cs typeface="Times New Roman" panose="02020603050405020304" pitchFamily="18" charset="0"/>
-              </a:rPr>
-              <a:t>.</a:t>
-            </a:r>
-          </a:p>
-          <a:p>
-            <a:pPr marL="0" indent="0">
-              <a:buNone/>
-            </a:pPr>
-            <a:endParaRPr lang="en-US" sz="2200" dirty="0" smtClean="0">
-              <a:solidFill>
-                <a:schemeClr val="tx1"/>
-              </a:solidFill>
-              <a:latin typeface="Times New Roman" panose="02020603050405020304" pitchFamily="18" charset="0"/>
-              <a:cs typeface="Times New Roman" panose="02020603050405020304" pitchFamily="18" charset="0"/>
-            </a:endParaRPr>
-          </a:p>
-        </p:txBody>
-      </p:sp>
-    </p:spTree>
-    <p:extLst>
-      <p:ext uri="{BB962C8B-B14F-4D97-AF65-F5344CB8AC3E}">
-        <p14:creationId xmlns:p14="http://schemas.microsoft.com/office/powerpoint/2010/main" val="2580580162"/>
-      </p:ext>
-    </p:extLst>
-  </p:cSld>
-  <p:clrMapOvr>
-    <a:masterClrMapping/>
-  </p:clrMapOvr>
-  <p:timing>
-    <p:tnLst>
-      <p:par>
-        <p:cTn id="1" dur="indefinite" restart="never" nodeType="tmRoot">
-          <p:childTnLst>
-            <p:seq concurrent="1" nextAc="seek">
-              <p:cTn id="2" dur="indefinite" nodeType="mainSeq">
-                <p:childTnLst>
-                  <p:par>
-                    <p:cTn id="3" fill="hold">
-                      <p:stCondLst>
-                        <p:cond delay="indefinite"/>
-                      </p:stCondLst>
-                      <p:childTnLst>
-                        <p:par>
-                          <p:cTn id="4" fill="hold">
-                            <p:stCondLst>
-                              <p:cond delay="0"/>
-                            </p:stCondLst>
-                            <p:childTnLst>
-                              <p:par>
-                                <p:cTn id="5" presetID="42" presetClass="entr" presetSubtype="0" fill="hold" grpId="0" nodeType="clickEffect">
-                                  <p:stCondLst>
-                                    <p:cond delay="0"/>
-                                  </p:stCondLst>
-                                  <p:childTnLst>
-                                    <p:set>
-                                      <p:cBhvr>
-                                        <p:cTn id="6" dur="1" fill="hold">
-                                          <p:stCondLst>
-                                            <p:cond delay="0"/>
-                                          </p:stCondLst>
-                                        </p:cTn>
-                                        <p:tgtEl>
-                                          <p:spTgt spid="2"/>
-                                        </p:tgtEl>
-                                        <p:attrNameLst>
-                                          <p:attrName>style.visibility</p:attrName>
-                                        </p:attrNameLst>
-                                      </p:cBhvr>
-                                      <p:to>
-                                        <p:strVal val="visible"/>
-                                      </p:to>
-                                    </p:set>
-                                    <p:animEffect transition="in" filter="fade">
-                                      <p:cBhvr>
-                                        <p:cTn id="7" dur="1000"/>
-                                        <p:tgtEl>
-                                          <p:spTgt spid="2"/>
-                                        </p:tgtEl>
-                                      </p:cBhvr>
-                                    </p:animEffect>
-                                    <p:anim calcmode="lin" valueType="num">
-                                      <p:cBhvr>
-                                        <p:cTn id="8" dur="1000" fill="hold"/>
-                                        <p:tgtEl>
-                                          <p:spTgt spid="2"/>
-                                        </p:tgtEl>
-                                        <p:attrNameLst>
-                                          <p:attrName>ppt_x</p:attrName>
-                                        </p:attrNameLst>
-                                      </p:cBhvr>
-                                      <p:tavLst>
-                                        <p:tav tm="0">
-                                          <p:val>
-                                            <p:strVal val="#ppt_x"/>
-                                          </p:val>
-                                        </p:tav>
-                                        <p:tav tm="100000">
-                                          <p:val>
-                                            <p:strVal val="#ppt_x"/>
-                                          </p:val>
-                                        </p:tav>
-                                      </p:tavLst>
-                                    </p:anim>
-                                    <p:anim calcmode="lin" valueType="num">
-                                      <p:cBhvr>
-                                        <p:cTn id="9" dur="1000" fill="hold"/>
-                                        <p:tgtEl>
-                                          <p:spTgt spid="2"/>
-                                        </p:tgtEl>
-                                        <p:attrNameLst>
-                                          <p:attrName>ppt_y</p:attrName>
-                                        </p:attrNameLst>
-                                      </p:cBhvr>
-                                      <p:tavLst>
-                                        <p:tav tm="0">
-                                          <p:val>
-                                            <p:strVal val="#ppt_y+.1"/>
-                                          </p:val>
-                                        </p:tav>
-                                        <p:tav tm="100000">
-                                          <p:val>
-                                            <p:strVal val="#ppt_y"/>
-                                          </p:val>
-                                        </p:tav>
-                                      </p:tavLst>
-                                    </p:anim>
-                                  </p:childTnLst>
-                                </p:cTn>
-                              </p:par>
-                            </p:childTnLst>
-                          </p:cTn>
-                        </p:par>
-                      </p:childTnLst>
-                    </p:cTn>
-                  </p:par>
-                  <p:par>
-                    <p:cTn id="10" fill="hold">
-                      <p:stCondLst>
-                        <p:cond delay="indefinite"/>
-                      </p:stCondLst>
-                      <p:childTnLst>
-                        <p:par>
-                          <p:cTn id="11" fill="hold">
-                            <p:stCondLst>
-                              <p:cond delay="0"/>
-                            </p:stCondLst>
-                            <p:childTnLst>
-                              <p:par>
-                                <p:cTn id="12" presetID="10" presetClass="entr" presetSubtype="0" fill="hold" nodeType="clickEffect">
-                                  <p:stCondLst>
-                                    <p:cond delay="0"/>
-                                  </p:stCondLst>
-                                  <p:childTnLst>
-                                    <p:set>
-                                      <p:cBhvr>
-                                        <p:cTn id="13" dur="1" fill="hold">
-                                          <p:stCondLst>
-                                            <p:cond delay="0"/>
-                                          </p:stCondLst>
-                                        </p:cTn>
-                                        <p:tgtEl>
-                                          <p:spTgt spid="3">
-                                            <p:txEl>
-                                              <p:pRg st="0" end="0"/>
-                                            </p:txEl>
-                                          </p:spTgt>
-                                        </p:tgtEl>
-                                        <p:attrNameLst>
-                                          <p:attrName>style.visibility</p:attrName>
-                                        </p:attrNameLst>
-                                      </p:cBhvr>
-                                      <p:to>
-                                        <p:strVal val="visible"/>
-                                      </p:to>
-                                    </p:set>
-                                    <p:animEffect transition="in" filter="fade">
-                                      <p:cBhvr>
-                                        <p:cTn id="14" dur="500"/>
-                                        <p:tgtEl>
-                                          <p:spTgt spid="3">
-                                            <p:txEl>
-                                              <p:pRg st="0" end="0"/>
-                                            </p:txEl>
-                                          </p:spTgt>
-                                        </p:tgtEl>
-                                      </p:cBhvr>
-                                    </p:animEffect>
-                                  </p:childTnLst>
-                                </p:cTn>
-                              </p:par>
-                            </p:childTnLst>
-                          </p:cTn>
-                        </p:par>
-                      </p:childTnLst>
-                    </p:cTn>
-                  </p:par>
-                  <p:par>
-                    <p:cTn id="15" fill="hold">
-                      <p:stCondLst>
-                        <p:cond delay="indefinite"/>
-                      </p:stCondLst>
-                      <p:childTnLst>
-                        <p:par>
-                          <p:cTn id="16" fill="hold">
-                            <p:stCondLst>
-                              <p:cond delay="0"/>
-                            </p:stCondLst>
-                            <p:childTnLst>
-                              <p:par>
-                                <p:cTn id="17" presetID="10" presetClass="entr" presetSubtype="0" fill="hold" nodeType="clickEffect">
-                                  <p:stCondLst>
-                                    <p:cond delay="0"/>
-                                  </p:stCondLst>
-                                  <p:childTnLst>
-                                    <p:set>
-                                      <p:cBhvr>
-                                        <p:cTn id="18" dur="1" fill="hold">
-                                          <p:stCondLst>
-                                            <p:cond delay="0"/>
-                                          </p:stCondLst>
-                                        </p:cTn>
-                                        <p:tgtEl>
-                                          <p:spTgt spid="3">
-                                            <p:txEl>
-                                              <p:pRg st="1" end="1"/>
-                                            </p:txEl>
-                                          </p:spTgt>
-                                        </p:tgtEl>
-                                        <p:attrNameLst>
-                                          <p:attrName>style.visibility</p:attrName>
-                                        </p:attrNameLst>
-                                      </p:cBhvr>
-                                      <p:to>
-                                        <p:strVal val="visible"/>
-                                      </p:to>
-                                    </p:set>
-                                    <p:animEffect transition="in" filter="fade">
-                                      <p:cBhvr>
-                                        <p:cTn id="19" dur="500"/>
-                                        <p:tgtEl>
-                                          <p:spTgt spid="3">
-                                            <p:txEl>
-                                              <p:pRg st="1" end="1"/>
-                                            </p:txEl>
-                                          </p:spTgt>
-                                        </p:tgtEl>
-                                      </p:cBhvr>
-                                    </p:animEffect>
-                                  </p:childTnLst>
-                                </p:cTn>
-                              </p:par>
-                            </p:childTnLst>
-                          </p:cTn>
-                        </p:par>
-                      </p:childTnLst>
-                    </p:cTn>
-                  </p:par>
-                  <p:par>
-                    <p:cTn id="20" fill="hold">
-                      <p:stCondLst>
-                        <p:cond delay="indefinite"/>
-                      </p:stCondLst>
-                      <p:childTnLst>
-                        <p:par>
-                          <p:cTn id="21" fill="hold">
-                            <p:stCondLst>
-                              <p:cond delay="0"/>
-                            </p:stCondLst>
-                            <p:childTnLst>
-                              <p:par>
-                                <p:cTn id="22" presetID="10" presetClass="entr" presetSubtype="0" fill="hold" nodeType="clickEffect">
-                                  <p:stCondLst>
-                                    <p:cond delay="0"/>
-                                  </p:stCondLst>
-                                  <p:childTnLst>
-                                    <p:set>
-                                      <p:cBhvr>
-                                        <p:cTn id="23" dur="1" fill="hold">
-                                          <p:stCondLst>
-                                            <p:cond delay="0"/>
-                                          </p:stCondLst>
-                                        </p:cTn>
-                                        <p:tgtEl>
-                                          <p:spTgt spid="3">
-                                            <p:txEl>
-                                              <p:pRg st="2" end="2"/>
-                                            </p:txEl>
-                                          </p:spTgt>
-                                        </p:tgtEl>
-                                        <p:attrNameLst>
-                                          <p:attrName>style.visibility</p:attrName>
-                                        </p:attrNameLst>
-                                      </p:cBhvr>
-                                      <p:to>
-                                        <p:strVal val="visible"/>
-                                      </p:to>
-                                    </p:set>
-                                    <p:animEffect transition="in" filter="fade">
-                                      <p:cBhvr>
-                                        <p:cTn id="24" dur="500"/>
-                                        <p:tgtEl>
-                                          <p:spTgt spid="3">
-                                            <p:txEl>
-                                              <p:pRg st="2" end="2"/>
-                                            </p:txEl>
-                                          </p:spTgt>
-                                        </p:tgtEl>
-                                      </p:cBhvr>
-                                    </p:animEffect>
-                                  </p:childTnLst>
-                                </p:cTn>
-                              </p:par>
-                            </p:childTnLst>
-                          </p:cTn>
-                        </p:par>
-                      </p:childTnLst>
-                    </p:cTn>
-                  </p:par>
-                </p:childTnLst>
-              </p:cTn>
-              <p:prevCondLst>
-                <p:cond evt="onPrev" delay="0">
-                  <p:tgtEl>
-                    <p:sldTgt/>
-                  </p:tgtEl>
-                </p:cond>
-              </p:prevCondLst>
-              <p:nextCondLst>
-                <p:cond evt="onNext" delay="0">
-                  <p:tgtEl>
-                    <p:sldTgt/>
-                  </p:tgtEl>
-                </p:cond>
-              </p:nextCondLst>
-            </p:seq>
-          </p:childTnLst>
-        </p:cTn>
-      </p:par>
-    </p:tnLst>
-    <p:bldLst>
-      <p:bldP spid="2" grpId="0"/>
-    </p:bldLst>
-  </p:timing>
-</p:sld>
-</file>
-
-<file path=ppt/slides/slide11.xml><?xml version="1.0" encoding="utf-8"?>
-<p:sld xmlns:a="http://schemas.openxmlformats.org/drawingml/2006/main" xmlns:r="http://schemas.openxmlformats.org/officeDocument/2006/relationships" xmlns:p="http://schemas.openxmlformats.org/presentationml/2006/main">
-  <p:cSld>
-    <p:spTree>
-      <p:nvGrpSpPr>
-        <p:cNvPr id="1" name=""/>
-        <p:cNvGrpSpPr/>
-        <p:nvPr/>
-      </p:nvGrpSpPr>
-      <p:grpSpPr>
-        <a:xfrm>
-          <a:off x="0" y="0"/>
-          <a:ext cx="0" cy="0"/>
-          <a:chOff x="0" y="0"/>
-          <a:chExt cx="0" cy="0"/>
-        </a:xfrm>
-      </p:grpSpPr>
-      <p:sp>
-        <p:nvSpPr>
-          <p:cNvPr id="2" name="Title 1"/>
-          <p:cNvSpPr>
-            <a:spLocks noGrp="1"/>
-          </p:cNvSpPr>
-          <p:nvPr>
-            <p:ph type="title"/>
-          </p:nvPr>
-        </p:nvSpPr>
-        <p:spPr/>
-        <p:txBody>
-          <a:bodyPr/>
-          <a:lstStyle/>
-          <a:p>
-            <a:r>
-              <a:rPr lang="en-US" dirty="0">
-                <a:latin typeface="Times New Roman" panose="02020603050405020304" pitchFamily="18" charset="0"/>
-                <a:cs typeface="Times New Roman" panose="02020603050405020304" pitchFamily="18" charset="0"/>
-              </a:rPr>
-              <a:t>5</a:t>
-            </a:r>
-            <a:r>
-              <a:rPr lang="en-US" dirty="0" smtClean="0">
-                <a:latin typeface="Times New Roman" panose="02020603050405020304" pitchFamily="18" charset="0"/>
-                <a:cs typeface="Times New Roman" panose="02020603050405020304" pitchFamily="18" charset="0"/>
-              </a:rPr>
-              <a:t>. </a:t>
-            </a:r>
-            <a:r>
-              <a:rPr lang="en-US" dirty="0" smtClean="0">
-                <a:latin typeface="Times New Roman" panose="02020603050405020304" pitchFamily="18" charset="0"/>
-                <a:cs typeface="Times New Roman" panose="02020603050405020304" pitchFamily="18" charset="0"/>
-              </a:rPr>
-              <a:t>HƯỚNG PHÁT TRIỂN</a:t>
-            </a:r>
-            <a:endParaRPr lang="en-US" dirty="0">
-              <a:latin typeface="Times New Roman" panose="02020603050405020304" pitchFamily="18" charset="0"/>
-              <a:cs typeface="Times New Roman" panose="02020603050405020304" pitchFamily="18" charset="0"/>
-            </a:endParaRPr>
-          </a:p>
-        </p:txBody>
-      </p:sp>
-      <p:sp>
-        <p:nvSpPr>
-          <p:cNvPr id="3" name="Content Placeholder 2"/>
-          <p:cNvSpPr>
-            <a:spLocks noGrp="1"/>
-          </p:cNvSpPr>
-          <p:nvPr>
-            <p:ph idx="1"/>
-          </p:nvPr>
-        </p:nvSpPr>
-        <p:spPr/>
-        <p:txBody>
-          <a:bodyPr>
-            <a:normAutofit/>
-          </a:bodyPr>
-          <a:lstStyle/>
-          <a:p>
-            <a:pPr marL="0" indent="0">
-              <a:buNone/>
-            </a:pPr>
-            <a:r>
-              <a:rPr lang="en-US" sz="2400" dirty="0">
-                <a:solidFill>
-                  <a:schemeClr val="tx1"/>
-                </a:solidFill>
-                <a:latin typeface="Times New Roman" panose="02020603050405020304" pitchFamily="18" charset="0"/>
-                <a:cs typeface="Times New Roman" panose="02020603050405020304" pitchFamily="18" charset="0"/>
-              </a:rPr>
-              <a:t>- </a:t>
-            </a:r>
-            <a:r>
-              <a:rPr lang="en-US" sz="2400" dirty="0" err="1">
-                <a:solidFill>
-                  <a:schemeClr val="tx1"/>
-                </a:solidFill>
-                <a:latin typeface="Times New Roman" panose="02020603050405020304" pitchFamily="18" charset="0"/>
-                <a:cs typeface="Times New Roman" panose="02020603050405020304" pitchFamily="18" charset="0"/>
-              </a:rPr>
-              <a:t>Thêm</a:t>
-            </a:r>
-            <a:r>
-              <a:rPr lang="en-US" sz="2400" dirty="0">
-                <a:solidFill>
-                  <a:schemeClr val="tx1"/>
-                </a:solidFill>
-                <a:latin typeface="Times New Roman" panose="02020603050405020304" pitchFamily="18" charset="0"/>
-                <a:cs typeface="Times New Roman" panose="02020603050405020304" pitchFamily="18" charset="0"/>
-              </a:rPr>
-              <a:t> </a:t>
-            </a:r>
-            <a:r>
-              <a:rPr lang="en-US" sz="2400" dirty="0" err="1">
-                <a:solidFill>
-                  <a:schemeClr val="tx1"/>
-                </a:solidFill>
-                <a:latin typeface="Times New Roman" panose="02020603050405020304" pitchFamily="18" charset="0"/>
-                <a:cs typeface="Times New Roman" panose="02020603050405020304" pitchFamily="18" charset="0"/>
-              </a:rPr>
-              <a:t>tính</a:t>
-            </a:r>
-            <a:r>
-              <a:rPr lang="en-US" sz="2400" dirty="0">
-                <a:solidFill>
-                  <a:schemeClr val="tx1"/>
-                </a:solidFill>
-                <a:latin typeface="Times New Roman" panose="02020603050405020304" pitchFamily="18" charset="0"/>
-                <a:cs typeface="Times New Roman" panose="02020603050405020304" pitchFamily="18" charset="0"/>
-              </a:rPr>
-              <a:t> </a:t>
-            </a:r>
-            <a:r>
-              <a:rPr lang="en-US" sz="2400" dirty="0" err="1">
-                <a:solidFill>
-                  <a:schemeClr val="tx1"/>
-                </a:solidFill>
-                <a:latin typeface="Times New Roman" panose="02020603050405020304" pitchFamily="18" charset="0"/>
-                <a:cs typeface="Times New Roman" panose="02020603050405020304" pitchFamily="18" charset="0"/>
-              </a:rPr>
-              <a:t>năng</a:t>
-            </a:r>
-            <a:r>
-              <a:rPr lang="en-US" sz="2400" dirty="0">
-                <a:solidFill>
-                  <a:schemeClr val="tx1"/>
-                </a:solidFill>
-                <a:latin typeface="Times New Roman" panose="02020603050405020304" pitchFamily="18" charset="0"/>
-                <a:cs typeface="Times New Roman" panose="02020603050405020304" pitchFamily="18" charset="0"/>
-              </a:rPr>
-              <a:t> </a:t>
-            </a:r>
-            <a:r>
-              <a:rPr lang="en-US" sz="2400" dirty="0" err="1">
-                <a:solidFill>
-                  <a:schemeClr val="tx1"/>
-                </a:solidFill>
-                <a:latin typeface="Times New Roman" panose="02020603050405020304" pitchFamily="18" charset="0"/>
-                <a:cs typeface="Times New Roman" panose="02020603050405020304" pitchFamily="18" charset="0"/>
-              </a:rPr>
-              <a:t>gợi</a:t>
-            </a:r>
-            <a:r>
-              <a:rPr lang="en-US" sz="2400" dirty="0">
-                <a:solidFill>
-                  <a:schemeClr val="tx1"/>
-                </a:solidFill>
-                <a:latin typeface="Times New Roman" panose="02020603050405020304" pitchFamily="18" charset="0"/>
-                <a:cs typeface="Times New Roman" panose="02020603050405020304" pitchFamily="18" charset="0"/>
-              </a:rPr>
-              <a:t> ý.</a:t>
-            </a:r>
-          </a:p>
-          <a:p>
-            <a:pPr marL="0" indent="0">
-              <a:buNone/>
-            </a:pPr>
-            <a:r>
-              <a:rPr lang="en-US" sz="2400" dirty="0">
-                <a:solidFill>
-                  <a:schemeClr val="tx1"/>
-                </a:solidFill>
-                <a:latin typeface="Times New Roman" panose="02020603050405020304" pitchFamily="18" charset="0"/>
-                <a:cs typeface="Times New Roman" panose="02020603050405020304" pitchFamily="18" charset="0"/>
-              </a:rPr>
-              <a:t>- </a:t>
-            </a:r>
-            <a:r>
-              <a:rPr lang="en-US" sz="2400" dirty="0" err="1">
-                <a:solidFill>
-                  <a:schemeClr val="tx1"/>
-                </a:solidFill>
-                <a:latin typeface="Times New Roman" panose="02020603050405020304" pitchFamily="18" charset="0"/>
-                <a:cs typeface="Times New Roman" panose="02020603050405020304" pitchFamily="18" charset="0"/>
-              </a:rPr>
-              <a:t>Thay</a:t>
-            </a:r>
-            <a:r>
-              <a:rPr lang="en-US" sz="2400" dirty="0">
-                <a:solidFill>
-                  <a:schemeClr val="tx1"/>
-                </a:solidFill>
-                <a:latin typeface="Times New Roman" panose="02020603050405020304" pitchFamily="18" charset="0"/>
-                <a:cs typeface="Times New Roman" panose="02020603050405020304" pitchFamily="18" charset="0"/>
-              </a:rPr>
-              <a:t> </a:t>
-            </a:r>
-            <a:r>
-              <a:rPr lang="en-US" sz="2400" dirty="0" err="1">
-                <a:solidFill>
-                  <a:schemeClr val="tx1"/>
-                </a:solidFill>
-                <a:latin typeface="Times New Roman" panose="02020603050405020304" pitchFamily="18" charset="0"/>
-                <a:cs typeface="Times New Roman" panose="02020603050405020304" pitchFamily="18" charset="0"/>
-              </a:rPr>
-              <a:t>đổi</a:t>
-            </a:r>
-            <a:r>
-              <a:rPr lang="en-US" sz="2400" dirty="0">
-                <a:solidFill>
-                  <a:schemeClr val="tx1"/>
-                </a:solidFill>
-                <a:latin typeface="Times New Roman" panose="02020603050405020304" pitchFamily="18" charset="0"/>
-                <a:cs typeface="Times New Roman" panose="02020603050405020304" pitchFamily="18" charset="0"/>
-              </a:rPr>
-              <a:t> </a:t>
-            </a:r>
-            <a:r>
-              <a:rPr lang="en-US" sz="2400" dirty="0" err="1">
-                <a:solidFill>
-                  <a:schemeClr val="tx1"/>
-                </a:solidFill>
-                <a:latin typeface="Times New Roman" panose="02020603050405020304" pitchFamily="18" charset="0"/>
-                <a:cs typeface="Times New Roman" panose="02020603050405020304" pitchFamily="18" charset="0"/>
-              </a:rPr>
-              <a:t>cách</a:t>
-            </a:r>
-            <a:r>
-              <a:rPr lang="en-US" sz="2400" dirty="0">
-                <a:solidFill>
-                  <a:schemeClr val="tx1"/>
-                </a:solidFill>
-                <a:latin typeface="Times New Roman" panose="02020603050405020304" pitchFamily="18" charset="0"/>
-                <a:cs typeface="Times New Roman" panose="02020603050405020304" pitchFamily="18" charset="0"/>
-              </a:rPr>
-              <a:t> </a:t>
-            </a:r>
-            <a:r>
-              <a:rPr lang="en-US" sz="2400" dirty="0" err="1">
-                <a:solidFill>
-                  <a:schemeClr val="tx1"/>
-                </a:solidFill>
-                <a:latin typeface="Times New Roman" panose="02020603050405020304" pitchFamily="18" charset="0"/>
-                <a:cs typeface="Times New Roman" panose="02020603050405020304" pitchFamily="18" charset="0"/>
-              </a:rPr>
-              <a:t>chơi</a:t>
-            </a:r>
-            <a:r>
-              <a:rPr lang="en-US" sz="2400" dirty="0">
-                <a:solidFill>
-                  <a:schemeClr val="tx1"/>
-                </a:solidFill>
-                <a:latin typeface="Times New Roman" panose="02020603050405020304" pitchFamily="18" charset="0"/>
-                <a:cs typeface="Times New Roman" panose="02020603050405020304" pitchFamily="18" charset="0"/>
-              </a:rPr>
-              <a:t>: </a:t>
-            </a:r>
-            <a:r>
-              <a:rPr lang="en-US" sz="2400" dirty="0" err="1">
-                <a:solidFill>
-                  <a:schemeClr val="tx1"/>
-                </a:solidFill>
-                <a:latin typeface="Times New Roman" panose="02020603050405020304" pitchFamily="18" charset="0"/>
-                <a:cs typeface="Times New Roman" panose="02020603050405020304" pitchFamily="18" charset="0"/>
-              </a:rPr>
-              <a:t>thay</a:t>
-            </a:r>
-            <a:r>
-              <a:rPr lang="en-US" sz="2400" dirty="0">
-                <a:solidFill>
-                  <a:schemeClr val="tx1"/>
-                </a:solidFill>
-                <a:latin typeface="Times New Roman" panose="02020603050405020304" pitchFamily="18" charset="0"/>
-                <a:cs typeface="Times New Roman" panose="02020603050405020304" pitchFamily="18" charset="0"/>
-              </a:rPr>
-              <a:t> </a:t>
-            </a:r>
-            <a:r>
-              <a:rPr lang="en-US" sz="2400" dirty="0" err="1">
-                <a:solidFill>
-                  <a:schemeClr val="tx1"/>
-                </a:solidFill>
-                <a:latin typeface="Times New Roman" panose="02020603050405020304" pitchFamily="18" charset="0"/>
-                <a:cs typeface="Times New Roman" panose="02020603050405020304" pitchFamily="18" charset="0"/>
-              </a:rPr>
-              <a:t>vì</a:t>
-            </a:r>
-            <a:r>
-              <a:rPr lang="en-US" sz="2400" dirty="0">
-                <a:solidFill>
-                  <a:schemeClr val="tx1"/>
-                </a:solidFill>
-                <a:latin typeface="Times New Roman" panose="02020603050405020304" pitchFamily="18" charset="0"/>
-                <a:cs typeface="Times New Roman" panose="02020603050405020304" pitchFamily="18" charset="0"/>
-              </a:rPr>
-              <a:t> click </a:t>
-            </a:r>
-            <a:r>
-              <a:rPr lang="en-US" sz="2400" dirty="0" err="1">
-                <a:solidFill>
-                  <a:schemeClr val="tx1"/>
-                </a:solidFill>
-                <a:latin typeface="Times New Roman" panose="02020603050405020304" pitchFamily="18" charset="0"/>
-                <a:cs typeface="Times New Roman" panose="02020603050405020304" pitchFamily="18" charset="0"/>
-              </a:rPr>
-              <a:t>chọn</a:t>
-            </a:r>
-            <a:r>
-              <a:rPr lang="en-US" sz="2400" dirty="0">
-                <a:solidFill>
-                  <a:schemeClr val="tx1"/>
-                </a:solidFill>
-                <a:latin typeface="Times New Roman" panose="02020603050405020304" pitchFamily="18" charset="0"/>
-                <a:cs typeface="Times New Roman" panose="02020603050405020304" pitchFamily="18" charset="0"/>
-              </a:rPr>
-              <a:t> </a:t>
-            </a:r>
-            <a:r>
-              <a:rPr lang="en-US" sz="2400" dirty="0" err="1">
-                <a:solidFill>
-                  <a:schemeClr val="tx1"/>
-                </a:solidFill>
-                <a:latin typeface="Times New Roman" panose="02020603050405020304" pitchFamily="18" charset="0"/>
-                <a:cs typeface="Times New Roman" panose="02020603050405020304" pitchFamily="18" charset="0"/>
-              </a:rPr>
-              <a:t>số</a:t>
-            </a:r>
-            <a:r>
-              <a:rPr lang="en-US" sz="2400" dirty="0">
-                <a:solidFill>
-                  <a:schemeClr val="tx1"/>
-                </a:solidFill>
-                <a:latin typeface="Times New Roman" panose="02020603050405020304" pitchFamily="18" charset="0"/>
-                <a:cs typeface="Times New Roman" panose="02020603050405020304" pitchFamily="18" charset="0"/>
-              </a:rPr>
-              <a:t> </a:t>
-            </a:r>
-            <a:r>
-              <a:rPr lang="en-US" sz="2400" dirty="0" err="1">
-                <a:solidFill>
-                  <a:schemeClr val="tx1"/>
-                </a:solidFill>
-                <a:latin typeface="Times New Roman" panose="02020603050405020304" pitchFamily="18" charset="0"/>
-                <a:cs typeface="Times New Roman" panose="02020603050405020304" pitchFamily="18" charset="0"/>
-              </a:rPr>
-              <a:t>thì</a:t>
-            </a:r>
-            <a:r>
-              <a:rPr lang="en-US" sz="2400" dirty="0">
-                <a:solidFill>
-                  <a:schemeClr val="tx1"/>
-                </a:solidFill>
-                <a:latin typeface="Times New Roman" panose="02020603050405020304" pitchFamily="18" charset="0"/>
-                <a:cs typeface="Times New Roman" panose="02020603050405020304" pitchFamily="18" charset="0"/>
-              </a:rPr>
-              <a:t> </a:t>
-            </a:r>
-            <a:r>
-              <a:rPr lang="en-US" sz="2400" dirty="0" err="1">
-                <a:solidFill>
-                  <a:schemeClr val="tx1"/>
-                </a:solidFill>
-                <a:latin typeface="Times New Roman" panose="02020603050405020304" pitchFamily="18" charset="0"/>
-                <a:cs typeface="Times New Roman" panose="02020603050405020304" pitchFamily="18" charset="0"/>
-              </a:rPr>
-              <a:t>cho</a:t>
-            </a:r>
-            <a:r>
-              <a:rPr lang="en-US" sz="2400" dirty="0">
-                <a:solidFill>
-                  <a:schemeClr val="tx1"/>
-                </a:solidFill>
-                <a:latin typeface="Times New Roman" panose="02020603050405020304" pitchFamily="18" charset="0"/>
-                <a:cs typeface="Times New Roman" panose="02020603050405020304" pitchFamily="18" charset="0"/>
-              </a:rPr>
-              <a:t> </a:t>
-            </a:r>
-            <a:r>
-              <a:rPr lang="en-US" sz="2400" dirty="0" err="1">
-                <a:solidFill>
-                  <a:schemeClr val="tx1"/>
-                </a:solidFill>
-                <a:latin typeface="Times New Roman" panose="02020603050405020304" pitchFamily="18" charset="0"/>
-                <a:cs typeface="Times New Roman" panose="02020603050405020304" pitchFamily="18" charset="0"/>
-              </a:rPr>
-              <a:t>người</a:t>
-            </a:r>
-            <a:r>
-              <a:rPr lang="en-US" sz="2400" dirty="0">
-                <a:solidFill>
-                  <a:schemeClr val="tx1"/>
-                </a:solidFill>
-                <a:latin typeface="Times New Roman" panose="02020603050405020304" pitchFamily="18" charset="0"/>
-                <a:cs typeface="Times New Roman" panose="02020603050405020304" pitchFamily="18" charset="0"/>
-              </a:rPr>
-              <a:t> </a:t>
-            </a:r>
-            <a:r>
-              <a:rPr lang="en-US" sz="2400" dirty="0" err="1">
-                <a:solidFill>
-                  <a:schemeClr val="tx1"/>
-                </a:solidFill>
-                <a:latin typeface="Times New Roman" panose="02020603050405020304" pitchFamily="18" charset="0"/>
-                <a:cs typeface="Times New Roman" panose="02020603050405020304" pitchFamily="18" charset="0"/>
-              </a:rPr>
-              <a:t>chơi</a:t>
-            </a:r>
-            <a:r>
-              <a:rPr lang="en-US" sz="2400" dirty="0">
-                <a:solidFill>
-                  <a:schemeClr val="tx1"/>
-                </a:solidFill>
-                <a:latin typeface="Times New Roman" panose="02020603050405020304" pitchFamily="18" charset="0"/>
-                <a:cs typeface="Times New Roman" panose="02020603050405020304" pitchFamily="18" charset="0"/>
-              </a:rPr>
-              <a:t> </a:t>
-            </a:r>
-            <a:r>
-              <a:rPr lang="en-US" sz="2400" dirty="0" err="1">
-                <a:solidFill>
-                  <a:schemeClr val="tx1"/>
-                </a:solidFill>
-                <a:latin typeface="Times New Roman" panose="02020603050405020304" pitchFamily="18" charset="0"/>
-                <a:cs typeface="Times New Roman" panose="02020603050405020304" pitchFamily="18" charset="0"/>
-              </a:rPr>
-              <a:t>nhập</a:t>
-            </a:r>
-            <a:r>
-              <a:rPr lang="en-US" sz="2400" dirty="0">
-                <a:solidFill>
-                  <a:schemeClr val="tx1"/>
-                </a:solidFill>
-                <a:latin typeface="Times New Roman" panose="02020603050405020304" pitchFamily="18" charset="0"/>
-                <a:cs typeface="Times New Roman" panose="02020603050405020304" pitchFamily="18" charset="0"/>
-              </a:rPr>
-              <a:t> </a:t>
-            </a:r>
-            <a:r>
-              <a:rPr lang="en-US" sz="2400" dirty="0" err="1">
-                <a:solidFill>
-                  <a:schemeClr val="tx1"/>
-                </a:solidFill>
-                <a:latin typeface="Times New Roman" panose="02020603050405020304" pitchFamily="18" charset="0"/>
-                <a:cs typeface="Times New Roman" panose="02020603050405020304" pitchFamily="18" charset="0"/>
-              </a:rPr>
-              <a:t>số</a:t>
-            </a:r>
-            <a:r>
-              <a:rPr lang="en-US" sz="2400" dirty="0">
-                <a:solidFill>
-                  <a:schemeClr val="tx1"/>
-                </a:solidFill>
-                <a:latin typeface="Times New Roman" panose="02020603050405020304" pitchFamily="18" charset="0"/>
-                <a:cs typeface="Times New Roman" panose="02020603050405020304" pitchFamily="18" charset="0"/>
-              </a:rPr>
-              <a:t> (</a:t>
-            </a:r>
-            <a:r>
-              <a:rPr lang="en-US" sz="2400" dirty="0" err="1">
-                <a:solidFill>
-                  <a:schemeClr val="tx1"/>
-                </a:solidFill>
-                <a:latin typeface="Times New Roman" panose="02020603050405020304" pitchFamily="18" charset="0"/>
-                <a:cs typeface="Times New Roman" panose="02020603050405020304" pitchFamily="18" charset="0"/>
-              </a:rPr>
-              <a:t>hoặc</a:t>
-            </a:r>
-            <a:r>
-              <a:rPr lang="en-US" sz="2400" dirty="0">
-                <a:solidFill>
-                  <a:schemeClr val="tx1"/>
-                </a:solidFill>
-                <a:latin typeface="Times New Roman" panose="02020603050405020304" pitchFamily="18" charset="0"/>
-                <a:cs typeface="Times New Roman" panose="02020603050405020304" pitchFamily="18" charset="0"/>
-              </a:rPr>
-              <a:t> </a:t>
-            </a:r>
-            <a:r>
-              <a:rPr lang="en-US" sz="2400" dirty="0" err="1">
-                <a:solidFill>
-                  <a:schemeClr val="tx1"/>
-                </a:solidFill>
-                <a:latin typeface="Times New Roman" panose="02020603050405020304" pitchFamily="18" charset="0"/>
-                <a:cs typeface="Times New Roman" panose="02020603050405020304" pitchFamily="18" charset="0"/>
-              </a:rPr>
-              <a:t>chữ</a:t>
-            </a:r>
-            <a:r>
-              <a:rPr lang="en-US" sz="2400" dirty="0">
-                <a:solidFill>
-                  <a:schemeClr val="tx1"/>
-                </a:solidFill>
-                <a:latin typeface="Times New Roman" panose="02020603050405020304" pitchFamily="18" charset="0"/>
-                <a:cs typeface="Times New Roman" panose="02020603050405020304" pitchFamily="18" charset="0"/>
-              </a:rPr>
-              <a:t>) </a:t>
-            </a:r>
-            <a:r>
-              <a:rPr lang="en-US" sz="2400" dirty="0" err="1">
-                <a:solidFill>
-                  <a:schemeClr val="tx1"/>
-                </a:solidFill>
-                <a:latin typeface="Times New Roman" panose="02020603050405020304" pitchFamily="18" charset="0"/>
-                <a:cs typeface="Times New Roman" panose="02020603050405020304" pitchFamily="18" charset="0"/>
-              </a:rPr>
-              <a:t>từ</a:t>
-            </a:r>
-            <a:r>
-              <a:rPr lang="en-US" sz="2400" dirty="0">
-                <a:solidFill>
-                  <a:schemeClr val="tx1"/>
-                </a:solidFill>
-                <a:latin typeface="Times New Roman" panose="02020603050405020304" pitchFamily="18" charset="0"/>
-                <a:cs typeface="Times New Roman" panose="02020603050405020304" pitchFamily="18" charset="0"/>
-              </a:rPr>
-              <a:t> </a:t>
-            </a:r>
-            <a:r>
-              <a:rPr lang="en-US" sz="2400" dirty="0" err="1">
-                <a:solidFill>
-                  <a:schemeClr val="tx1"/>
-                </a:solidFill>
-                <a:latin typeface="Times New Roman" panose="02020603050405020304" pitchFamily="18" charset="0"/>
-                <a:cs typeface="Times New Roman" panose="02020603050405020304" pitchFamily="18" charset="0"/>
-              </a:rPr>
-              <a:t>bàn</a:t>
-            </a:r>
-            <a:r>
-              <a:rPr lang="en-US" sz="2400" dirty="0">
-                <a:solidFill>
-                  <a:schemeClr val="tx1"/>
-                </a:solidFill>
-                <a:latin typeface="Times New Roman" panose="02020603050405020304" pitchFamily="18" charset="0"/>
-                <a:cs typeface="Times New Roman" panose="02020603050405020304" pitchFamily="18" charset="0"/>
-              </a:rPr>
-              <a:t> </a:t>
-            </a:r>
-            <a:r>
-              <a:rPr lang="en-US" sz="2400" dirty="0" err="1">
-                <a:solidFill>
-                  <a:schemeClr val="tx1"/>
-                </a:solidFill>
-                <a:latin typeface="Times New Roman" panose="02020603050405020304" pitchFamily="18" charset="0"/>
-                <a:cs typeface="Times New Roman" panose="02020603050405020304" pitchFamily="18" charset="0"/>
-              </a:rPr>
-              <a:t>phím</a:t>
-            </a:r>
-            <a:r>
-              <a:rPr lang="en-US" sz="2400" dirty="0">
-                <a:solidFill>
-                  <a:schemeClr val="tx1"/>
-                </a:solidFill>
-                <a:latin typeface="Times New Roman" panose="02020603050405020304" pitchFamily="18" charset="0"/>
-                <a:cs typeface="Times New Roman" panose="02020603050405020304" pitchFamily="18" charset="0"/>
-              </a:rPr>
-              <a:t>.</a:t>
-            </a:r>
-          </a:p>
-          <a:p>
-            <a:pPr marL="0" indent="0">
-              <a:buNone/>
-            </a:pPr>
-            <a:r>
-              <a:rPr lang="en-US" sz="2400" dirty="0">
-                <a:solidFill>
-                  <a:schemeClr val="tx1"/>
-                </a:solidFill>
-                <a:latin typeface="Times New Roman" panose="02020603050405020304" pitchFamily="18" charset="0"/>
-                <a:cs typeface="Times New Roman" panose="02020603050405020304" pitchFamily="18" charset="0"/>
-              </a:rPr>
-              <a:t>- </a:t>
-            </a:r>
-            <a:r>
-              <a:rPr lang="en-US" sz="2400" dirty="0" err="1">
-                <a:solidFill>
-                  <a:schemeClr val="tx1"/>
-                </a:solidFill>
-                <a:latin typeface="Times New Roman" panose="02020603050405020304" pitchFamily="18" charset="0"/>
-                <a:cs typeface="Times New Roman" panose="02020603050405020304" pitchFamily="18" charset="0"/>
-              </a:rPr>
-              <a:t>Thêm</a:t>
-            </a:r>
-            <a:r>
-              <a:rPr lang="en-US" sz="2400" dirty="0">
-                <a:solidFill>
-                  <a:schemeClr val="tx1"/>
-                </a:solidFill>
-                <a:latin typeface="Times New Roman" panose="02020603050405020304" pitchFamily="18" charset="0"/>
-                <a:cs typeface="Times New Roman" panose="02020603050405020304" pitchFamily="18" charset="0"/>
-              </a:rPr>
-              <a:t> </a:t>
-            </a:r>
-            <a:r>
-              <a:rPr lang="en-US" sz="2400" dirty="0" err="1">
-                <a:solidFill>
-                  <a:schemeClr val="tx1"/>
-                </a:solidFill>
-                <a:latin typeface="Times New Roman" panose="02020603050405020304" pitchFamily="18" charset="0"/>
-                <a:cs typeface="Times New Roman" panose="02020603050405020304" pitchFamily="18" charset="0"/>
-              </a:rPr>
-              <a:t>phần</a:t>
-            </a:r>
-            <a:r>
-              <a:rPr lang="en-US" sz="2400" dirty="0">
-                <a:solidFill>
-                  <a:schemeClr val="tx1"/>
-                </a:solidFill>
-                <a:latin typeface="Times New Roman" panose="02020603050405020304" pitchFamily="18" charset="0"/>
-                <a:cs typeface="Times New Roman" panose="02020603050405020304" pitchFamily="18" charset="0"/>
-              </a:rPr>
-              <a:t> </a:t>
-            </a:r>
-            <a:r>
-              <a:rPr lang="en-US" sz="2400" dirty="0" err="1">
-                <a:solidFill>
-                  <a:schemeClr val="tx1"/>
-                </a:solidFill>
-                <a:latin typeface="Times New Roman" panose="02020603050405020304" pitchFamily="18" charset="0"/>
-                <a:cs typeface="Times New Roman" panose="02020603050405020304" pitchFamily="18" charset="0"/>
-              </a:rPr>
-              <a:t>điểm</a:t>
-            </a:r>
-            <a:r>
-              <a:rPr lang="en-US" sz="2400" dirty="0">
-                <a:solidFill>
-                  <a:schemeClr val="tx1"/>
-                </a:solidFill>
-                <a:latin typeface="Times New Roman" panose="02020603050405020304" pitchFamily="18" charset="0"/>
-                <a:cs typeface="Times New Roman" panose="02020603050405020304" pitchFamily="18" charset="0"/>
-              </a:rPr>
-              <a:t> </a:t>
-            </a:r>
-            <a:r>
-              <a:rPr lang="en-US" sz="2400" dirty="0" err="1">
-                <a:solidFill>
-                  <a:schemeClr val="tx1"/>
-                </a:solidFill>
-                <a:latin typeface="Times New Roman" panose="02020603050405020304" pitchFamily="18" charset="0"/>
-                <a:cs typeface="Times New Roman" panose="02020603050405020304" pitchFamily="18" charset="0"/>
-              </a:rPr>
-              <a:t>cao</a:t>
-            </a:r>
-            <a:r>
-              <a:rPr lang="en-US" sz="2400" dirty="0">
-                <a:solidFill>
-                  <a:schemeClr val="tx1"/>
-                </a:solidFill>
-                <a:latin typeface="Times New Roman" panose="02020603050405020304" pitchFamily="18" charset="0"/>
-                <a:cs typeface="Times New Roman" panose="02020603050405020304" pitchFamily="18" charset="0"/>
-              </a:rPr>
-              <a:t> </a:t>
-            </a:r>
-            <a:r>
-              <a:rPr lang="en-US" sz="2400" dirty="0" err="1">
-                <a:solidFill>
-                  <a:schemeClr val="tx1"/>
-                </a:solidFill>
-                <a:latin typeface="Times New Roman" panose="02020603050405020304" pitchFamily="18" charset="0"/>
-                <a:cs typeface="Times New Roman" panose="02020603050405020304" pitchFamily="18" charset="0"/>
-              </a:rPr>
-              <a:t>tính</a:t>
-            </a:r>
-            <a:r>
-              <a:rPr lang="en-US" sz="2400" dirty="0">
-                <a:solidFill>
-                  <a:schemeClr val="tx1"/>
-                </a:solidFill>
-                <a:latin typeface="Times New Roman" panose="02020603050405020304" pitchFamily="18" charset="0"/>
-                <a:cs typeface="Times New Roman" panose="02020603050405020304" pitchFamily="18" charset="0"/>
-              </a:rPr>
-              <a:t> </a:t>
-            </a:r>
-            <a:r>
-              <a:rPr lang="en-US" sz="2400" dirty="0" err="1">
-                <a:solidFill>
-                  <a:schemeClr val="tx1"/>
-                </a:solidFill>
-                <a:latin typeface="Times New Roman" panose="02020603050405020304" pitchFamily="18" charset="0"/>
-                <a:cs typeface="Times New Roman" panose="02020603050405020304" pitchFamily="18" charset="0"/>
-              </a:rPr>
-              <a:t>theo</a:t>
-            </a:r>
-            <a:r>
-              <a:rPr lang="en-US" sz="2400" dirty="0">
-                <a:solidFill>
-                  <a:schemeClr val="tx1"/>
-                </a:solidFill>
-                <a:latin typeface="Times New Roman" panose="02020603050405020304" pitchFamily="18" charset="0"/>
-                <a:cs typeface="Times New Roman" panose="02020603050405020304" pitchFamily="18" charset="0"/>
-              </a:rPr>
-              <a:t> </a:t>
-            </a:r>
-            <a:r>
-              <a:rPr lang="en-US" sz="2400" dirty="0" err="1">
-                <a:solidFill>
-                  <a:schemeClr val="tx1"/>
-                </a:solidFill>
-                <a:latin typeface="Times New Roman" panose="02020603050405020304" pitchFamily="18" charset="0"/>
-                <a:cs typeface="Times New Roman" panose="02020603050405020304" pitchFamily="18" charset="0"/>
-              </a:rPr>
-              <a:t>thời</a:t>
-            </a:r>
-            <a:r>
-              <a:rPr lang="en-US" sz="2400" dirty="0">
-                <a:solidFill>
-                  <a:schemeClr val="tx1"/>
-                </a:solidFill>
-                <a:latin typeface="Times New Roman" panose="02020603050405020304" pitchFamily="18" charset="0"/>
-                <a:cs typeface="Times New Roman" panose="02020603050405020304" pitchFamily="18" charset="0"/>
-              </a:rPr>
-              <a:t> </a:t>
-            </a:r>
-            <a:r>
-              <a:rPr lang="en-US" sz="2400" dirty="0" err="1">
-                <a:solidFill>
-                  <a:schemeClr val="tx1"/>
-                </a:solidFill>
-                <a:latin typeface="Times New Roman" panose="02020603050405020304" pitchFamily="18" charset="0"/>
-                <a:cs typeface="Times New Roman" panose="02020603050405020304" pitchFamily="18" charset="0"/>
-              </a:rPr>
-              <a:t>gian</a:t>
-            </a:r>
-            <a:r>
-              <a:rPr lang="en-US" sz="2400" dirty="0">
-                <a:solidFill>
-                  <a:schemeClr val="tx1"/>
-                </a:solidFill>
-                <a:latin typeface="Times New Roman" panose="02020603050405020304" pitchFamily="18" charset="0"/>
-                <a:cs typeface="Times New Roman" panose="02020603050405020304" pitchFamily="18" charset="0"/>
-              </a:rPr>
-              <a:t> </a:t>
-            </a:r>
-            <a:r>
-              <a:rPr lang="en-US" sz="2400" dirty="0" err="1">
-                <a:solidFill>
-                  <a:schemeClr val="tx1"/>
-                </a:solidFill>
-                <a:latin typeface="Times New Roman" panose="02020603050405020304" pitchFamily="18" charset="0"/>
-                <a:cs typeface="Times New Roman" panose="02020603050405020304" pitchFamily="18" charset="0"/>
-              </a:rPr>
-              <a:t>người</a:t>
-            </a:r>
-            <a:r>
-              <a:rPr lang="en-US" sz="2400" dirty="0">
-                <a:solidFill>
-                  <a:schemeClr val="tx1"/>
-                </a:solidFill>
-                <a:latin typeface="Times New Roman" panose="02020603050405020304" pitchFamily="18" charset="0"/>
-                <a:cs typeface="Times New Roman" panose="02020603050405020304" pitchFamily="18" charset="0"/>
-              </a:rPr>
-              <a:t> </a:t>
-            </a:r>
-            <a:r>
-              <a:rPr lang="en-US" sz="2400" dirty="0" err="1">
-                <a:solidFill>
-                  <a:schemeClr val="tx1"/>
-                </a:solidFill>
-                <a:latin typeface="Times New Roman" panose="02020603050405020304" pitchFamily="18" charset="0"/>
-                <a:cs typeface="Times New Roman" panose="02020603050405020304" pitchFamily="18" charset="0"/>
-              </a:rPr>
-              <a:t>chơi</a:t>
-            </a:r>
-            <a:r>
-              <a:rPr lang="en-US" sz="2400" dirty="0">
-                <a:solidFill>
-                  <a:schemeClr val="tx1"/>
-                </a:solidFill>
-                <a:latin typeface="Times New Roman" panose="02020603050405020304" pitchFamily="18" charset="0"/>
-                <a:cs typeface="Times New Roman" panose="02020603050405020304" pitchFamily="18" charset="0"/>
-              </a:rPr>
-              <a:t> </a:t>
-            </a:r>
-            <a:r>
-              <a:rPr lang="en-US" sz="2400" dirty="0" err="1">
-                <a:solidFill>
-                  <a:schemeClr val="tx1"/>
-                </a:solidFill>
-                <a:latin typeface="Times New Roman" panose="02020603050405020304" pitchFamily="18" charset="0"/>
-                <a:cs typeface="Times New Roman" panose="02020603050405020304" pitchFamily="18" charset="0"/>
-              </a:rPr>
-              <a:t>hoàn</a:t>
-            </a:r>
-            <a:r>
-              <a:rPr lang="en-US" sz="2400" dirty="0">
-                <a:solidFill>
-                  <a:schemeClr val="tx1"/>
-                </a:solidFill>
-                <a:latin typeface="Times New Roman" panose="02020603050405020304" pitchFamily="18" charset="0"/>
-                <a:cs typeface="Times New Roman" panose="02020603050405020304" pitchFamily="18" charset="0"/>
-              </a:rPr>
-              <a:t> </a:t>
-            </a:r>
-            <a:r>
-              <a:rPr lang="en-US" sz="2400" dirty="0" err="1">
-                <a:solidFill>
-                  <a:schemeClr val="tx1"/>
-                </a:solidFill>
-                <a:latin typeface="Times New Roman" panose="02020603050405020304" pitchFamily="18" charset="0"/>
-                <a:cs typeface="Times New Roman" panose="02020603050405020304" pitchFamily="18" charset="0"/>
-              </a:rPr>
-              <a:t>thành</a:t>
-            </a:r>
-            <a:r>
-              <a:rPr lang="en-US" sz="2400" dirty="0">
-                <a:solidFill>
-                  <a:schemeClr val="tx1"/>
-                </a:solidFill>
-                <a:latin typeface="Times New Roman" panose="02020603050405020304" pitchFamily="18" charset="0"/>
-                <a:cs typeface="Times New Roman" panose="02020603050405020304" pitchFamily="18" charset="0"/>
-              </a:rPr>
-              <a:t> </a:t>
-            </a:r>
-            <a:r>
-              <a:rPr lang="en-US" sz="2400" dirty="0" err="1">
-                <a:solidFill>
-                  <a:schemeClr val="tx1"/>
-                </a:solidFill>
-                <a:latin typeface="Times New Roman" panose="02020603050405020304" pitchFamily="18" charset="0"/>
-                <a:cs typeface="Times New Roman" panose="02020603050405020304" pitchFamily="18" charset="0"/>
-              </a:rPr>
-              <a:t>một</a:t>
-            </a:r>
-            <a:r>
-              <a:rPr lang="en-US" sz="2400" dirty="0">
-                <a:solidFill>
-                  <a:schemeClr val="tx1"/>
-                </a:solidFill>
-                <a:latin typeface="Times New Roman" panose="02020603050405020304" pitchFamily="18" charset="0"/>
-                <a:cs typeface="Times New Roman" panose="02020603050405020304" pitchFamily="18" charset="0"/>
-              </a:rPr>
-              <a:t> game.</a:t>
-            </a:r>
-          </a:p>
-          <a:p>
-            <a:pPr marL="0" indent="0">
-              <a:buNone/>
-            </a:pPr>
-            <a:endParaRPr lang="en-US" sz="2200" dirty="0" smtClean="0">
-              <a:solidFill>
-                <a:schemeClr val="tx1"/>
-              </a:solidFill>
-              <a:latin typeface="Times New Roman" panose="02020603050405020304" pitchFamily="18" charset="0"/>
-              <a:cs typeface="Times New Roman" panose="02020603050405020304" pitchFamily="18" charset="0"/>
-            </a:endParaRPr>
-          </a:p>
-        </p:txBody>
-      </p:sp>
-    </p:spTree>
-    <p:extLst>
-      <p:ext uri="{BB962C8B-B14F-4D97-AF65-F5344CB8AC3E}">
-        <p14:creationId xmlns:p14="http://schemas.microsoft.com/office/powerpoint/2010/main" val="3852014689"/>
-      </p:ext>
-    </p:extLst>
-  </p:cSld>
-  <p:clrMapOvr>
-    <a:masterClrMapping/>
-  </p:clrMapOvr>
-  <p:timing>
-    <p:tnLst>
-      <p:par>
-        <p:cTn id="1" dur="indefinite" restart="never" nodeType="tmRoot">
-          <p:childTnLst>
-            <p:seq concurrent="1" nextAc="seek">
-              <p:cTn id="2" dur="indefinite" nodeType="mainSeq">
-                <p:childTnLst>
-                  <p:par>
-                    <p:cTn id="3" fill="hold">
-                      <p:stCondLst>
-                        <p:cond delay="indefinite"/>
-                      </p:stCondLst>
-                      <p:childTnLst>
-                        <p:par>
-                          <p:cTn id="4" fill="hold">
-                            <p:stCondLst>
-                              <p:cond delay="0"/>
-                            </p:stCondLst>
-                            <p:childTnLst>
-                              <p:par>
-                                <p:cTn id="5" presetID="42" presetClass="entr" presetSubtype="0" fill="hold" grpId="0" nodeType="clickEffect">
-                                  <p:stCondLst>
-                                    <p:cond delay="0"/>
-                                  </p:stCondLst>
-                                  <p:childTnLst>
-                                    <p:set>
-                                      <p:cBhvr>
-                                        <p:cTn id="6" dur="1" fill="hold">
-                                          <p:stCondLst>
-                                            <p:cond delay="0"/>
-                                          </p:stCondLst>
-                                        </p:cTn>
-                                        <p:tgtEl>
-                                          <p:spTgt spid="2"/>
-                                        </p:tgtEl>
-                                        <p:attrNameLst>
-                                          <p:attrName>style.visibility</p:attrName>
-                                        </p:attrNameLst>
-                                      </p:cBhvr>
-                                      <p:to>
-                                        <p:strVal val="visible"/>
-                                      </p:to>
-                                    </p:set>
-                                    <p:animEffect transition="in" filter="fade">
-                                      <p:cBhvr>
-                                        <p:cTn id="7" dur="1000"/>
-                                        <p:tgtEl>
-                                          <p:spTgt spid="2"/>
-                                        </p:tgtEl>
-                                      </p:cBhvr>
-                                    </p:animEffect>
-                                    <p:anim calcmode="lin" valueType="num">
-                                      <p:cBhvr>
-                                        <p:cTn id="8" dur="1000" fill="hold"/>
-                                        <p:tgtEl>
-                                          <p:spTgt spid="2"/>
-                                        </p:tgtEl>
-                                        <p:attrNameLst>
-                                          <p:attrName>ppt_x</p:attrName>
-                                        </p:attrNameLst>
-                                      </p:cBhvr>
-                                      <p:tavLst>
-                                        <p:tav tm="0">
-                                          <p:val>
-                                            <p:strVal val="#ppt_x"/>
-                                          </p:val>
-                                        </p:tav>
-                                        <p:tav tm="100000">
-                                          <p:val>
-                                            <p:strVal val="#ppt_x"/>
-                                          </p:val>
-                                        </p:tav>
-                                      </p:tavLst>
-                                    </p:anim>
-                                    <p:anim calcmode="lin" valueType="num">
-                                      <p:cBhvr>
-                                        <p:cTn id="9" dur="1000" fill="hold"/>
-                                        <p:tgtEl>
-                                          <p:spTgt spid="2"/>
-                                        </p:tgtEl>
-                                        <p:attrNameLst>
-                                          <p:attrName>ppt_y</p:attrName>
-                                        </p:attrNameLst>
-                                      </p:cBhvr>
-                                      <p:tavLst>
-                                        <p:tav tm="0">
-                                          <p:val>
-                                            <p:strVal val="#ppt_y+.1"/>
-                                          </p:val>
-                                        </p:tav>
-                                        <p:tav tm="100000">
-                                          <p:val>
-                                            <p:strVal val="#ppt_y"/>
-                                          </p:val>
-                                        </p:tav>
-                                      </p:tavLst>
-                                    </p:anim>
-                                  </p:childTnLst>
-                                </p:cTn>
-                              </p:par>
-                            </p:childTnLst>
-                          </p:cTn>
-                        </p:par>
-                      </p:childTnLst>
-                    </p:cTn>
-                  </p:par>
-                  <p:par>
-                    <p:cTn id="10" fill="hold">
-                      <p:stCondLst>
-                        <p:cond delay="indefinite"/>
-                      </p:stCondLst>
-                      <p:childTnLst>
-                        <p:par>
-                          <p:cTn id="11" fill="hold">
-                            <p:stCondLst>
-                              <p:cond delay="0"/>
-                            </p:stCondLst>
-                            <p:childTnLst>
-                              <p:par>
-                                <p:cTn id="12" presetID="10" presetClass="entr" presetSubtype="0" fill="hold" nodeType="clickEffect">
-                                  <p:stCondLst>
-                                    <p:cond delay="0"/>
-                                  </p:stCondLst>
-                                  <p:childTnLst>
-                                    <p:set>
-                                      <p:cBhvr>
-                                        <p:cTn id="13" dur="1" fill="hold">
-                                          <p:stCondLst>
-                                            <p:cond delay="0"/>
-                                          </p:stCondLst>
-                                        </p:cTn>
-                                        <p:tgtEl>
-                                          <p:spTgt spid="3">
-                                            <p:txEl>
-                                              <p:pRg st="0" end="0"/>
-                                            </p:txEl>
-                                          </p:spTgt>
-                                        </p:tgtEl>
-                                        <p:attrNameLst>
-                                          <p:attrName>style.visibility</p:attrName>
-                                        </p:attrNameLst>
-                                      </p:cBhvr>
-                                      <p:to>
-                                        <p:strVal val="visible"/>
-                                      </p:to>
-                                    </p:set>
-                                    <p:animEffect transition="in" filter="fade">
-                                      <p:cBhvr>
-                                        <p:cTn id="14" dur="500"/>
-                                        <p:tgtEl>
-                                          <p:spTgt spid="3">
-                                            <p:txEl>
-                                              <p:pRg st="0" end="0"/>
-                                            </p:txEl>
-                                          </p:spTgt>
-                                        </p:tgtEl>
-                                      </p:cBhvr>
-                                    </p:animEffect>
-                                  </p:childTnLst>
-                                </p:cTn>
-                              </p:par>
-                            </p:childTnLst>
-                          </p:cTn>
-                        </p:par>
-                      </p:childTnLst>
-                    </p:cTn>
-                  </p:par>
-                  <p:par>
-                    <p:cTn id="15" fill="hold">
-                      <p:stCondLst>
-                        <p:cond delay="indefinite"/>
-                      </p:stCondLst>
-                      <p:childTnLst>
-                        <p:par>
-                          <p:cTn id="16" fill="hold">
-                            <p:stCondLst>
-                              <p:cond delay="0"/>
-                            </p:stCondLst>
-                            <p:childTnLst>
-                              <p:par>
-                                <p:cTn id="17" presetID="10" presetClass="entr" presetSubtype="0" fill="hold" nodeType="clickEffect">
-                                  <p:stCondLst>
-                                    <p:cond delay="0"/>
-                                  </p:stCondLst>
-                                  <p:childTnLst>
-                                    <p:set>
-                                      <p:cBhvr>
-                                        <p:cTn id="18" dur="1" fill="hold">
-                                          <p:stCondLst>
-                                            <p:cond delay="0"/>
-                                          </p:stCondLst>
-                                        </p:cTn>
-                                        <p:tgtEl>
-                                          <p:spTgt spid="3">
-                                            <p:txEl>
-                                              <p:pRg st="1" end="1"/>
-                                            </p:txEl>
-                                          </p:spTgt>
-                                        </p:tgtEl>
-                                        <p:attrNameLst>
-                                          <p:attrName>style.visibility</p:attrName>
-                                        </p:attrNameLst>
-                                      </p:cBhvr>
-                                      <p:to>
-                                        <p:strVal val="visible"/>
-                                      </p:to>
-                                    </p:set>
-                                    <p:animEffect transition="in" filter="fade">
-                                      <p:cBhvr>
-                                        <p:cTn id="19" dur="500"/>
-                                        <p:tgtEl>
-                                          <p:spTgt spid="3">
-                                            <p:txEl>
-                                              <p:pRg st="1" end="1"/>
-                                            </p:txEl>
-                                          </p:spTgt>
-                                        </p:tgtEl>
-                                      </p:cBhvr>
-                                    </p:animEffect>
-                                  </p:childTnLst>
-                                </p:cTn>
-                              </p:par>
-                            </p:childTnLst>
-                          </p:cTn>
-                        </p:par>
-                      </p:childTnLst>
-                    </p:cTn>
-                  </p:par>
-                  <p:par>
-                    <p:cTn id="20" fill="hold">
-                      <p:stCondLst>
-                        <p:cond delay="indefinite"/>
-                      </p:stCondLst>
-                      <p:childTnLst>
-                        <p:par>
-                          <p:cTn id="21" fill="hold">
-                            <p:stCondLst>
-                              <p:cond delay="0"/>
-                            </p:stCondLst>
-                            <p:childTnLst>
-                              <p:par>
-                                <p:cTn id="22" presetID="10" presetClass="entr" presetSubtype="0" fill="hold" nodeType="clickEffect">
-                                  <p:stCondLst>
-                                    <p:cond delay="0"/>
-                                  </p:stCondLst>
-                                  <p:childTnLst>
-                                    <p:set>
-                                      <p:cBhvr>
-                                        <p:cTn id="23" dur="1" fill="hold">
-                                          <p:stCondLst>
-                                            <p:cond delay="0"/>
-                                          </p:stCondLst>
-                                        </p:cTn>
-                                        <p:tgtEl>
-                                          <p:spTgt spid="3">
-                                            <p:txEl>
-                                              <p:pRg st="2" end="2"/>
-                                            </p:txEl>
-                                          </p:spTgt>
-                                        </p:tgtEl>
-                                        <p:attrNameLst>
-                                          <p:attrName>style.visibility</p:attrName>
-                                        </p:attrNameLst>
-                                      </p:cBhvr>
-                                      <p:to>
-                                        <p:strVal val="visible"/>
-                                      </p:to>
-                                    </p:set>
-                                    <p:animEffect transition="in" filter="fade">
-                                      <p:cBhvr>
-                                        <p:cTn id="24" dur="500"/>
-                                        <p:tgtEl>
-                                          <p:spTgt spid="3">
-                                            <p:txEl>
-                                              <p:pRg st="2" end="2"/>
-                                            </p:txEl>
-                                          </p:spTgt>
-                                        </p:tgtEl>
-                                      </p:cBhvr>
-                                    </p:animEffect>
-                                  </p:childTnLst>
-                                </p:cTn>
-                              </p:par>
-                            </p:childTnLst>
-                          </p:cTn>
-                        </p:par>
-                      </p:childTnLst>
-                    </p:cTn>
-                  </p:par>
-                </p:childTnLst>
-              </p:cTn>
-              <p:prevCondLst>
-                <p:cond evt="onPrev" delay="0">
-                  <p:tgtEl>
-                    <p:sldTgt/>
-                  </p:tgtEl>
-                </p:cond>
-              </p:prevCondLst>
-              <p:nextCondLst>
-                <p:cond evt="onNext" delay="0">
-                  <p:tgtEl>
-                    <p:sldTgt/>
-                  </p:tgtEl>
-                </p:cond>
-              </p:nextCondLst>
-            </p:seq>
-          </p:childTnLst>
-        </p:cTn>
-      </p:par>
-    </p:tnLst>
-    <p:bldLst>
-      <p:bldP spid="2" grpId="0"/>
-    </p:bldLst>
-  </p:timing>
-</p:sld>
-</file>
-
-<file path=ppt/slides/slide12.xml><?xml version="1.0" encoding="utf-8"?>
-<p:sld xmlns:a="http://schemas.openxmlformats.org/drawingml/2006/main" xmlns:r="http://schemas.openxmlformats.org/officeDocument/2006/relationships" xmlns:p="http://schemas.openxmlformats.org/presentationml/2006/main">
-  <p:cSld>
-    <p:spTree>
-      <p:nvGrpSpPr>
-        <p:cNvPr id="1" name=""/>
-        <p:cNvGrpSpPr/>
-        <p:nvPr/>
-      </p:nvGrpSpPr>
-      <p:grpSpPr>
-        <a:xfrm>
-          <a:off x="0" y="0"/>
-          <a:ext cx="0" cy="0"/>
-          <a:chOff x="0" y="0"/>
-          <a:chExt cx="0" cy="0"/>
-        </a:xfrm>
-      </p:grpSpPr>
-      <p:sp>
-        <p:nvSpPr>
-          <p:cNvPr id="2" name="Title 1"/>
-          <p:cNvSpPr>
-            <a:spLocks noGrp="1"/>
-          </p:cNvSpPr>
-          <p:nvPr>
-            <p:ph type="title"/>
-          </p:nvPr>
-        </p:nvSpPr>
-        <p:spPr>
-          <a:xfrm>
-            <a:off x="1083734" y="2780175"/>
-            <a:ext cx="8596668" cy="1320800"/>
-          </a:xfrm>
-        </p:spPr>
-        <p:txBody>
-          <a:bodyPr>
-            <a:noAutofit/>
-          </a:bodyPr>
-          <a:lstStyle/>
-          <a:p>
-            <a:pPr algn="ctr"/>
-            <a:r>
-              <a:rPr lang="en-US" sz="5500" dirty="0" smtClean="0">
-                <a:latin typeface="Times New Roman" panose="02020603050405020304" pitchFamily="18" charset="0"/>
-                <a:cs typeface="Times New Roman" panose="02020603050405020304" pitchFamily="18" charset="0"/>
-              </a:rPr>
-              <a:t>CẢM ƠN THẦY ĐÃ CHÚ Ý LẮNG NGHE!</a:t>
-            </a:r>
-            <a:endParaRPr lang="en-US" sz="5500" dirty="0">
-              <a:latin typeface="Times New Roman" panose="02020603050405020304" pitchFamily="18" charset="0"/>
-              <a:cs typeface="Times New Roman" panose="02020603050405020304" pitchFamily="18" charset="0"/>
-            </a:endParaRPr>
-          </a:p>
-        </p:txBody>
-      </p:sp>
-    </p:spTree>
-    <p:extLst>
-      <p:ext uri="{BB962C8B-B14F-4D97-AF65-F5344CB8AC3E}">
-        <p14:creationId xmlns:p14="http://schemas.microsoft.com/office/powerpoint/2010/main" val="3768985155"/>
-      </p:ext>
-    </p:extLst>
-  </p:cSld>
-  <p:clrMapOvr>
-    <a:masterClrMapping/>
-  </p:clrMapOvr>
-  <p:timing>
-    <p:tnLst>
-      <p:par>
-        <p:cTn id="1" dur="indefinite" restart="never" nodeType="tmRoot">
-          <p:childTnLst>
-            <p:seq concurrent="1" nextAc="seek">
-              <p:cTn id="2" dur="indefinite" nodeType="mainSeq">
-                <p:childTnLst>
-                  <p:par>
-                    <p:cTn id="3" fill="hold">
-                      <p:stCondLst>
-                        <p:cond delay="indefinite"/>
-                      </p:stCondLst>
-                      <p:childTnLst>
-                        <p:par>
-                          <p:cTn id="4" fill="hold">
-                            <p:stCondLst>
-                              <p:cond delay="0"/>
-                            </p:stCondLst>
-                            <p:childTnLst>
-                              <p:par>
-                                <p:cTn id="5" presetID="6" presetClass="entr" presetSubtype="16" fill="hold" grpId="0" nodeType="clickEffect">
-                                  <p:stCondLst>
-                                    <p:cond delay="0"/>
-                                  </p:stCondLst>
-                                  <p:childTnLst>
-                                    <p:set>
-                                      <p:cBhvr>
-                                        <p:cTn id="6" dur="1" fill="hold">
-                                          <p:stCondLst>
-                                            <p:cond delay="0"/>
-                                          </p:stCondLst>
-                                        </p:cTn>
-                                        <p:tgtEl>
-                                          <p:spTgt spid="2"/>
-                                        </p:tgtEl>
-                                        <p:attrNameLst>
-                                          <p:attrName>style.visibility</p:attrName>
-                                        </p:attrNameLst>
-                                      </p:cBhvr>
-                                      <p:to>
-                                        <p:strVal val="visible"/>
-                                      </p:to>
-                                    </p:set>
-                                    <p:animEffect transition="in" filter="circle(in)">
-                                      <p:cBhvr>
-                                        <p:cTn id="7" dur="2000"/>
-                                        <p:tgtEl>
-                                          <p:spTgt spid="2"/>
-                                        </p:tgtEl>
-                                      </p:cBhvr>
-                                    </p:animEffect>
-                                  </p:childTnLst>
-                                </p:cTn>
-                              </p:par>
-                            </p:childTnLst>
-                          </p:cTn>
-                        </p:par>
-                      </p:childTnLst>
-                    </p:cTn>
-                  </p:par>
-                </p:childTnLst>
-              </p:cTn>
-              <p:prevCondLst>
-                <p:cond evt="onPrev" delay="0">
-                  <p:tgtEl>
-                    <p:sldTgt/>
-                  </p:tgtEl>
-                </p:cond>
-              </p:prevCondLst>
-              <p:nextCondLst>
-                <p:cond evt="onNext" delay="0">
-                  <p:tgtEl>
-                    <p:sldTgt/>
-                  </p:tgtEl>
-                </p:cond>
-              </p:nextCondLst>
-            </p:seq>
-          </p:childTnLst>
-        </p:cTn>
-      </p:par>
-    </p:tnLst>
-    <p:bldLst>
-      <p:bldP spid="2" grpId="0"/>
-    </p:bldLst>
-  </p:timing>
-</p:sld>
-</file>
-
 <file path=ppt/slides/slide2.xml><?xml version="1.0" encoding="utf-8"?>
 <p:sld xmlns:a="http://schemas.openxmlformats.org/drawingml/2006/main" xmlns:r="http://schemas.openxmlformats.org/officeDocument/2006/relationships" xmlns:p="http://schemas.openxmlformats.org/presentationml/2006/main">
   <p:cSld>
@@ -8613,17 +6294,19 @@
         </p:nvSpPr>
         <p:spPr/>
         <p:txBody>
-          <a:bodyPr/>
+          <a:bodyPr>
+            <a:normAutofit/>
+          </a:bodyPr>
           <a:lstStyle/>
           <a:p>
             <a:r>
-              <a:rPr lang="en-US" dirty="0" smtClean="0">
+              <a:rPr lang="en-US" sz="4000" dirty="0" smtClean="0">
                 <a:latin typeface="Times New Roman" panose="02020603050405020304" pitchFamily="18" charset="0"/>
                 <a:cs typeface="Times New Roman" panose="02020603050405020304" pitchFamily="18" charset="0"/>
               </a:rPr>
               <a:t>CÁC NỘI DUNG CHÍNH</a:t>
             </a:r>
-            <a:endParaRPr lang="en-US" dirty="0"/>
+            <a:endParaRPr lang="en-US" sz="4000" dirty="0"/>
           </a:p>
         </p:txBody>
       </p:sp>
@@ -8637,25 +6320,78 @@
             <p:ph idx="1"/>
           </p:nvPr>
         </p:nvSpPr>
-        <p:spPr/>
+        <p:spPr>
+          <a:xfrm>
+            <a:off x="677333" y="2160589"/>
+            <a:ext cx="9097731" cy="3880773"/>
+          </a:xfrm>
+        </p:spPr>
         <p:txBody>
           <a:bodyPr>
             <a:normAutofit/>
           </a:bodyPr>
           <a:lstStyle/>
           <a:p>
-            <a:r>
-              <a:rPr lang="en-US" sz="2200" dirty="0" smtClean="0">
-                <a:solidFill>
-                  <a:schemeClr val="tx1"/>
-                </a:solidFill>
-                <a:latin typeface="Times New Roman" panose="02020603050405020304" pitchFamily="18" charset="0"/>
-                <a:cs typeface="Times New Roman" panose="02020603050405020304" pitchFamily="18" charset="0"/>
-              </a:rPr>
-              <a:t>1. </a:t>
-            </a:r>
-            <a:r>
-              <a:rPr lang="en-US" sz="2200" dirty="0" err="1" smtClean="0">
+            <a:pPr marL="0" indent="0">
+              <a:buNone/>
+            </a:pPr>
+            <a:r>
+              <a:rPr lang="en-US" sz="2500" dirty="0" smtClean="0">
+                <a:solidFill>
+                  <a:schemeClr val="tx1"/>
+                </a:solidFill>
+                <a:latin typeface="Times New Roman" panose="02020603050405020304" pitchFamily="18" charset="0"/>
+                <a:cs typeface="Times New Roman" panose="02020603050405020304" pitchFamily="18" charset="0"/>
+              </a:rPr>
+              <a:t>								</a:t>
+            </a:r>
+          </a:p>
+          <a:p>
+            <a:pPr marL="0" indent="0">
+              <a:buNone/>
+            </a:pPr>
+            <a:r>
+              <a:rPr lang="en-US" sz="2500" dirty="0">
+                <a:solidFill>
+                  <a:schemeClr val="tx1"/>
+                </a:solidFill>
+                <a:latin typeface="Times New Roman" panose="02020603050405020304" pitchFamily="18" charset="0"/>
+                <a:cs typeface="Times New Roman" panose="02020603050405020304" pitchFamily="18" charset="0"/>
+              </a:rPr>
+              <a:t>	</a:t>
+            </a:r>
+            <a:r>
+              <a:rPr lang="en-US" sz="2500" dirty="0" smtClean="0">
+                <a:solidFill>
+                  <a:schemeClr val="tx1"/>
+                </a:solidFill>
+                <a:latin typeface="Times New Roman" panose="02020603050405020304" pitchFamily="18" charset="0"/>
+                <a:cs typeface="Times New Roman" panose="02020603050405020304" pitchFamily="18" charset="0"/>
+              </a:rPr>
+              <a:t>							</a:t>
+            </a:r>
+            <a:r>
+              <a:rPr lang="en-US" sz="2700" dirty="0">
+                <a:solidFill>
+                  <a:schemeClr val="tx1"/>
+                </a:solidFill>
+                <a:latin typeface="Times New Roman" panose="02020603050405020304" pitchFamily="18" charset="0"/>
+                <a:cs typeface="Times New Roman" panose="02020603050405020304" pitchFamily="18" charset="0"/>
+              </a:rPr>
+              <a:t> </a:t>
+            </a:r>
+            <a:r>
+              <a:rPr lang="en-US" sz="2700" dirty="0" smtClean="0">
+                <a:solidFill>
+                  <a:schemeClr val="tx1"/>
+                </a:solidFill>
+                <a:latin typeface="Times New Roman" panose="02020603050405020304" pitchFamily="18" charset="0"/>
+                <a:cs typeface="Times New Roman" panose="02020603050405020304" pitchFamily="18" charset="0"/>
+              </a:rPr>
+              <a:t>      1. </a:t>
+            </a:r>
+            <a:r>
+              <a:rPr lang="en-US" sz="2700" dirty="0" err="1" smtClean="0">
                 <a:solidFill>
                   <a:schemeClr val="tx1"/>
                 </a:solidFill>
@@ -8665,7 +6401,7 @@
               <a:t>Giới</a:t>
             </a:r>
             <a:r>
-              <a:rPr lang="en-US" sz="2200" dirty="0" smtClean="0">
+              <a:rPr lang="en-US" sz="2700" dirty="0" smtClean="0">
                 <a:solidFill>
                   <a:schemeClr val="tx1"/>
                 </a:solidFill>
@@ -8675,7 +6411,7 @@
               <a:t> </a:t>
             </a:r>
             <a:r>
-              <a:rPr lang="en-US" sz="2200" dirty="0" err="1" smtClean="0">
+              <a:rPr lang="en-US" sz="2700" dirty="0" err="1" smtClean="0">
                 <a:solidFill>
                   <a:schemeClr val="tx1"/>
                 </a:solidFill>
@@ -8685,7 +6421,7 @@
               <a:t>thiệu</a:t>
             </a:r>
             <a:r>
-              <a:rPr lang="en-US" sz="2200" dirty="0" smtClean="0">
+              <a:rPr lang="en-US" sz="2700" dirty="0" smtClean="0">
                 <a:solidFill>
                   <a:schemeClr val="tx1"/>
                 </a:solidFill>
@@ -8695,7 +6431,7 @@
               <a:t> </a:t>
             </a:r>
             <a:r>
-              <a:rPr lang="en-US" sz="2200" dirty="0" err="1" smtClean="0">
+              <a:rPr lang="en-US" sz="2700" dirty="0" err="1" smtClean="0">
                 <a:solidFill>
                   <a:schemeClr val="tx1"/>
                 </a:solidFill>
@@ -8705,7 +6441,7 @@
               <a:t>về</a:t>
             </a:r>
             <a:r>
-              <a:rPr lang="en-US" sz="2200" dirty="0" smtClean="0">
+              <a:rPr lang="en-US" sz="2700" dirty="0" smtClean="0">
                 <a:solidFill>
                   <a:schemeClr val="tx1"/>
                 </a:solidFill>
@@ -8715,7 +6451,7 @@
               <a:t> </a:t>
             </a:r>
             <a:r>
-              <a:rPr lang="en-US" sz="2200" dirty="0" err="1" smtClean="0">
+              <a:rPr lang="en-US" sz="2700" dirty="0" err="1" smtClean="0">
                 <a:solidFill>
                   <a:schemeClr val="tx1"/>
                 </a:solidFill>
@@ -8725,7 +6461,7 @@
               <a:t>ngăn</a:t>
             </a:r>
             <a:r>
-              <a:rPr lang="en-US" sz="2200" dirty="0" smtClean="0">
+              <a:rPr lang="en-US" sz="2700" dirty="0" smtClean="0">
                 <a:solidFill>
                   <a:schemeClr val="tx1"/>
                 </a:solidFill>
@@ -8735,7 +6471,7 @@
               <a:t> </a:t>
             </a:r>
             <a:r>
-              <a:rPr lang="en-US" sz="2200" dirty="0" err="1" smtClean="0">
+              <a:rPr lang="en-US" sz="2700" dirty="0" err="1" smtClean="0">
                 <a:solidFill>
                   <a:schemeClr val="tx1"/>
                 </a:solidFill>
@@ -8745,7 +6481,7 @@
               <a:t>xếp</a:t>
             </a:r>
             <a:r>
-              <a:rPr lang="en-US" sz="2200" dirty="0" smtClean="0">
+              <a:rPr lang="en-US" sz="2700" dirty="0" smtClean="0">
                 <a:solidFill>
                   <a:schemeClr val="tx1"/>
                 </a:solidFill>
@@ -8754,7 +6490,7 @@
               </a:rPr>
               <a:t> (Stack)</a:t>
             </a:r>
-            <a:endParaRPr lang="en-US" sz="2200" dirty="0">
+            <a:endParaRPr lang="en-US" sz="2700" dirty="0">
               <a:solidFill>
                 <a:schemeClr val="tx1"/>
               </a:solidFill>
@@ -8763,28 +6499,86 @@
             </a:endParaRPr>
           </a:p>
           <a:p>
-            <a:r>
-              <a:rPr lang="en-US" sz="2200" dirty="0" smtClean="0">
-                <a:solidFill>
-                  <a:schemeClr val="tx1"/>
-                </a:solidFill>
-                <a:latin typeface="Times New Roman" panose="02020603050405020304" pitchFamily="18" charset="0"/>
-                <a:cs typeface="Times New Roman" panose="02020603050405020304" pitchFamily="18" charset="0"/>
-              </a:rPr>
-              <a:t>2. </a:t>
-            </a:r>
-            <a:r>
-              <a:rPr lang="en-US" sz="2200" dirty="0" err="1" smtClean="0">
-                <a:solidFill>
-                  <a:schemeClr val="tx1"/>
-                </a:solidFill>
-                <a:latin typeface="Times New Roman" panose="02020603050405020304" pitchFamily="18" charset="0"/>
-                <a:cs typeface="Times New Roman" panose="02020603050405020304" pitchFamily="18" charset="0"/>
-              </a:rPr>
-              <a:t>Giao</a:t>
-            </a:r>
-            <a:r>
-              <a:rPr lang="en-US" sz="2200" dirty="0" smtClean="0">
+            <a:pPr marL="0" indent="0">
+              <a:buNone/>
+            </a:pPr>
+            <a:r>
+              <a:rPr lang="en-US" sz="2700" dirty="0" smtClean="0">
+                <a:solidFill>
+                  <a:schemeClr val="tx1"/>
+                </a:solidFill>
+                <a:latin typeface="Times New Roman" panose="02020603050405020304" pitchFamily="18" charset="0"/>
+                <a:cs typeface="Times New Roman" panose="02020603050405020304" pitchFamily="18" charset="0"/>
+              </a:rPr>
+              <a:t>									    </a:t>
+            </a:r>
+            <a:r>
+              <a:rPr lang="vi-VN" sz="2700" dirty="0" smtClean="0">
+                <a:solidFill>
+                  <a:schemeClr val="tx1"/>
+                </a:solidFill>
+                <a:latin typeface="Times New Roman" panose="02020603050405020304" pitchFamily="18" charset="0"/>
+                <a:cs typeface="Times New Roman" panose="02020603050405020304" pitchFamily="18" charset="0"/>
+              </a:rPr>
+              <a:t>2</a:t>
+            </a:r>
+            <a:r>
+              <a:rPr lang="en-US" sz="2700" dirty="0" smtClean="0">
+                <a:solidFill>
+                  <a:schemeClr val="tx1"/>
+                </a:solidFill>
+                <a:latin typeface="Times New Roman" panose="02020603050405020304" pitchFamily="18" charset="0"/>
+                <a:cs typeface="Times New Roman" panose="02020603050405020304" pitchFamily="18" charset="0"/>
+              </a:rPr>
+              <a:t>. Demo</a:t>
+            </a:r>
+          </a:p>
+          <a:p>
+            <a:pPr marL="0" indent="0">
+              <a:buNone/>
+            </a:pPr>
+            <a:r>
+              <a:rPr lang="en-US" sz="2700" dirty="0" smtClean="0">
+                <a:solidFill>
+                  <a:schemeClr val="tx1"/>
+                </a:solidFill>
+                <a:latin typeface="Times New Roman" panose="02020603050405020304" pitchFamily="18" charset="0"/>
+                <a:cs typeface="Times New Roman" panose="02020603050405020304" pitchFamily="18" charset="0"/>
+              </a:rPr>
+              <a:t>									    </a:t>
+            </a:r>
+            <a:r>
+              <a:rPr lang="vi-VN" sz="2700" dirty="0" smtClean="0">
+                <a:solidFill>
+                  <a:schemeClr val="tx1"/>
+                </a:solidFill>
+                <a:latin typeface="Times New Roman" panose="02020603050405020304" pitchFamily="18" charset="0"/>
+                <a:cs typeface="Times New Roman" panose="02020603050405020304" pitchFamily="18" charset="0"/>
+              </a:rPr>
+              <a:t>3</a:t>
+            </a:r>
+            <a:r>
+              <a:rPr lang="en-US" sz="2700" dirty="0" smtClean="0">
+                <a:solidFill>
+                  <a:schemeClr val="tx1"/>
+                </a:solidFill>
+                <a:latin typeface="Times New Roman" panose="02020603050405020304" pitchFamily="18" charset="0"/>
+                <a:cs typeface="Times New Roman" panose="02020603050405020304" pitchFamily="18" charset="0"/>
+              </a:rPr>
+              <a:t>. </a:t>
+            </a:r>
+            <a:r>
+              <a:rPr lang="en-US" sz="2700" dirty="0" err="1" smtClean="0">
+                <a:solidFill>
+                  <a:schemeClr val="tx1"/>
+                </a:solidFill>
+                <a:latin typeface="Times New Roman" panose="02020603050405020304" pitchFamily="18" charset="0"/>
+                <a:cs typeface="Times New Roman" panose="02020603050405020304" pitchFamily="18" charset="0"/>
+              </a:rPr>
+              <a:t>Đánh</a:t>
+            </a:r>
+            <a:r>
+              <a:rPr lang="en-US" sz="2700" dirty="0" smtClean="0">
                 <a:solidFill>
                   <a:schemeClr val="tx1"/>
                 </a:solidFill>
@@ -8794,56 +6588,16 @@
               <a:t> </a:t>
             </a:r>
             <a:r>
-              <a:rPr lang="en-US" sz="2200" dirty="0" err="1" smtClean="0">
-                <a:solidFill>
-                  <a:schemeClr val="tx1"/>
-                </a:solidFill>
-                <a:latin typeface="Times New Roman" panose="02020603050405020304" pitchFamily="18" charset="0"/>
-                <a:cs typeface="Times New Roman" panose="02020603050405020304" pitchFamily="18" charset="0"/>
-              </a:rPr>
-              <a:t>diện</a:t>
-            </a:r>
-            <a:r>
-              <a:rPr lang="en-US" sz="2200" dirty="0" smtClean="0">
-                <a:solidFill>
-                  <a:schemeClr val="tx1"/>
-                </a:solidFill>
-                <a:latin typeface="Times New Roman" panose="02020603050405020304" pitchFamily="18" charset="0"/>
-                <a:cs typeface="Times New Roman" panose="02020603050405020304" pitchFamily="18" charset="0"/>
-              </a:rPr>
-              <a:t> </a:t>
-            </a:r>
-            <a:r>
-              <a:rPr lang="en-US" sz="2200" dirty="0" err="1" smtClean="0">
-                <a:solidFill>
-                  <a:schemeClr val="tx1"/>
-                </a:solidFill>
-                <a:latin typeface="Times New Roman" panose="02020603050405020304" pitchFamily="18" charset="0"/>
-                <a:cs typeface="Times New Roman" panose="02020603050405020304" pitchFamily="18" charset="0"/>
-              </a:rPr>
-              <a:t>chương</a:t>
-            </a:r>
-            <a:r>
-              <a:rPr lang="en-US" sz="2200" dirty="0" smtClean="0">
-                <a:solidFill>
-                  <a:schemeClr val="tx1"/>
-                </a:solidFill>
-                <a:latin typeface="Times New Roman" panose="02020603050405020304" pitchFamily="18" charset="0"/>
-                <a:cs typeface="Times New Roman" panose="02020603050405020304" pitchFamily="18" charset="0"/>
-              </a:rPr>
-              <a:t> </a:t>
-            </a:r>
-            <a:r>
-              <a:rPr lang="en-US" sz="2200" dirty="0" err="1" smtClean="0">
-                <a:solidFill>
-                  <a:schemeClr val="tx1"/>
-                </a:solidFill>
-                <a:latin typeface="Times New Roman" panose="02020603050405020304" pitchFamily="18" charset="0"/>
-                <a:cs typeface="Times New Roman" panose="02020603050405020304" pitchFamily="18" charset="0"/>
-              </a:rPr>
-              <a:t>trình</a:t>
-            </a:r>
-            <a:endParaRPr lang="en-US" sz="2200" dirty="0" smtClean="0">
+              <a:rPr lang="en-US" sz="2700" dirty="0" err="1" smtClean="0">
+                <a:solidFill>
+                  <a:schemeClr val="tx1"/>
+                </a:solidFill>
+                <a:latin typeface="Times New Roman" panose="02020603050405020304" pitchFamily="18" charset="0"/>
+                <a:cs typeface="Times New Roman" panose="02020603050405020304" pitchFamily="18" charset="0"/>
+              </a:rPr>
+              <a:t>giá</a:t>
+            </a:r>
+            <a:endParaRPr lang="en-US" sz="2700" dirty="0" smtClean="0">
               <a:solidFill>
                 <a:schemeClr val="tx1"/>
               </a:solidFill>
@@ -8852,20 +6606,21 @@
             </a:endParaRPr>
           </a:p>
           <a:p>
-            <a:r>
-              <a:rPr lang="en-US" sz="2200" dirty="0" smtClean="0">
-                <a:solidFill>
-                  <a:schemeClr val="tx1"/>
-                </a:solidFill>
-                <a:latin typeface="Times New Roman" panose="02020603050405020304" pitchFamily="18" charset="0"/>
-                <a:cs typeface="Times New Roman" panose="02020603050405020304" pitchFamily="18" charset="0"/>
-              </a:rPr>
-              <a:t>3. Demo</a:t>
-            </a:r>
-          </a:p>
-          <a:p>
-            <a:r>
-              <a:rPr lang="en-US" sz="2200" dirty="0">
+            <a:pPr marL="0" indent="0">
+              <a:buNone/>
+            </a:pPr>
+            <a:r>
+              <a:rPr lang="en-US" sz="2700" dirty="0" smtClean="0">
+                <a:solidFill>
+                  <a:schemeClr val="tx1"/>
+                </a:solidFill>
+                <a:latin typeface="Times New Roman" panose="02020603050405020304" pitchFamily="18" charset="0"/>
+                <a:cs typeface="Times New Roman" panose="02020603050405020304" pitchFamily="18" charset="0"/>
+              </a:rPr>
+              <a:t>									  </a:t>
+            </a:r>
+            <a:r>
+              <a:rPr lang="vi-VN" sz="2700" dirty="0" smtClean="0">
                 <a:solidFill>
                   <a:schemeClr val="tx1"/>
                 </a:solidFill>
@@ -8875,7 +6630,7 @@
               <a:t>4</a:t>
             </a:r>
             <a:r>
-              <a:rPr lang="en-US" sz="2200" dirty="0" smtClean="0">
+              <a:rPr lang="en-US" sz="2700" dirty="0" smtClean="0">
                 <a:solidFill>
                   <a:schemeClr val="tx1"/>
                 </a:solidFill>
@@ -8885,17 +6640,17 @@
               <a:t>. </a:t>
             </a:r>
             <a:r>
-              <a:rPr lang="en-US" sz="2200" dirty="0" err="1" smtClean="0">
-                <a:solidFill>
-                  <a:schemeClr val="tx1"/>
-                </a:solidFill>
-                <a:latin typeface="Times New Roman" panose="02020603050405020304" pitchFamily="18" charset="0"/>
-                <a:cs typeface="Times New Roman" panose="02020603050405020304" pitchFamily="18" charset="0"/>
-              </a:rPr>
-              <a:t>Đánh</a:t>
-            </a:r>
-            <a:r>
-              <a:rPr lang="en-US" sz="2200" dirty="0" smtClean="0">
+              <a:rPr lang="en-US" sz="2700" dirty="0" err="1" smtClean="0">
+                <a:solidFill>
+                  <a:schemeClr val="tx1"/>
+                </a:solidFill>
+                <a:latin typeface="Times New Roman" panose="02020603050405020304" pitchFamily="18" charset="0"/>
+                <a:cs typeface="Times New Roman" panose="02020603050405020304" pitchFamily="18" charset="0"/>
+              </a:rPr>
+              <a:t>Hướng</a:t>
+            </a:r>
+            <a:r>
+              <a:rPr lang="en-US" sz="2700" dirty="0" smtClean="0">
                 <a:solidFill>
                   <a:schemeClr val="tx1"/>
                 </a:solidFill>
@@ -8905,16 +6660,36 @@
               <a:t> </a:t>
             </a:r>
             <a:r>
-              <a:rPr lang="en-US" sz="2200" dirty="0" err="1" smtClean="0">
-                <a:solidFill>
-                  <a:schemeClr val="tx1"/>
-                </a:solidFill>
-                <a:latin typeface="Times New Roman" panose="02020603050405020304" pitchFamily="18" charset="0"/>
-                <a:cs typeface="Times New Roman" panose="02020603050405020304" pitchFamily="18" charset="0"/>
-              </a:rPr>
-              <a:t>giá</a:t>
-            </a:r>
-            <a:endParaRPr lang="en-US" sz="2200" dirty="0" smtClean="0">
+              <a:rPr lang="en-US" sz="2700" dirty="0" err="1" smtClean="0">
+                <a:solidFill>
+                  <a:schemeClr val="tx1"/>
+                </a:solidFill>
+                <a:latin typeface="Times New Roman" panose="02020603050405020304" pitchFamily="18" charset="0"/>
+                <a:cs typeface="Times New Roman" panose="02020603050405020304" pitchFamily="18" charset="0"/>
+              </a:rPr>
+              <a:t>phát</a:t>
+            </a:r>
+            <a:r>
+              <a:rPr lang="en-US" sz="2700" dirty="0" smtClean="0">
+                <a:solidFill>
+                  <a:schemeClr val="tx1"/>
+                </a:solidFill>
+                <a:latin typeface="Times New Roman" panose="02020603050405020304" pitchFamily="18" charset="0"/>
+                <a:cs typeface="Times New Roman" panose="02020603050405020304" pitchFamily="18" charset="0"/>
+              </a:rPr>
+              <a:t> </a:t>
+            </a:r>
+            <a:r>
+              <a:rPr lang="en-US" sz="2700" dirty="0" err="1" smtClean="0">
+                <a:solidFill>
+                  <a:schemeClr val="tx1"/>
+                </a:solidFill>
+                <a:latin typeface="Times New Roman" panose="02020603050405020304" pitchFamily="18" charset="0"/>
+                <a:cs typeface="Times New Roman" panose="02020603050405020304" pitchFamily="18" charset="0"/>
+              </a:rPr>
+              <a:t>triển</a:t>
+            </a:r>
+            <a:endParaRPr lang="en-US" sz="2700" dirty="0">
               <a:solidFill>
                 <a:schemeClr val="tx1"/>
               </a:solidFill>
@@ -8922,87 +6697,38 @@
               <a:cs typeface="Times New Roman" panose="02020603050405020304" pitchFamily="18" charset="0"/>
             </a:endParaRPr>
           </a:p>
-          <a:p>
-            <a:r>
-              <a:rPr lang="en-US" sz="2200" dirty="0">
-                <a:solidFill>
-                  <a:schemeClr val="tx1"/>
-                </a:solidFill>
-                <a:latin typeface="Times New Roman" panose="02020603050405020304" pitchFamily="18" charset="0"/>
-                <a:cs typeface="Times New Roman" panose="02020603050405020304" pitchFamily="18" charset="0"/>
-              </a:rPr>
-              <a:t>5</a:t>
-            </a:r>
-            <a:r>
-              <a:rPr lang="en-US" sz="2200" dirty="0" smtClean="0">
-                <a:solidFill>
-                  <a:schemeClr val="tx1"/>
-                </a:solidFill>
-                <a:latin typeface="Times New Roman" panose="02020603050405020304" pitchFamily="18" charset="0"/>
-                <a:cs typeface="Times New Roman" panose="02020603050405020304" pitchFamily="18" charset="0"/>
-              </a:rPr>
-              <a:t>. </a:t>
-            </a:r>
-            <a:r>
-              <a:rPr lang="en-US" sz="2200" dirty="0" err="1" smtClean="0">
-                <a:solidFill>
-                  <a:schemeClr val="tx1"/>
-                </a:solidFill>
-                <a:latin typeface="Times New Roman" panose="02020603050405020304" pitchFamily="18" charset="0"/>
-                <a:cs typeface="Times New Roman" panose="02020603050405020304" pitchFamily="18" charset="0"/>
-              </a:rPr>
-              <a:t>Hướng</a:t>
-            </a:r>
-            <a:r>
-              <a:rPr lang="en-US" sz="2200" dirty="0" smtClean="0">
-                <a:solidFill>
-                  <a:schemeClr val="tx1"/>
-                </a:solidFill>
-                <a:latin typeface="Times New Roman" panose="02020603050405020304" pitchFamily="18" charset="0"/>
-                <a:cs typeface="Times New Roman" panose="02020603050405020304" pitchFamily="18" charset="0"/>
-              </a:rPr>
-              <a:t> </a:t>
-            </a:r>
-            <a:r>
-              <a:rPr lang="en-US" sz="2200" dirty="0" err="1" smtClean="0">
-                <a:solidFill>
-                  <a:schemeClr val="tx1"/>
-                </a:solidFill>
-                <a:latin typeface="Times New Roman" panose="02020603050405020304" pitchFamily="18" charset="0"/>
-                <a:cs typeface="Times New Roman" panose="02020603050405020304" pitchFamily="18" charset="0"/>
-              </a:rPr>
-              <a:t>phát</a:t>
-            </a:r>
-            <a:r>
-              <a:rPr lang="en-US" sz="2200" dirty="0" smtClean="0">
-                <a:solidFill>
-                  <a:schemeClr val="tx1"/>
-                </a:solidFill>
-                <a:latin typeface="Times New Roman" panose="02020603050405020304" pitchFamily="18" charset="0"/>
-                <a:cs typeface="Times New Roman" panose="02020603050405020304" pitchFamily="18" charset="0"/>
-              </a:rPr>
-              <a:t> </a:t>
-            </a:r>
-            <a:r>
-              <a:rPr lang="en-US" sz="2200" dirty="0" err="1" smtClean="0">
-                <a:solidFill>
-                  <a:schemeClr val="tx1"/>
-                </a:solidFill>
-                <a:latin typeface="Times New Roman" panose="02020603050405020304" pitchFamily="18" charset="0"/>
-                <a:cs typeface="Times New Roman" panose="02020603050405020304" pitchFamily="18" charset="0"/>
-              </a:rPr>
-              <a:t>triển</a:t>
-            </a:r>
-            <a:endParaRPr lang="en-US" sz="2200" dirty="0">
-              <a:solidFill>
-                <a:schemeClr val="tx1"/>
-              </a:solidFill>
-              <a:latin typeface="Times New Roman" panose="02020603050405020304" pitchFamily="18" charset="0"/>
-              <a:cs typeface="Times New Roman" panose="02020603050405020304" pitchFamily="18" charset="0"/>
-            </a:endParaRPr>
-          </a:p>
-        </p:txBody>
-      </p:sp>
+        </p:txBody>
+      </p:sp>
+      <p:pic>
+        <p:nvPicPr>
+          <p:cNvPr id="4" name="Picture 3"/>
+          <p:cNvPicPr>
+            <a:picLocks noChangeAspect="1"/>
+          </p:cNvPicPr>
+          <p:nvPr/>
+        </p:nvPicPr>
+        <p:blipFill>
+          <a:blip r:embed="rId2">
+            <a:extLst>
+              <a:ext uri="{28A0092B-C50C-407E-A947-70E740481C1C}">
+                <a14:useLocalDpi xmlns:a14="http://schemas.microsoft.com/office/drawing/2010/main" val="0"/>
+              </a:ext>
+            </a:extLst>
+          </a:blip>
+          <a:stretch>
+            <a:fillRect/>
+          </a:stretch>
+        </p:blipFill>
+        <p:spPr>
+          <a:xfrm>
+            <a:off x="853442" y="1660447"/>
+            <a:ext cx="4277884" cy="4277884"/>
+          </a:xfrm>
+          <a:prstGeom prst="rect">
+            <a:avLst/>
+          </a:prstGeom>
+        </p:spPr>
+      </p:pic>
     </p:spTree>
     <p:extLst>
       <p:ext uri="{BB962C8B-B14F-4D97-AF65-F5344CB8AC3E}">
@@ -9138,6 +6864,59 @@
                                           </p:stCondLst>
                                         </p:cTn>
                                         <p:tgtEl>
+                                          <p:spTgt spid="4"/>
+                                        </p:tgtEl>
+                                        <p:attrNameLst>
+                                          <p:attrName>style.visibility</p:attrName>
+                                        </p:attrNameLst>
+                                      </p:cBhvr>
+                                      <p:to>
+                                        <p:strVal val="visible"/>
+                                      </p:to>
+                                    </p:set>
+                                    <p:animEffect transition="in" filter="fade">
+                                      <p:cBhvr>
+                                        <p:cTn id="13" dur="500"/>
+                                        <p:tgtEl>
+                                          <p:spTgt spid="4"/>
+                                        </p:tgtEl>
+                                      </p:cBhvr>
+                                    </p:animEffect>
+                                  </p:childTnLst>
+                                </p:cTn>
+                              </p:par>
+                            </p:childTnLst>
+                          </p:cTn>
+                        </p:par>
+                      </p:childTnLst>
+                    </p:cTn>
+                  </p:par>
+                  <p:par>
+                    <p:cTn id="14" fill="hold">
+                      <p:stCondLst>
+                        <p:cond delay="indefinite"/>
+                      </p:stCondLst>
+                      <p:childTnLst>
+                        <p:par>
+                          <p:cTn id="15" fill="hold">
+                            <p:stCondLst>
+                              <p:cond delay="0"/>
+                            </p:stCondLst>
+                            <p:childTnLst>
+                              <p:par>
+                                <p:cTn id="16" presetID="10" presetClass="entr" presetSubtype="0" fill="hold" nodeType="clickEffect">
+                                  <p:stCondLst>
+                                    <p:cond delay="0"/>
+                                  </p:stCondLst>
+                                  <p:childTnLst>
+                                    <p:set>
+                                      <p:cBhvr>
+                                        <p:cTn id="17" dur="1" fill="hold">
+                                          <p:stCondLst>
+                                            <p:cond delay="0"/>
+                                          </p:stCondLst>
+                                        </p:cTn>
+                                        <p:tgtEl>
                                           <p:spTgt spid="3">
                                             <p:txEl>
                                               <p:pRg st="0" end="0"/>
@@ -9154,7 +6933,7 @@
                                     </p:set>
                                     <p:animEffect transition="in" filter="fade">
                                       <p:cBhvr>
-                                        <p:cTn id="13" dur="500"/>
+                                        <p:cTn id="18" dur="500"/>
                                         <p:tgtEl>
                                           <p:spTgt spid="3">
                                             <p:txEl>
@@ -9167,15 +6946,33 @@
                                   </p:childTnLst>
                                 </p:cTn>
                               </p:par>
+                            </p:childTnLst>
+                          </p:cTn>
+                        </p:par>
+                      </p:childTnLst>
+                    </p:cTn>
+                  </p:par>
+                  <p:par>
+                    <p:cTn id="19" fill="hold">
+                      <p:stCondLst>
+                        <p:cond delay="indefinite"/>
+                      </p:stCondLst>
+                      <p:childTnLst>
+                        <p:par>
+                          <p:cTn id="20" fill="hold">
+                            <p:stCondLst>
+                              <p:cond delay="0"/>
+                            </p:stCondLst>
+                            <p:childTnLst>
                               <p:par>
-                                <p:cTn id="14" presetID="10" presetClass="entr" presetSubtype="0" fill="hold" nodeType="withEffect">
+                                <p:cTn id="21" presetID="10" presetClass="entr" presetSubtype="0" fill="hold" nodeType="clickEffect">
                                   <p:stCondLst>
                                     <p:cond delay="0"/>
                                   </p:stCondLst>
                                   <p:childTnLst>
                                     <p:set>
                                       <p:cBhvr>
-                                        <p:cTn id="15" dur="1" fill="hold">
+                                        <p:cTn id="22" dur="1" fill="hold">
                                           <p:stCondLst>
                                             <p:cond delay="0"/>
                                           </p:stCondLst>
@@ -9197,7 +6994,7 @@
                                     </p:set>
                                     <p:animEffect transition="in" filter="fade">
                                       <p:cBhvr>
-                                        <p:cTn id="16" dur="500"/>
+                                        <p:cTn id="23" dur="500"/>
                                         <p:tgtEl>
                                           <p:spTgt spid="3">
                                             <p:txEl>
@@ -9210,15 +7007,33 @@
                                   </p:childTnLst>
                                 </p:cTn>
                               </p:par>
+                            </p:childTnLst>
+                          </p:cTn>
+                        </p:par>
+                      </p:childTnLst>
+                    </p:cTn>
+                  </p:par>
+                  <p:par>
+                    <p:cTn id="24" fill="hold">
+                      <p:stCondLst>
+                        <p:cond delay="indefinite"/>
+                      </p:stCondLst>
+                      <p:childTnLst>
+                        <p:par>
+                          <p:cTn id="25" fill="hold">
+                            <p:stCondLst>
+                              <p:cond delay="0"/>
+                            </p:stCondLst>
+                            <p:childTnLst>
                               <p:par>
-                                <p:cTn id="17" presetID="10" presetClass="entr" presetSubtype="0" fill="hold" nodeType="withEffect">
+                                <p:cTn id="26" presetID="10" presetClass="entr" presetSubtype="0" fill="hold" nodeType="clickEffect">
                                   <p:stCondLst>
                                     <p:cond delay="0"/>
                                   </p:stCondLst>
                                   <p:childTnLst>
                                     <p:set>
                                       <p:cBhvr>
-                                        <p:cTn id="18" dur="1" fill="hold">
+                                        <p:cTn id="27" dur="1" fill="hold">
                                           <p:stCondLst>
                                             <p:cond delay="0"/>
                                           </p:stCondLst>
@@ -9240,7 +7055,7 @@
                                     </p:set>
                                     <p:animEffect transition="in" filter="fade">
                                       <p:cBhvr>
-                                        <p:cTn id="19" dur="500"/>
+                                        <p:cTn id="28" dur="500"/>
                                         <p:tgtEl>
                                           <p:spTgt spid="3">
                                             <p:txEl>
@@ -9253,15 +7068,33 @@
                                   </p:childTnLst>
                                 </p:cTn>
                               </p:par>
+                            </p:childTnLst>
+                          </p:cTn>
+                        </p:par>
+                      </p:childTnLst>
+                    </p:cTn>
+                  </p:par>
+                  <p:par>
+                    <p:cTn id="29" fill="hold">
+                      <p:stCondLst>
+                        <p:cond delay="indefinite"/>
+                      </p:stCondLst>
+                      <p:childTnLst>
+                        <p:par>
+                          <p:cTn id="30" fill="hold">
+                            <p:stCondLst>
+                              <p:cond delay="0"/>
+                            </p:stCondLst>
+                            <p:childTnLst>
                               <p:par>
-                                <p:cTn id="20" presetID="10" presetClass="entr" presetSubtype="0" fill="hold" nodeType="withEffect">
+                                <p:cTn id="31" presetID="10" presetClass="entr" presetSubtype="0" fill="hold" nodeType="clickEffect">
                                   <p:stCondLst>
                                     <p:cond delay="0"/>
                                   </p:stCondLst>
                                   <p:childTnLst>
                                     <p:set>
                                       <p:cBhvr>
-                                        <p:cTn id="21" dur="1" fill="hold">
+                                        <p:cTn id="32" dur="1" fill="hold">
                                           <p:stCondLst>
                                             <p:cond delay="0"/>
                                           </p:stCondLst>
@@ -9283,7 +7116,7 @@
                                     </p:set>
                                     <p:animEffect transition="in" filter="fade">
                                       <p:cBhvr>
-                                        <p:cTn id="22" dur="500"/>
+                                        <p:cTn id="33" dur="500"/>
                                         <p:tgtEl>
                                           <p:spTgt spid="3">
                                             <p:txEl>
@@ -9296,15 +7129,33 @@
                                   </p:childTnLst>
                                 </p:cTn>
                               </p:par>
+                            </p:childTnLst>
+                          </p:cTn>
+                        </p:par>
+                      </p:childTnLst>
+                    </p:cTn>
+                  </p:par>
+                  <p:par>
+                    <p:cTn id="34" fill="hold">
+                      <p:stCondLst>
+                        <p:cond delay="indefinite"/>
+                      </p:stCondLst>
+                      <p:childTnLst>
+                        <p:par>
+                          <p:cTn id="35" fill="hold">
+                            <p:stCondLst>
+                              <p:cond delay="0"/>
+                            </p:stCondLst>
+                            <p:childTnLst>
                               <p:par>
-                                <p:cTn id="23" presetID="10" presetClass="entr" presetSubtype="0" fill="hold" nodeType="withEffect">
+                                <p:cTn id="36" presetID="10" presetClass="entr" presetSubtype="0" fill="hold" nodeType="clickEffect">
                                   <p:stCondLst>
                                     <p:cond delay="0"/>
                                   </p:stCondLst>
                                   <p:childTnLst>
                                     <p:set>
                                       <p:cBhvr>
-                                        <p:cTn id="24" dur="1" fill="hold">
+                                        <p:cTn id="37" dur="1" fill="hold">
                                           <p:stCondLst>
                                             <p:cond delay="0"/>
                                           </p:stCondLst>
@@ -9326,7 +7177,7 @@
                                     </p:set>
                                     <p:animEffect transition="in" filter="fade">
                                       <p:cBhvr>
-                                        <p:cTn id="25" dur="500"/>
+                                        <p:cTn id="38" dur="500"/>
                                         <p:tgtEl>
                                           <p:spTgt spid="3">
                                             <p:txEl>
@@ -10021,7 +7872,7 @@
           <a:lstStyle/>
           <a:p>
             <a:r>
-              <a:rPr lang="en-US" dirty="0">
+              <a:rPr lang="vi-VN" dirty="0">
                 <a:latin typeface="Times New Roman" panose="02020603050405020304" pitchFamily="18" charset="0"/>
                 <a:cs typeface="Times New Roman" panose="02020603050405020304" pitchFamily="18" charset="0"/>
               </a:rPr>
@@ -10032,7 +7883,7 @@
                 <a:latin typeface="Times New Roman" panose="02020603050405020304" pitchFamily="18" charset="0"/>
                 <a:cs typeface="Times New Roman" panose="02020603050405020304" pitchFamily="18" charset="0"/>
               </a:rPr>
-              <a:t>. GIAO DIỆN CHƯƠNG TRÌNH	</a:t>
+              <a:t>. DEMO</a:t>
             </a:r>
             <a:endParaRPr lang="en-US" dirty="0">
               <a:latin typeface="Times New Roman" panose="02020603050405020304" pitchFamily="18" charset="0"/>
@@ -10051,28 +7902,205 @@
             <p:ph idx="1"/>
           </p:nvPr>
         </p:nvSpPr>
-        <p:spPr>
-          <a:xfrm>
-            <a:off x="677334" y="1086532"/>
-            <a:ext cx="8596668" cy="3880773"/>
-          </a:xfrm>
-        </p:spPr>
+        <p:spPr/>
         <p:txBody>
           <a:bodyPr/>
           <a:lstStyle/>
           <a:p>
-            <a:endParaRPr lang="en-US" sz="2200" dirty="0" smtClean="0">
-              <a:solidFill>
-                <a:schemeClr val="tx1"/>
-              </a:solidFill>
-              <a:latin typeface="Times New Roman" panose="02020603050405020304" pitchFamily="18" charset="0"/>
-              <a:cs typeface="Times New Roman" panose="02020603050405020304" pitchFamily="18" charset="0"/>
-            </a:endParaRPr>
-          </a:p>
-          <a:p>
-            <a:pPr marL="0" indent="0">
-              <a:buNone/>
-            </a:pPr>
+            <a:endParaRPr lang="en-US"/>
+          </a:p>
+        </p:txBody>
+      </p:sp>
+    </p:spTree>
+    <p:extLst>
+      <p:ext uri="{BB962C8B-B14F-4D97-AF65-F5344CB8AC3E}">
+        <p14:creationId xmlns:p14="http://schemas.microsoft.com/office/powerpoint/2010/main" val="1907672415"/>
+      </p:ext>
+    </p:extLst>
+  </p:cSld>
+  <p:clrMapOvr>
+    <a:masterClrMapping/>
+  </p:clrMapOvr>
+  <p:timing>
+    <p:tnLst>
+      <p:par>
+        <p:cTn id="1" dur="indefinite" restart="never" nodeType="tmRoot">
+          <p:childTnLst>
+            <p:seq concurrent="1" nextAc="seek">
+              <p:cTn id="2" dur="indefinite" nodeType="mainSeq">
+                <p:childTnLst>
+                  <p:par>
+                    <p:cTn id="3" fill="hold">
+                      <p:stCondLst>
+                        <p:cond delay="indefinite"/>
+                      </p:stCondLst>
+                      <p:childTnLst>
+                        <p:par>
+                          <p:cTn id="4" fill="hold">
+                            <p:stCondLst>
+                              <p:cond delay="0"/>
+                            </p:stCondLst>
+                            <p:childTnLst>
+                              <p:par>
+                                <p:cTn id="5" presetID="2" presetClass="entr" presetSubtype="4" fill="hold" grpId="0" nodeType="clickEffect">
+                                  <p:stCondLst>
+                                    <p:cond delay="0"/>
+                                  </p:stCondLst>
+                                  <p:childTnLst>
+                                    <p:set>
+                                      <p:cBhvr>
+                                        <p:cTn id="6" dur="1" fill="hold">
+                                          <p:stCondLst>
+                                            <p:cond delay="0"/>
+                                          </p:stCondLst>
+                                        </p:cTn>
+                                        <p:tgtEl>
+                                          <p:spTgt spid="2"/>
+                                        </p:tgtEl>
+                                        <p:attrNameLst>
+                                          <p:attrName>style.visibility</p:attrName>
+                                        </p:attrNameLst>
+                                      </p:cBhvr>
+                                      <p:to>
+                                        <p:strVal val="visible"/>
+                                      </p:to>
+                                    </p:set>
+                                    <p:anim calcmode="lin" valueType="num">
+                                      <p:cBhvr additive="base">
+                                        <p:cTn id="7" dur="500" fill="hold"/>
+                                        <p:tgtEl>
+                                          <p:spTgt spid="2"/>
+                                        </p:tgtEl>
+                                        <p:attrNameLst>
+                                          <p:attrName>ppt_x</p:attrName>
+                                        </p:attrNameLst>
+                                      </p:cBhvr>
+                                      <p:tavLst>
+                                        <p:tav tm="0">
+                                          <p:val>
+                                            <p:strVal val="#ppt_x"/>
+                                          </p:val>
+                                        </p:tav>
+                                        <p:tav tm="100000">
+                                          <p:val>
+                                            <p:strVal val="#ppt_x"/>
+                                          </p:val>
+                                        </p:tav>
+                                      </p:tavLst>
+                                    </p:anim>
+                                    <p:anim calcmode="lin" valueType="num">
+                                      <p:cBhvr additive="base">
+                                        <p:cTn id="8" dur="500" fill="hold"/>
+                                        <p:tgtEl>
+                                          <p:spTgt spid="2"/>
+                                        </p:tgtEl>
+                                        <p:attrNameLst>
+                                          <p:attrName>ppt_y</p:attrName>
+                                        </p:attrNameLst>
+                                      </p:cBhvr>
+                                      <p:tavLst>
+                                        <p:tav tm="0">
+                                          <p:val>
+                                            <p:strVal val="1+#ppt_h/2"/>
+                                          </p:val>
+                                        </p:tav>
+                                        <p:tav tm="100000">
+                                          <p:val>
+                                            <p:strVal val="#ppt_y"/>
+                                          </p:val>
+                                        </p:tav>
+                                      </p:tavLst>
+                                    </p:anim>
+                                  </p:childTnLst>
+                                </p:cTn>
+                              </p:par>
+                            </p:childTnLst>
+                          </p:cTn>
+                        </p:par>
+                      </p:childTnLst>
+                    </p:cTn>
+                  </p:par>
+                </p:childTnLst>
+              </p:cTn>
+              <p:prevCondLst>
+                <p:cond evt="onPrev" delay="0">
+                  <p:tgtEl>
+                    <p:sldTgt/>
+                  </p:tgtEl>
+                </p:cond>
+              </p:prevCondLst>
+              <p:nextCondLst>
+                <p:cond evt="onNext" delay="0">
+                  <p:tgtEl>
+                    <p:sldTgt/>
+                  </p:tgtEl>
+                </p:cond>
+              </p:nextCondLst>
+            </p:seq>
+          </p:childTnLst>
+        </p:cTn>
+      </p:par>
+    </p:tnLst>
+    <p:bldLst>
+      <p:bldP spid="2" grpId="0"/>
+    </p:bldLst>
+  </p:timing>
+</p:sld>
+</file>
+
+<file path=ppt/slides/slide7.xml><?xml version="1.0" encoding="utf-8"?>
+<p:sld xmlns:a="http://schemas.openxmlformats.org/drawingml/2006/main" xmlns:r="http://schemas.openxmlformats.org/officeDocument/2006/relationships" xmlns:p="http://schemas.openxmlformats.org/presentationml/2006/main">
+  <p:cSld>
+    <p:spTree>
+      <p:nvGrpSpPr>
+        <p:cNvPr id="1" name=""/>
+        <p:cNvGrpSpPr/>
+        <p:nvPr/>
+      </p:nvGrpSpPr>
+      <p:grpSpPr>
+        <a:xfrm>
+          <a:off x="0" y="0"/>
+          <a:ext cx="0" cy="0"/>
+          <a:chOff x="0" y="0"/>
+          <a:chExt cx="0" cy="0"/>
+        </a:xfrm>
+      </p:grpSpPr>
+      <p:sp>
+        <p:nvSpPr>
+          <p:cNvPr id="2" name="Title 1"/>
+          <p:cNvSpPr>
+            <a:spLocks noGrp="1"/>
+          </p:cNvSpPr>
+          <p:nvPr>
+            <p:ph type="title"/>
+          </p:nvPr>
+        </p:nvSpPr>
+        <p:spPr/>
+        <p:txBody>
+          <a:bodyPr/>
+          <a:lstStyle/>
+          <a:p>
+            <a:r>
+              <a:rPr lang="vi-VN" dirty="0">
+                <a:latin typeface="Times New Roman" panose="02020603050405020304" pitchFamily="18" charset="0"/>
+                <a:cs typeface="Times New Roman" panose="02020603050405020304" pitchFamily="18" charset="0"/>
+              </a:rPr>
+              <a:t>3</a:t>
+            </a:r>
+            <a:r>
+              <a:rPr lang="en-US" dirty="0" smtClean="0">
+                <a:latin typeface="Times New Roman" panose="02020603050405020304" pitchFamily="18" charset="0"/>
+                <a:cs typeface="Times New Roman" panose="02020603050405020304" pitchFamily="18" charset="0"/>
+              </a:rPr>
+              <a:t>. ĐÁNH GIÁ</a:t>
+            </a:r>
+            <a:r>
+              <a:rPr lang="vi-VN" dirty="0" smtClean="0">
+                <a:latin typeface="Times New Roman" panose="02020603050405020304" pitchFamily="18" charset="0"/>
+                <a:cs typeface="Times New Roman" panose="02020603050405020304" pitchFamily="18" charset="0"/>
+              </a:rPr>
+              <a:t> </a:t>
+            </a:r>
             <a:endParaRPr lang="en-US" dirty="0">
               <a:latin typeface="Times New Roman" panose="02020603050405020304" pitchFamily="18" charset="0"/>
               <a:cs typeface="Times New Roman" panose="02020603050405020304" pitchFamily="18" charset="0"/>
@@ -10080,28 +8108,737 @@
           </a:p>
         </p:txBody>
       </p:sp>
+      <p:sp>
+        <p:nvSpPr>
+          <p:cNvPr id="3" name="Content Placeholder 2"/>
+          <p:cNvSpPr>
+            <a:spLocks noGrp="1"/>
+          </p:cNvSpPr>
+          <p:nvPr>
+            <p:ph idx="1"/>
+          </p:nvPr>
+        </p:nvSpPr>
+        <p:spPr>
+          <a:xfrm>
+            <a:off x="2846232" y="2340892"/>
+            <a:ext cx="7379594" cy="2050803"/>
+          </a:xfrm>
+        </p:spPr>
+        <p:txBody>
+          <a:bodyPr>
+            <a:normAutofit/>
+          </a:bodyPr>
+          <a:lstStyle/>
+          <a:p>
+            <a:pPr marL="0" indent="0" algn="just">
+              <a:buNone/>
+            </a:pPr>
+            <a:r>
+              <a:rPr lang="en-US" sz="2500" dirty="0" smtClean="0">
+                <a:solidFill>
+                  <a:schemeClr val="tx1"/>
+                </a:solidFill>
+                <a:latin typeface="Times New Roman" panose="02020603050405020304" pitchFamily="18" charset="0"/>
+                <a:cs typeface="Times New Roman" panose="02020603050405020304" pitchFamily="18" charset="0"/>
+              </a:rPr>
+              <a:t>- </a:t>
+            </a:r>
+            <a:r>
+              <a:rPr lang="en-US" sz="2500" dirty="0" err="1" smtClean="0">
+                <a:solidFill>
+                  <a:schemeClr val="tx1"/>
+                </a:solidFill>
+                <a:latin typeface="Times New Roman" panose="02020603050405020304" pitchFamily="18" charset="0"/>
+                <a:cs typeface="Times New Roman" panose="02020603050405020304" pitchFamily="18" charset="0"/>
+              </a:rPr>
+              <a:t>Đã</a:t>
+            </a:r>
+            <a:r>
+              <a:rPr lang="en-US" sz="2500" dirty="0" smtClean="0">
+                <a:solidFill>
+                  <a:schemeClr val="tx1"/>
+                </a:solidFill>
+                <a:latin typeface="Times New Roman" panose="02020603050405020304" pitchFamily="18" charset="0"/>
+                <a:cs typeface="Times New Roman" panose="02020603050405020304" pitchFamily="18" charset="0"/>
+              </a:rPr>
+              <a:t> </a:t>
+            </a:r>
+            <a:r>
+              <a:rPr lang="en-US" sz="2500" dirty="0" err="1" smtClean="0">
+                <a:solidFill>
+                  <a:schemeClr val="tx1"/>
+                </a:solidFill>
+                <a:latin typeface="Times New Roman" panose="02020603050405020304" pitchFamily="18" charset="0"/>
+                <a:cs typeface="Times New Roman" panose="02020603050405020304" pitchFamily="18" charset="0"/>
+              </a:rPr>
+              <a:t>hiểu</a:t>
+            </a:r>
+            <a:r>
+              <a:rPr lang="en-US" sz="2500" dirty="0" smtClean="0">
+                <a:solidFill>
+                  <a:schemeClr val="tx1"/>
+                </a:solidFill>
+                <a:latin typeface="Times New Roman" panose="02020603050405020304" pitchFamily="18" charset="0"/>
+                <a:cs typeface="Times New Roman" panose="02020603050405020304" pitchFamily="18" charset="0"/>
+              </a:rPr>
+              <a:t> </a:t>
+            </a:r>
+            <a:r>
+              <a:rPr lang="en-US" sz="2500" dirty="0" err="1" smtClean="0">
+                <a:solidFill>
+                  <a:schemeClr val="tx1"/>
+                </a:solidFill>
+                <a:latin typeface="Times New Roman" panose="02020603050405020304" pitchFamily="18" charset="0"/>
+                <a:cs typeface="Times New Roman" panose="02020603050405020304" pitchFamily="18" charset="0"/>
+              </a:rPr>
+              <a:t>và</a:t>
+            </a:r>
+            <a:r>
+              <a:rPr lang="en-US" sz="2500" dirty="0" smtClean="0">
+                <a:solidFill>
+                  <a:schemeClr val="tx1"/>
+                </a:solidFill>
+                <a:latin typeface="Times New Roman" panose="02020603050405020304" pitchFamily="18" charset="0"/>
+                <a:cs typeface="Times New Roman" panose="02020603050405020304" pitchFamily="18" charset="0"/>
+              </a:rPr>
+              <a:t> </a:t>
+            </a:r>
+            <a:r>
+              <a:rPr lang="en-US" sz="2500" dirty="0" err="1" smtClean="0">
+                <a:solidFill>
+                  <a:schemeClr val="tx1"/>
+                </a:solidFill>
+                <a:latin typeface="Times New Roman" panose="02020603050405020304" pitchFamily="18" charset="0"/>
+                <a:cs typeface="Times New Roman" panose="02020603050405020304" pitchFamily="18" charset="0"/>
+              </a:rPr>
+              <a:t>áp</a:t>
+            </a:r>
+            <a:r>
+              <a:rPr lang="en-US" sz="2500" dirty="0" smtClean="0">
+                <a:solidFill>
+                  <a:schemeClr val="tx1"/>
+                </a:solidFill>
+                <a:latin typeface="Times New Roman" panose="02020603050405020304" pitchFamily="18" charset="0"/>
+                <a:cs typeface="Times New Roman" panose="02020603050405020304" pitchFamily="18" charset="0"/>
+              </a:rPr>
+              <a:t> </a:t>
+            </a:r>
+            <a:r>
+              <a:rPr lang="en-US" sz="2500" dirty="0" err="1" smtClean="0">
+                <a:solidFill>
+                  <a:schemeClr val="tx1"/>
+                </a:solidFill>
+                <a:latin typeface="Times New Roman" panose="02020603050405020304" pitchFamily="18" charset="0"/>
+                <a:cs typeface="Times New Roman" panose="02020603050405020304" pitchFamily="18" charset="0"/>
+              </a:rPr>
+              <a:t>dụng</a:t>
+            </a:r>
+            <a:r>
+              <a:rPr lang="en-US" sz="2500" dirty="0" smtClean="0">
+                <a:solidFill>
+                  <a:schemeClr val="tx1"/>
+                </a:solidFill>
+                <a:latin typeface="Times New Roman" panose="02020603050405020304" pitchFamily="18" charset="0"/>
+                <a:cs typeface="Times New Roman" panose="02020603050405020304" pitchFamily="18" charset="0"/>
+              </a:rPr>
+              <a:t> </a:t>
+            </a:r>
+            <a:r>
+              <a:rPr lang="en-US" sz="2500" dirty="0" err="1" smtClean="0">
+                <a:solidFill>
+                  <a:schemeClr val="tx1"/>
+                </a:solidFill>
+                <a:latin typeface="Times New Roman" panose="02020603050405020304" pitchFamily="18" charset="0"/>
+                <a:cs typeface="Times New Roman" panose="02020603050405020304" pitchFamily="18" charset="0"/>
+              </a:rPr>
+              <a:t>được</a:t>
+            </a:r>
+            <a:r>
+              <a:rPr lang="en-US" sz="2500" dirty="0" smtClean="0">
+                <a:solidFill>
+                  <a:schemeClr val="tx1"/>
+                </a:solidFill>
+                <a:latin typeface="Times New Roman" panose="02020603050405020304" pitchFamily="18" charset="0"/>
+                <a:cs typeface="Times New Roman" panose="02020603050405020304" pitchFamily="18" charset="0"/>
+              </a:rPr>
+              <a:t> </a:t>
+            </a:r>
+            <a:r>
+              <a:rPr lang="en-US" sz="2500" dirty="0" err="1" smtClean="0">
+                <a:solidFill>
+                  <a:schemeClr val="tx1"/>
+                </a:solidFill>
+                <a:latin typeface="Times New Roman" panose="02020603050405020304" pitchFamily="18" charset="0"/>
+                <a:cs typeface="Times New Roman" panose="02020603050405020304" pitchFamily="18" charset="0"/>
+              </a:rPr>
+              <a:t>ngăn</a:t>
+            </a:r>
+            <a:r>
+              <a:rPr lang="en-US" sz="2500" dirty="0" smtClean="0">
+                <a:solidFill>
+                  <a:schemeClr val="tx1"/>
+                </a:solidFill>
+                <a:latin typeface="Times New Roman" panose="02020603050405020304" pitchFamily="18" charset="0"/>
+                <a:cs typeface="Times New Roman" panose="02020603050405020304" pitchFamily="18" charset="0"/>
+              </a:rPr>
+              <a:t> </a:t>
+            </a:r>
+            <a:r>
+              <a:rPr lang="en-US" sz="2500" dirty="0" err="1" smtClean="0">
+                <a:solidFill>
+                  <a:schemeClr val="tx1"/>
+                </a:solidFill>
+                <a:latin typeface="Times New Roman" panose="02020603050405020304" pitchFamily="18" charset="0"/>
+                <a:cs typeface="Times New Roman" panose="02020603050405020304" pitchFamily="18" charset="0"/>
+              </a:rPr>
+              <a:t>xếp</a:t>
+            </a:r>
+            <a:r>
+              <a:rPr lang="en-US" sz="2500" dirty="0" smtClean="0">
+                <a:solidFill>
+                  <a:schemeClr val="tx1"/>
+                </a:solidFill>
+                <a:latin typeface="Times New Roman" panose="02020603050405020304" pitchFamily="18" charset="0"/>
+                <a:cs typeface="Times New Roman" panose="02020603050405020304" pitchFamily="18" charset="0"/>
+              </a:rPr>
+              <a:t> </a:t>
+            </a:r>
+            <a:r>
+              <a:rPr lang="en-US" sz="2500" dirty="0" err="1" smtClean="0">
+                <a:solidFill>
+                  <a:schemeClr val="tx1"/>
+                </a:solidFill>
+                <a:latin typeface="Times New Roman" panose="02020603050405020304" pitchFamily="18" charset="0"/>
+                <a:cs typeface="Times New Roman" panose="02020603050405020304" pitchFamily="18" charset="0"/>
+              </a:rPr>
+              <a:t>vào</a:t>
+            </a:r>
+            <a:r>
+              <a:rPr lang="en-US" sz="2500" dirty="0" smtClean="0">
+                <a:solidFill>
+                  <a:schemeClr val="tx1"/>
+                </a:solidFill>
+                <a:latin typeface="Times New Roman" panose="02020603050405020304" pitchFamily="18" charset="0"/>
+                <a:cs typeface="Times New Roman" panose="02020603050405020304" pitchFamily="18" charset="0"/>
+              </a:rPr>
+              <a:t> </a:t>
+            </a:r>
+            <a:r>
+              <a:rPr lang="en-US" sz="2500" dirty="0" err="1" smtClean="0">
+                <a:solidFill>
+                  <a:schemeClr val="tx1"/>
+                </a:solidFill>
+                <a:latin typeface="Times New Roman" panose="02020603050405020304" pitchFamily="18" charset="0"/>
+                <a:cs typeface="Times New Roman" panose="02020603050405020304" pitchFamily="18" charset="0"/>
+              </a:rPr>
+              <a:t>chương</a:t>
+            </a:r>
+            <a:r>
+              <a:rPr lang="en-US" sz="2500" dirty="0" smtClean="0">
+                <a:solidFill>
+                  <a:schemeClr val="tx1"/>
+                </a:solidFill>
+                <a:latin typeface="Times New Roman" panose="02020603050405020304" pitchFamily="18" charset="0"/>
+                <a:cs typeface="Times New Roman" panose="02020603050405020304" pitchFamily="18" charset="0"/>
+              </a:rPr>
+              <a:t> </a:t>
+            </a:r>
+            <a:r>
+              <a:rPr lang="en-US" sz="2500" dirty="0" err="1" smtClean="0">
+                <a:solidFill>
+                  <a:schemeClr val="tx1"/>
+                </a:solidFill>
+                <a:latin typeface="Times New Roman" panose="02020603050405020304" pitchFamily="18" charset="0"/>
+                <a:cs typeface="Times New Roman" panose="02020603050405020304" pitchFamily="18" charset="0"/>
+              </a:rPr>
+              <a:t>trình</a:t>
+            </a:r>
+            <a:r>
+              <a:rPr lang="en-US" sz="2500" dirty="0" smtClean="0">
+                <a:solidFill>
+                  <a:schemeClr val="tx1"/>
+                </a:solidFill>
+                <a:latin typeface="Times New Roman" panose="02020603050405020304" pitchFamily="18" charset="0"/>
+                <a:cs typeface="Times New Roman" panose="02020603050405020304" pitchFamily="18" charset="0"/>
+              </a:rPr>
+              <a:t>.</a:t>
+            </a:r>
+          </a:p>
+          <a:p>
+            <a:pPr marL="0" indent="0" algn="just">
+              <a:buNone/>
+            </a:pPr>
+            <a:r>
+              <a:rPr lang="en-US" sz="2500" dirty="0" smtClean="0">
+                <a:solidFill>
+                  <a:schemeClr val="tx1"/>
+                </a:solidFill>
+                <a:latin typeface="Times New Roman" panose="02020603050405020304" pitchFamily="18" charset="0"/>
+                <a:cs typeface="Times New Roman" panose="02020603050405020304" pitchFamily="18" charset="0"/>
+              </a:rPr>
+              <a:t>- </a:t>
+            </a:r>
+            <a:r>
+              <a:rPr lang="en-US" sz="2500" dirty="0" err="1" smtClean="0">
+                <a:solidFill>
+                  <a:schemeClr val="tx1"/>
+                </a:solidFill>
+                <a:latin typeface="Times New Roman" panose="02020603050405020304" pitchFamily="18" charset="0"/>
+                <a:cs typeface="Times New Roman" panose="02020603050405020304" pitchFamily="18" charset="0"/>
+              </a:rPr>
+              <a:t>Tuy</a:t>
+            </a:r>
+            <a:r>
+              <a:rPr lang="en-US" sz="2500" dirty="0" smtClean="0">
+                <a:solidFill>
+                  <a:schemeClr val="tx1"/>
+                </a:solidFill>
+                <a:latin typeface="Times New Roman" panose="02020603050405020304" pitchFamily="18" charset="0"/>
+                <a:cs typeface="Times New Roman" panose="02020603050405020304" pitchFamily="18" charset="0"/>
+              </a:rPr>
+              <a:t> </a:t>
+            </a:r>
+            <a:r>
+              <a:rPr lang="en-US" sz="2500" dirty="0" err="1" smtClean="0">
+                <a:solidFill>
+                  <a:schemeClr val="tx1"/>
+                </a:solidFill>
+                <a:latin typeface="Times New Roman" panose="02020603050405020304" pitchFamily="18" charset="0"/>
+                <a:cs typeface="Times New Roman" panose="02020603050405020304" pitchFamily="18" charset="0"/>
+              </a:rPr>
+              <a:t>nhiên</a:t>
+            </a:r>
+            <a:r>
+              <a:rPr lang="en-US" sz="2500" dirty="0" smtClean="0">
+                <a:solidFill>
+                  <a:schemeClr val="tx1"/>
+                </a:solidFill>
+                <a:latin typeface="Times New Roman" panose="02020603050405020304" pitchFamily="18" charset="0"/>
+                <a:cs typeface="Times New Roman" panose="02020603050405020304" pitchFamily="18" charset="0"/>
+              </a:rPr>
+              <a:t> </a:t>
+            </a:r>
+            <a:r>
+              <a:rPr lang="en-US" sz="2500" dirty="0" err="1" smtClean="0">
+                <a:solidFill>
+                  <a:schemeClr val="tx1"/>
+                </a:solidFill>
+                <a:latin typeface="Times New Roman" panose="02020603050405020304" pitchFamily="18" charset="0"/>
+                <a:cs typeface="Times New Roman" panose="02020603050405020304" pitchFamily="18" charset="0"/>
+              </a:rPr>
+              <a:t>chương</a:t>
+            </a:r>
+            <a:r>
+              <a:rPr lang="en-US" sz="2500" dirty="0" smtClean="0">
+                <a:solidFill>
+                  <a:schemeClr val="tx1"/>
+                </a:solidFill>
+                <a:latin typeface="Times New Roman" panose="02020603050405020304" pitchFamily="18" charset="0"/>
+                <a:cs typeface="Times New Roman" panose="02020603050405020304" pitchFamily="18" charset="0"/>
+              </a:rPr>
+              <a:t> </a:t>
+            </a:r>
+            <a:r>
+              <a:rPr lang="en-US" sz="2500" dirty="0" err="1" smtClean="0">
+                <a:solidFill>
+                  <a:schemeClr val="tx1"/>
+                </a:solidFill>
+                <a:latin typeface="Times New Roman" panose="02020603050405020304" pitchFamily="18" charset="0"/>
+                <a:cs typeface="Times New Roman" panose="02020603050405020304" pitchFamily="18" charset="0"/>
+              </a:rPr>
+              <a:t>trình</a:t>
+            </a:r>
+            <a:r>
+              <a:rPr lang="en-US" sz="2500" dirty="0" smtClean="0">
+                <a:solidFill>
+                  <a:schemeClr val="tx1"/>
+                </a:solidFill>
+                <a:latin typeface="Times New Roman" panose="02020603050405020304" pitchFamily="18" charset="0"/>
+                <a:cs typeface="Times New Roman" panose="02020603050405020304" pitchFamily="18" charset="0"/>
+              </a:rPr>
+              <a:t> </a:t>
+            </a:r>
+            <a:r>
+              <a:rPr lang="en-US" sz="2500" dirty="0" err="1" smtClean="0">
+                <a:solidFill>
+                  <a:schemeClr val="tx1"/>
+                </a:solidFill>
+                <a:latin typeface="Times New Roman" panose="02020603050405020304" pitchFamily="18" charset="0"/>
+                <a:cs typeface="Times New Roman" panose="02020603050405020304" pitchFamily="18" charset="0"/>
+              </a:rPr>
+              <a:t>chỉ</a:t>
+            </a:r>
+            <a:r>
+              <a:rPr lang="en-US" sz="2500" dirty="0">
+                <a:solidFill>
+                  <a:schemeClr val="tx1"/>
+                </a:solidFill>
+                <a:latin typeface="Times New Roman" panose="02020603050405020304" pitchFamily="18" charset="0"/>
+                <a:cs typeface="Times New Roman" panose="02020603050405020304" pitchFamily="18" charset="0"/>
+              </a:rPr>
+              <a:t> </a:t>
+            </a:r>
+            <a:r>
+              <a:rPr lang="en-US" sz="2500" dirty="0" err="1" smtClean="0">
+                <a:solidFill>
+                  <a:schemeClr val="tx1"/>
+                </a:solidFill>
+                <a:latin typeface="Times New Roman" panose="02020603050405020304" pitchFamily="18" charset="0"/>
+                <a:cs typeface="Times New Roman" panose="02020603050405020304" pitchFamily="18" charset="0"/>
+              </a:rPr>
+              <a:t>mới</a:t>
+            </a:r>
+            <a:r>
+              <a:rPr lang="en-US" sz="2500" dirty="0" smtClean="0">
+                <a:solidFill>
+                  <a:schemeClr val="tx1"/>
+                </a:solidFill>
+                <a:latin typeface="Times New Roman" panose="02020603050405020304" pitchFamily="18" charset="0"/>
+                <a:cs typeface="Times New Roman" panose="02020603050405020304" pitchFamily="18" charset="0"/>
+              </a:rPr>
+              <a:t> </a:t>
+            </a:r>
+            <a:r>
+              <a:rPr lang="en-US" sz="2500" dirty="0" err="1" smtClean="0">
+                <a:solidFill>
+                  <a:schemeClr val="tx1"/>
+                </a:solidFill>
+                <a:latin typeface="Times New Roman" panose="02020603050405020304" pitchFamily="18" charset="0"/>
+                <a:cs typeface="Times New Roman" panose="02020603050405020304" pitchFamily="18" charset="0"/>
+              </a:rPr>
+              <a:t>xây</a:t>
+            </a:r>
+            <a:r>
+              <a:rPr lang="en-US" sz="2500" dirty="0" smtClean="0">
+                <a:solidFill>
+                  <a:schemeClr val="tx1"/>
+                </a:solidFill>
+                <a:latin typeface="Times New Roman" panose="02020603050405020304" pitchFamily="18" charset="0"/>
+                <a:cs typeface="Times New Roman" panose="02020603050405020304" pitchFamily="18" charset="0"/>
+              </a:rPr>
+              <a:t> </a:t>
+            </a:r>
+            <a:r>
+              <a:rPr lang="en-US" sz="2500" dirty="0" err="1" smtClean="0">
+                <a:solidFill>
+                  <a:schemeClr val="tx1"/>
+                </a:solidFill>
+                <a:latin typeface="Times New Roman" panose="02020603050405020304" pitchFamily="18" charset="0"/>
+                <a:cs typeface="Times New Roman" panose="02020603050405020304" pitchFamily="18" charset="0"/>
+              </a:rPr>
+              <a:t>dựng</a:t>
+            </a:r>
+            <a:r>
+              <a:rPr lang="en-US" sz="2500" dirty="0" smtClean="0">
+                <a:solidFill>
+                  <a:schemeClr val="tx1"/>
+                </a:solidFill>
+                <a:latin typeface="Times New Roman" panose="02020603050405020304" pitchFamily="18" charset="0"/>
+                <a:cs typeface="Times New Roman" panose="02020603050405020304" pitchFamily="18" charset="0"/>
+              </a:rPr>
+              <a:t> </a:t>
+            </a:r>
+            <a:r>
+              <a:rPr lang="en-US" sz="2500" dirty="0" err="1" smtClean="0">
+                <a:solidFill>
+                  <a:schemeClr val="tx1"/>
+                </a:solidFill>
+                <a:latin typeface="Times New Roman" panose="02020603050405020304" pitchFamily="18" charset="0"/>
+                <a:cs typeface="Times New Roman" panose="02020603050405020304" pitchFamily="18" charset="0"/>
+              </a:rPr>
+              <a:t>những</a:t>
+            </a:r>
+            <a:r>
+              <a:rPr lang="en-US" sz="2500" dirty="0" smtClean="0">
+                <a:solidFill>
+                  <a:schemeClr val="tx1"/>
+                </a:solidFill>
+                <a:latin typeface="Times New Roman" panose="02020603050405020304" pitchFamily="18" charset="0"/>
+                <a:cs typeface="Times New Roman" panose="02020603050405020304" pitchFamily="18" charset="0"/>
+              </a:rPr>
+              <a:t> </a:t>
+            </a:r>
+            <a:r>
+              <a:rPr lang="en-US" sz="2500" dirty="0" err="1" smtClean="0">
+                <a:solidFill>
+                  <a:schemeClr val="tx1"/>
+                </a:solidFill>
+                <a:latin typeface="Times New Roman" panose="02020603050405020304" pitchFamily="18" charset="0"/>
+                <a:cs typeface="Times New Roman" panose="02020603050405020304" pitchFamily="18" charset="0"/>
+              </a:rPr>
+              <a:t>chức</a:t>
+            </a:r>
+            <a:r>
+              <a:rPr lang="en-US" sz="2500" dirty="0" smtClean="0">
+                <a:solidFill>
+                  <a:schemeClr val="tx1"/>
+                </a:solidFill>
+                <a:latin typeface="Times New Roman" panose="02020603050405020304" pitchFamily="18" charset="0"/>
+                <a:cs typeface="Times New Roman" panose="02020603050405020304" pitchFamily="18" charset="0"/>
+              </a:rPr>
+              <a:t> </a:t>
+            </a:r>
+            <a:r>
+              <a:rPr lang="en-US" sz="2500" dirty="0" err="1" smtClean="0">
+                <a:solidFill>
+                  <a:schemeClr val="tx1"/>
+                </a:solidFill>
+                <a:latin typeface="Times New Roman" panose="02020603050405020304" pitchFamily="18" charset="0"/>
+                <a:cs typeface="Times New Roman" panose="02020603050405020304" pitchFamily="18" charset="0"/>
+              </a:rPr>
+              <a:t>năng</a:t>
+            </a:r>
+            <a:r>
+              <a:rPr lang="en-US" sz="2500" dirty="0">
+                <a:solidFill>
+                  <a:schemeClr val="tx1"/>
+                </a:solidFill>
+                <a:latin typeface="Times New Roman" panose="02020603050405020304" pitchFamily="18" charset="0"/>
+                <a:cs typeface="Times New Roman" panose="02020603050405020304" pitchFamily="18" charset="0"/>
+              </a:rPr>
+              <a:t> </a:t>
+            </a:r>
+            <a:r>
+              <a:rPr lang="en-US" sz="2500" dirty="0" err="1" smtClean="0">
+                <a:solidFill>
+                  <a:schemeClr val="tx1"/>
+                </a:solidFill>
+                <a:latin typeface="Times New Roman" panose="02020603050405020304" pitchFamily="18" charset="0"/>
+                <a:cs typeface="Times New Roman" panose="02020603050405020304" pitchFamily="18" charset="0"/>
+              </a:rPr>
+              <a:t>cơ</a:t>
+            </a:r>
+            <a:r>
+              <a:rPr lang="en-US" sz="2500" dirty="0" smtClean="0">
+                <a:solidFill>
+                  <a:schemeClr val="tx1"/>
+                </a:solidFill>
+                <a:latin typeface="Times New Roman" panose="02020603050405020304" pitchFamily="18" charset="0"/>
+                <a:cs typeface="Times New Roman" panose="02020603050405020304" pitchFamily="18" charset="0"/>
+              </a:rPr>
+              <a:t> </a:t>
+            </a:r>
+            <a:r>
+              <a:rPr lang="en-US" sz="2500" dirty="0" err="1" smtClean="0">
+                <a:solidFill>
+                  <a:schemeClr val="tx1"/>
+                </a:solidFill>
+                <a:latin typeface="Times New Roman" panose="02020603050405020304" pitchFamily="18" charset="0"/>
+                <a:cs typeface="Times New Roman" panose="02020603050405020304" pitchFamily="18" charset="0"/>
+              </a:rPr>
+              <a:t>bản</a:t>
+            </a:r>
+            <a:r>
+              <a:rPr lang="en-US" sz="2500" dirty="0" smtClean="0">
+                <a:solidFill>
+                  <a:schemeClr val="tx1"/>
+                </a:solidFill>
+                <a:latin typeface="Times New Roman" panose="02020603050405020304" pitchFamily="18" charset="0"/>
+                <a:cs typeface="Times New Roman" panose="02020603050405020304" pitchFamily="18" charset="0"/>
+              </a:rPr>
+              <a:t>.</a:t>
+            </a:r>
+          </a:p>
+          <a:p>
+            <a:pPr marL="0" indent="0" algn="just">
+              <a:buNone/>
+            </a:pPr>
+            <a:r>
+              <a:rPr lang="en-US" sz="2500" dirty="0" smtClean="0">
+                <a:solidFill>
+                  <a:schemeClr val="tx1"/>
+                </a:solidFill>
+                <a:latin typeface="Times New Roman" panose="02020603050405020304" pitchFamily="18" charset="0"/>
+                <a:cs typeface="Times New Roman" panose="02020603050405020304" pitchFamily="18" charset="0"/>
+              </a:rPr>
+              <a:t>- </a:t>
+            </a:r>
+            <a:r>
+              <a:rPr lang="en-US" sz="2500" dirty="0" err="1" smtClean="0">
+                <a:solidFill>
+                  <a:schemeClr val="tx1"/>
+                </a:solidFill>
+                <a:latin typeface="Times New Roman" panose="02020603050405020304" pitchFamily="18" charset="0"/>
+                <a:cs typeface="Times New Roman" panose="02020603050405020304" pitchFamily="18" charset="0"/>
+              </a:rPr>
+              <a:t>Giao</a:t>
+            </a:r>
+            <a:r>
+              <a:rPr lang="en-US" sz="2500" dirty="0" smtClean="0">
+                <a:solidFill>
+                  <a:schemeClr val="tx1"/>
+                </a:solidFill>
+                <a:latin typeface="Times New Roman" panose="02020603050405020304" pitchFamily="18" charset="0"/>
+                <a:cs typeface="Times New Roman" panose="02020603050405020304" pitchFamily="18" charset="0"/>
+              </a:rPr>
+              <a:t> </a:t>
+            </a:r>
+            <a:r>
+              <a:rPr lang="en-US" sz="2500" dirty="0" err="1" smtClean="0">
+                <a:solidFill>
+                  <a:schemeClr val="tx1"/>
+                </a:solidFill>
+                <a:latin typeface="Times New Roman" panose="02020603050405020304" pitchFamily="18" charset="0"/>
+                <a:cs typeface="Times New Roman" panose="02020603050405020304" pitchFamily="18" charset="0"/>
+              </a:rPr>
+              <a:t>diện</a:t>
+            </a:r>
+            <a:r>
+              <a:rPr lang="en-US" sz="2500" dirty="0" smtClean="0">
+                <a:solidFill>
+                  <a:schemeClr val="tx1"/>
+                </a:solidFill>
+                <a:latin typeface="Times New Roman" panose="02020603050405020304" pitchFamily="18" charset="0"/>
+                <a:cs typeface="Times New Roman" panose="02020603050405020304" pitchFamily="18" charset="0"/>
+              </a:rPr>
+              <a:t> </a:t>
+            </a:r>
+            <a:r>
+              <a:rPr lang="en-US" sz="2500" dirty="0" err="1" smtClean="0">
+                <a:solidFill>
+                  <a:schemeClr val="tx1"/>
+                </a:solidFill>
+                <a:latin typeface="Times New Roman" panose="02020603050405020304" pitchFamily="18" charset="0"/>
+                <a:cs typeface="Times New Roman" panose="02020603050405020304" pitchFamily="18" charset="0"/>
+              </a:rPr>
+              <a:t>còn</a:t>
+            </a:r>
+            <a:r>
+              <a:rPr lang="en-US" sz="2500" dirty="0" smtClean="0">
+                <a:solidFill>
+                  <a:schemeClr val="tx1"/>
+                </a:solidFill>
+                <a:latin typeface="Times New Roman" panose="02020603050405020304" pitchFamily="18" charset="0"/>
+                <a:cs typeface="Times New Roman" panose="02020603050405020304" pitchFamily="18" charset="0"/>
+              </a:rPr>
+              <a:t> </a:t>
+            </a:r>
+            <a:r>
+              <a:rPr lang="en-US" sz="2500" dirty="0" err="1" smtClean="0">
+                <a:solidFill>
+                  <a:schemeClr val="tx1"/>
+                </a:solidFill>
+                <a:latin typeface="Times New Roman" panose="02020603050405020304" pitchFamily="18" charset="0"/>
+                <a:cs typeface="Times New Roman" panose="02020603050405020304" pitchFamily="18" charset="0"/>
+              </a:rPr>
+              <a:t>thô</a:t>
+            </a:r>
+            <a:r>
+              <a:rPr lang="en-US" sz="2500" dirty="0" smtClean="0">
+                <a:solidFill>
+                  <a:schemeClr val="tx1"/>
+                </a:solidFill>
+                <a:latin typeface="Times New Roman" panose="02020603050405020304" pitchFamily="18" charset="0"/>
+                <a:cs typeface="Times New Roman" panose="02020603050405020304" pitchFamily="18" charset="0"/>
+              </a:rPr>
+              <a:t> </a:t>
+            </a:r>
+            <a:r>
+              <a:rPr lang="en-US" sz="2500" dirty="0" err="1" smtClean="0">
+                <a:solidFill>
+                  <a:schemeClr val="tx1"/>
+                </a:solidFill>
+                <a:latin typeface="Times New Roman" panose="02020603050405020304" pitchFamily="18" charset="0"/>
+                <a:cs typeface="Times New Roman" panose="02020603050405020304" pitchFamily="18" charset="0"/>
+              </a:rPr>
+              <a:t>sơ</a:t>
+            </a:r>
+            <a:r>
+              <a:rPr lang="en-US" sz="2500" dirty="0" smtClean="0">
+                <a:solidFill>
+                  <a:schemeClr val="tx1"/>
+                </a:solidFill>
+                <a:latin typeface="Times New Roman" panose="02020603050405020304" pitchFamily="18" charset="0"/>
+                <a:cs typeface="Times New Roman" panose="02020603050405020304" pitchFamily="18" charset="0"/>
+              </a:rPr>
+              <a:t> </a:t>
+            </a:r>
+            <a:r>
+              <a:rPr lang="en-US" sz="2500" dirty="0" err="1" smtClean="0">
+                <a:solidFill>
+                  <a:schemeClr val="tx1"/>
+                </a:solidFill>
+                <a:latin typeface="Times New Roman" panose="02020603050405020304" pitchFamily="18" charset="0"/>
+                <a:cs typeface="Times New Roman" panose="02020603050405020304" pitchFamily="18" charset="0"/>
+              </a:rPr>
+              <a:t>chưa</a:t>
+            </a:r>
+            <a:r>
+              <a:rPr lang="en-US" sz="2500" dirty="0" smtClean="0">
+                <a:solidFill>
+                  <a:schemeClr val="tx1"/>
+                </a:solidFill>
+                <a:latin typeface="Times New Roman" panose="02020603050405020304" pitchFamily="18" charset="0"/>
+                <a:cs typeface="Times New Roman" panose="02020603050405020304" pitchFamily="18" charset="0"/>
+              </a:rPr>
+              <a:t> </a:t>
+            </a:r>
+            <a:r>
+              <a:rPr lang="en-US" sz="2500" dirty="0" err="1" smtClean="0">
+                <a:solidFill>
+                  <a:schemeClr val="tx1"/>
+                </a:solidFill>
+                <a:latin typeface="Times New Roman" panose="02020603050405020304" pitchFamily="18" charset="0"/>
+                <a:cs typeface="Times New Roman" panose="02020603050405020304" pitchFamily="18" charset="0"/>
+              </a:rPr>
+              <a:t>hoàn</a:t>
+            </a:r>
+            <a:r>
+              <a:rPr lang="en-US" sz="2500" dirty="0" smtClean="0">
+                <a:solidFill>
+                  <a:schemeClr val="tx1"/>
+                </a:solidFill>
+                <a:latin typeface="Times New Roman" panose="02020603050405020304" pitchFamily="18" charset="0"/>
+                <a:cs typeface="Times New Roman" panose="02020603050405020304" pitchFamily="18" charset="0"/>
+              </a:rPr>
+              <a:t> </a:t>
+            </a:r>
+            <a:r>
+              <a:rPr lang="en-US" sz="2500" dirty="0" err="1" smtClean="0">
+                <a:solidFill>
+                  <a:schemeClr val="tx1"/>
+                </a:solidFill>
+                <a:latin typeface="Times New Roman" panose="02020603050405020304" pitchFamily="18" charset="0"/>
+                <a:cs typeface="Times New Roman" panose="02020603050405020304" pitchFamily="18" charset="0"/>
+              </a:rPr>
+              <a:t>chỉnh</a:t>
+            </a:r>
+            <a:r>
+              <a:rPr lang="en-US" sz="2500" dirty="0" smtClean="0">
+                <a:solidFill>
+                  <a:schemeClr val="tx1"/>
+                </a:solidFill>
+                <a:latin typeface="Times New Roman" panose="02020603050405020304" pitchFamily="18" charset="0"/>
+                <a:cs typeface="Times New Roman" panose="02020603050405020304" pitchFamily="18" charset="0"/>
+              </a:rPr>
+              <a:t>.</a:t>
+            </a:r>
+          </a:p>
+        </p:txBody>
+      </p:sp>
       <p:pic>
         <p:nvPicPr>
           <p:cNvPr id="5" name="Picture 4"/>
-          <p:cNvPicPr/>
+          <p:cNvPicPr>
+            <a:picLocks noChangeAspect="1"/>
+          </p:cNvPicPr>
           <p:nvPr/>
         </p:nvPicPr>
-        <p:blipFill>
-          <a:blip r:embed="rId2">
+        <p:blipFill rotWithShape="1">
+          <a:blip r:embed="rId2" cstate="print">
             <a:extLst>
               <a:ext uri="{28A0092B-C50C-407E-A947-70E740481C1C}">
                 <a14:useLocalDpi xmlns:a14="http://schemas.microsoft.com/office/drawing/2010/main" val="0"/>
               </a:ext>
             </a:extLst>
           </a:blip>
-          <a:stretch>
-            <a:fillRect/>
-          </a:stretch>
+          <a:srcRect b="8732"/>
+          <a:stretch/>
         </p:blipFill>
         <p:spPr>
           <a:xfrm>
-            <a:off x="2502121" y="1582670"/>
-            <a:ext cx="5405505" cy="4689341"/>
+            <a:off x="393998" y="2340893"/>
+            <a:ext cx="2299589" cy="2266682"/>
           </a:xfrm>
           <a:prstGeom prst="rect">
             <a:avLst/>
@@ -10111,7 +8848,7 @@
     </p:spTree>
     <p:extLst>
       <p:ext uri="{BB962C8B-B14F-4D97-AF65-F5344CB8AC3E}">
-        <p14:creationId xmlns:p14="http://schemas.microsoft.com/office/powerpoint/2010/main" val="1291574373"/>
+        <p14:creationId xmlns:p14="http://schemas.microsoft.com/office/powerpoint/2010/main" val="2271791203"/>
       </p:ext>
     </p:extLst>
   </p:cSld>
@@ -10278,192 +9015,37 @@
                       </p:childTnLst>
                     </p:cTn>
                   </p:par>
-                </p:childTnLst>
-              </p:cTn>
-              <p:prevCondLst>
-                <p:cond evt="onPrev" delay="0">
-                  <p:tgtEl>
-                    <p:sldTgt/>
-                  </p:tgtEl>
-                </p:cond>
-              </p:prevCondLst>
-              <p:nextCondLst>
-                <p:cond evt="onNext" delay="0">
-                  <p:tgtEl>
-                    <p:sldTgt/>
-                  </p:tgtEl>
-                </p:cond>
-              </p:nextCondLst>
-            </p:seq>
-          </p:childTnLst>
-        </p:cTn>
-      </p:par>
-    </p:tnLst>
-    <p:bldLst>
-      <p:bldP spid="2" grpId="0"/>
-    </p:bldLst>
-  </p:timing>
-</p:sld>
-</file>
-
-<file path=ppt/slides/slide7.xml><?xml version="1.0" encoding="utf-8"?>
-<p:sld xmlns:a="http://schemas.openxmlformats.org/drawingml/2006/main" xmlns:r="http://schemas.openxmlformats.org/officeDocument/2006/relationships" xmlns:p="http://schemas.openxmlformats.org/presentationml/2006/main">
-  <p:cSld>
-    <p:spTree>
-      <p:nvGrpSpPr>
-        <p:cNvPr id="1" name=""/>
-        <p:cNvGrpSpPr/>
-        <p:nvPr/>
-      </p:nvGrpSpPr>
-      <p:grpSpPr>
-        <a:xfrm>
-          <a:off x="0" y="0"/>
-          <a:ext cx="0" cy="0"/>
-          <a:chOff x="0" y="0"/>
-          <a:chExt cx="0" cy="0"/>
-        </a:xfrm>
-      </p:grpSpPr>
-      <p:sp>
-        <p:nvSpPr>
-          <p:cNvPr id="2" name="Title 1"/>
-          <p:cNvSpPr>
-            <a:spLocks noGrp="1"/>
-          </p:cNvSpPr>
-          <p:nvPr>
-            <p:ph type="title"/>
-          </p:nvPr>
-        </p:nvSpPr>
-        <p:spPr/>
-        <p:txBody>
-          <a:bodyPr/>
-          <a:lstStyle/>
-          <a:p>
-            <a:r>
-              <a:rPr lang="en-US" dirty="0" smtClean="0">
-                <a:latin typeface="Times New Roman" panose="02020603050405020304" pitchFamily="18" charset="0"/>
-                <a:cs typeface="Times New Roman" panose="02020603050405020304" pitchFamily="18" charset="0"/>
-              </a:rPr>
-              <a:t>2. GIAO DIỆN CHƯƠNG TRÌNH	</a:t>
-            </a:r>
-            <a:endParaRPr lang="en-US" dirty="0">
-              <a:latin typeface="Times New Roman" panose="02020603050405020304" pitchFamily="18" charset="0"/>
-              <a:cs typeface="Times New Roman" panose="02020603050405020304" pitchFamily="18" charset="0"/>
-            </a:endParaRPr>
-          </a:p>
-        </p:txBody>
-      </p:sp>
-      <p:sp>
-        <p:nvSpPr>
-          <p:cNvPr id="3" name="Content Placeholder 2"/>
-          <p:cNvSpPr>
-            <a:spLocks noGrp="1"/>
-          </p:cNvSpPr>
-          <p:nvPr>
-            <p:ph idx="1"/>
-          </p:nvPr>
-        </p:nvSpPr>
-        <p:spPr>
-          <a:xfrm>
-            <a:off x="677334" y="1086532"/>
-            <a:ext cx="8596668" cy="3880773"/>
-          </a:xfrm>
-        </p:spPr>
-        <p:txBody>
-          <a:bodyPr/>
-          <a:lstStyle/>
-          <a:p>
-            <a:endParaRPr lang="en-US" sz="2200" dirty="0" smtClean="0">
-              <a:solidFill>
-                <a:schemeClr val="tx1"/>
-              </a:solidFill>
-              <a:latin typeface="Times New Roman" panose="02020603050405020304" pitchFamily="18" charset="0"/>
-              <a:cs typeface="Times New Roman" panose="02020603050405020304" pitchFamily="18" charset="0"/>
-            </a:endParaRPr>
-          </a:p>
-          <a:p>
-            <a:pPr marL="0" indent="0">
-              <a:buNone/>
-            </a:pPr>
-            <a:endParaRPr lang="en-US" dirty="0">
-              <a:latin typeface="Times New Roman" panose="02020603050405020304" pitchFamily="18" charset="0"/>
-              <a:cs typeface="Times New Roman" panose="02020603050405020304" pitchFamily="18" charset="0"/>
-            </a:endParaRPr>
-          </a:p>
-        </p:txBody>
-      </p:sp>
-      <p:pic>
-        <p:nvPicPr>
-          <p:cNvPr id="6" name="Picture 5"/>
-          <p:cNvPicPr/>
-          <p:nvPr/>
-        </p:nvPicPr>
-        <p:blipFill>
-          <a:blip r:embed="rId2">
-            <a:extLst>
-              <a:ext uri="{28A0092B-C50C-407E-A947-70E740481C1C}">
-                <a14:useLocalDpi xmlns:a14="http://schemas.microsoft.com/office/drawing/2010/main" val="0"/>
-              </a:ext>
-            </a:extLst>
-          </a:blip>
-          <a:stretch>
-            <a:fillRect/>
-          </a:stretch>
-        </p:blipFill>
-        <p:spPr>
-          <a:xfrm>
-            <a:off x="2512919" y="2038047"/>
-            <a:ext cx="4925498" cy="3104948"/>
-          </a:xfrm>
-          <a:prstGeom prst="rect">
-            <a:avLst/>
-          </a:prstGeom>
-        </p:spPr>
-      </p:pic>
-    </p:spTree>
-    <p:extLst>
-      <p:ext uri="{BB962C8B-B14F-4D97-AF65-F5344CB8AC3E}">
-        <p14:creationId xmlns:p14="http://schemas.microsoft.com/office/powerpoint/2010/main" val="717531049"/>
-      </p:ext>
-    </p:extLst>
-  </p:cSld>
-  <p:clrMapOvr>
-    <a:masterClrMapping/>
-  </p:clrMapOvr>
-  <p:timing>
-    <p:tnLst>
-      <p:par>
-        <p:cTn id="1" dur="indefinite" restart="never" nodeType="tmRoot">
-          <p:childTnLst>
-            <p:seq concurrent="1" nextAc="seek">
-              <p:cTn id="2" dur="indefinite" nodeType="mainSeq">
-                <p:childTnLst>
                   <p:par>
-                    <p:cTn id="3" fill="hold">
+                    <p:cTn id="15" fill="hold">
                       <p:stCondLst>
                         <p:cond delay="indefinite"/>
                       </p:stCondLst>
                       <p:childTnLst>
                         <p:par>
-                          <p:cTn id="4" fill="hold">
+                          <p:cTn id="16" fill="hold">
                             <p:stCondLst>
                               <p:cond delay="0"/>
                             </p:stCondLst>
                             <p:childTnLst>
                               <p:par>
-                                <p:cTn id="5" presetID="10" presetClass="entr" presetSubtype="0" fill="hold" nodeType="clickEffect">
+                                <p:cTn id="17" presetID="10" presetClass="entr" presetSubtype="0" fill="hold" nodeType="clickEffect">
                                   <p:stCondLst>
                                     <p:cond delay="0"/>
                                   </p:stCondLst>
                                   <p:childTnLst>
                                     <p:set>
                                       <p:cBhvr>
-                                        <p:cTn id="6" dur="1" fill="hold">
+                                        <p:cTn id="18" dur="1" fill="hold">
                                           <p:stCondLst>
                                             <p:cond delay="0"/>
                                           </p:stCondLst>
                                         </p:cTn>
                                         <p:tgtEl>
-                                          <p:spTgt spid="6"/>
+                                          <p:spTgt spid="3">
+                                            <p:txEl>
+                                              <p:pRg st="0" end="0"/>
+                                            </p:txEl>
+                                          </p:spTgt>
                                         </p:tgtEl>
                                         <p:attrNameLst>
                                           <p:attrName>style.visibility</p:attrName>
@@ -10475,9 +9057,135 @@
                                     </p:set>
                                     <p:animEffect transition="in" filter="fade">
                                       <p:cBhvr>
-                                        <p:cTn id="7" dur="500"/>
+                                        <p:cTn id="19" dur="500"/>
                                         <p:tgtEl>
-                                          <p:spTgt spid="6"/>
+                                          <p:spTgt spid="3">
+                                            <p:txEl>
+                                              <p:pRg st="0" end="0"/>
+                                            </p:txEl>
+                                          </p:spTgt>
+                                        </p:tgtEl>
+                                      </p:cBhvr>
+                                    </p:animEffect>
+                                  </p:childTnLst>
+                                </p:cTn>
+                              </p:par>
+                            </p:childTnLst>
+                          </p:cTn>
+                        </p:par>
+                      </p:childTnLst>
+                    </p:cTn>
+                  </p:par>
+                  <p:par>
+                    <p:cTn id="20" fill="hold">
+                      <p:stCondLst>
+                        <p:cond delay="indefinite"/>
+                      </p:stCondLst>
+                      <p:childTnLst>
+                        <p:par>
+                          <p:cTn id="21" fill="hold">
+                            <p:stCondLst>
+                              <p:cond delay="0"/>
+                            </p:stCondLst>
+                            <p:childTnLst>
+                              <p:par>
+                                <p:cTn id="22" presetID="10" presetClass="entr" presetSubtype="0" fill="hold" nodeType="clickEffect">
+                                  <p:stCondLst>
+                                    <p:cond delay="0"/>
+                                  </p:stCondLst>
+                                  <p:childTnLst>
+                                    <p:set>
+                                      <p:cBhvr>
+                                        <p:cTn id="23" dur="1" fill="hold">
+                                          <p:stCondLst>
+                                            <p:cond delay="0"/>
+                                          </p:stCondLst>
+                                        </p:cTn>
+                                        <p:tgtEl>
+                                          <p:spTgt spid="3">
+                                            <p:txEl>
+                                              <p:pRg st="1" end="1"/>
+                                            </p:txEl>
+                                          </p:spTgt>
+                                        </p:tgtEl>
+                                        <p:attrNameLst>
+                                          <p:attrName>style.visibility</p:attrName>
+                                        </p:attrNameLst>
+                                      </p:cBhvr>
+                                      <p:to>
+                                        <p:strVal val="visible"/>
+                                      </p:to>
+                                    </p:set>
+                                    <p:animEffect transition="in" filter="fade">
+                                      <p:cBhvr>
+                                        <p:cTn id="24" dur="500"/>
+                                        <p:tgtEl>
+                                          <p:spTgt spid="3">
+                                            <p:txEl>
+                                              <p:pRg st="1" end="1"/>
+                                            </p:txEl>
+                                          </p:spTgt>
+                                        </p:tgtEl>
+                                      </p:cBhvr>
+                                    </p:animEffect>
+                                  </p:childTnLst>
+                                </p:cTn>
+                              </p:par>
+                            </p:childTnLst>
+                          </p:cTn>
+                        </p:par>
+                      </p:childTnLst>
+                    </p:cTn>
+                  </p:par>
+                  <p:par>
+                    <p:cTn id="25" fill="hold">
+                      <p:stCondLst>
+                        <p:cond delay="indefinite"/>
+                      </p:stCondLst>
+                      <p:childTnLst>
+                        <p:par>
+                          <p:cTn id="26" fill="hold">
+                            <p:stCondLst>
+                              <p:cond delay="0"/>
+                            </p:stCondLst>
+                            <p:childTnLst>
+                              <p:par>
+                                <p:cTn id="27" presetID="10" presetClass="entr" presetSubtype="0" fill="hold" nodeType="clickEffect">
+                                  <p:stCondLst>
+                                    <p:cond delay="0"/>
+                                  </p:stCondLst>
+                                  <p:childTnLst>
+                                    <p:set>
+                                      <p:cBhvr>
+                                        <p:cTn id="28" dur="1" fill="hold">
+                                          <p:stCondLst>
+                                            <p:cond delay="0"/>
+                                          </p:stCondLst>
+                                        </p:cTn>
+                                        <p:tgtEl>
+                                          <p:spTgt spid="3">
+                                            <p:txEl>
+                                              <p:pRg st="2" end="2"/>
+                                            </p:txEl>
+                                          </p:spTgt>
+                                        </p:tgtEl>
+                                        <p:attrNameLst>
+                                          <p:attrName>style.visibility</p:attrName>
+                                        </p:attrNameLst>
+                                      </p:cBhvr>
+                                      <p:to>
+                                        <p:strVal val="visible"/>
+                                      </p:to>
+                                    </p:set>
+                                    <p:animEffect transition="in" filter="fade">
+                                      <p:cBhvr>
+                                        <p:cTn id="29" dur="500"/>
+                                        <p:tgtEl>
+                                          <p:spTgt spid="3">
+                                            <p:txEl>
+                                              <p:pRg st="2" end="2"/>
+                                            </p:txEl>
+                                          </p:spTgt>
                                         </p:tgtEl>
                                       </p:cBhvr>
                                     </p:animEffect>
@@ -10511,6 +9219,9 @@
         </p:cTn>
       </p:par>
     </p:tnLst>
+    <p:bldLst>
+      <p:bldP spid="2" grpId="0"/>
+    </p:bldLst>
   </p:timing>
 </p:sld>
 </file>
@@ -10548,16 +9259,27 @@
           <a:lstStyle/>
           <a:p>
             <a:r>
+              <a:rPr lang="vi-VN" dirty="0" smtClean="0">
+                <a:latin typeface="Times New Roman" panose="02020603050405020304" pitchFamily="18" charset="0"/>
+                <a:cs typeface="Times New Roman" panose="02020603050405020304" pitchFamily="18" charset="0"/>
+              </a:rPr>
+              <a:t>4</a:t>
+            </a:r>
+            <a:r>
               <a:rPr lang="en-US" dirty="0" smtClean="0">
                 <a:latin typeface="Times New Roman" panose="02020603050405020304" pitchFamily="18" charset="0"/>
                 <a:cs typeface="Times New Roman" panose="02020603050405020304" pitchFamily="18" charset="0"/>
               </a:rPr>
-              <a:t>3. Demo</a:t>
-            </a:r>
-            <a:endParaRPr lang="en-US" dirty="0">
-              <a:latin typeface="Times New Roman" panose="02020603050405020304" pitchFamily="18" charset="0"/>
-              <a:cs typeface="Times New Roman" panose="02020603050405020304" pitchFamily="18" charset="0"/>
-            </a:endParaRPr>
+              <a:t>. </a:t>
+            </a:r>
+            <a:r>
+              <a:rPr lang="vi-VN" dirty="0" smtClean="0">
+                <a:latin typeface="Times New Roman" panose="02020603050405020304" pitchFamily="18" charset="0"/>
+                <a:cs typeface="Times New Roman" panose="02020603050405020304" pitchFamily="18" charset="0"/>
+              </a:rPr>
+              <a:t>HƯỚNG PHÁT TRIỂN</a:t>
+            </a:r>
+            <a:endParaRPr lang="en-US" dirty="0"/>
           </a:p>
         </p:txBody>
       </p:sp>
@@ -10571,19 +9293,431 @@
             <p:ph idx="1"/>
           </p:nvPr>
         </p:nvSpPr>
-        <p:spPr/>
-        <p:txBody>
-          <a:bodyPr/>
+        <p:spPr>
+          <a:xfrm>
+            <a:off x="4272337" y="2675744"/>
+            <a:ext cx="5104090" cy="1767466"/>
+          </a:xfrm>
+        </p:spPr>
+        <p:txBody>
+          <a:bodyPr>
+            <a:normAutofit/>
+          </a:bodyPr>
           <a:lstStyle/>
           <a:p>
-            <a:endParaRPr lang="en-US"/>
-          </a:p>
-        </p:txBody>
-      </p:sp>
+            <a:pPr marL="0" indent="0" algn="just">
+              <a:buNone/>
+            </a:pPr>
+            <a:r>
+              <a:rPr lang="en-US" sz="2500" dirty="0" smtClean="0">
+                <a:solidFill>
+                  <a:schemeClr val="tx1"/>
+                </a:solidFill>
+                <a:latin typeface="Times New Roman" panose="02020603050405020304" pitchFamily="18" charset="0"/>
+                <a:cs typeface="Times New Roman" panose="02020603050405020304" pitchFamily="18" charset="0"/>
+              </a:rPr>
+              <a:t>- </a:t>
+            </a:r>
+            <a:r>
+              <a:rPr lang="en-US" sz="2500" dirty="0" err="1">
+                <a:solidFill>
+                  <a:schemeClr val="tx1"/>
+                </a:solidFill>
+                <a:latin typeface="Times New Roman" panose="02020603050405020304" pitchFamily="18" charset="0"/>
+                <a:cs typeface="Times New Roman" panose="02020603050405020304" pitchFamily="18" charset="0"/>
+              </a:rPr>
+              <a:t>Thêm</a:t>
+            </a:r>
+            <a:r>
+              <a:rPr lang="en-US" sz="2500" dirty="0">
+                <a:solidFill>
+                  <a:schemeClr val="tx1"/>
+                </a:solidFill>
+                <a:latin typeface="Times New Roman" panose="02020603050405020304" pitchFamily="18" charset="0"/>
+                <a:cs typeface="Times New Roman" panose="02020603050405020304" pitchFamily="18" charset="0"/>
+              </a:rPr>
+              <a:t> </a:t>
+            </a:r>
+            <a:r>
+              <a:rPr lang="en-US" sz="2500" dirty="0" err="1">
+                <a:solidFill>
+                  <a:schemeClr val="tx1"/>
+                </a:solidFill>
+                <a:latin typeface="Times New Roman" panose="02020603050405020304" pitchFamily="18" charset="0"/>
+                <a:cs typeface="Times New Roman" panose="02020603050405020304" pitchFamily="18" charset="0"/>
+              </a:rPr>
+              <a:t>tính</a:t>
+            </a:r>
+            <a:r>
+              <a:rPr lang="en-US" sz="2500" dirty="0">
+                <a:solidFill>
+                  <a:schemeClr val="tx1"/>
+                </a:solidFill>
+                <a:latin typeface="Times New Roman" panose="02020603050405020304" pitchFamily="18" charset="0"/>
+                <a:cs typeface="Times New Roman" panose="02020603050405020304" pitchFamily="18" charset="0"/>
+              </a:rPr>
+              <a:t> </a:t>
+            </a:r>
+            <a:r>
+              <a:rPr lang="en-US" sz="2500" dirty="0" err="1">
+                <a:solidFill>
+                  <a:schemeClr val="tx1"/>
+                </a:solidFill>
+                <a:latin typeface="Times New Roman" panose="02020603050405020304" pitchFamily="18" charset="0"/>
+                <a:cs typeface="Times New Roman" panose="02020603050405020304" pitchFamily="18" charset="0"/>
+              </a:rPr>
+              <a:t>năng</a:t>
+            </a:r>
+            <a:r>
+              <a:rPr lang="en-US" sz="2500" dirty="0">
+                <a:solidFill>
+                  <a:schemeClr val="tx1"/>
+                </a:solidFill>
+                <a:latin typeface="Times New Roman" panose="02020603050405020304" pitchFamily="18" charset="0"/>
+                <a:cs typeface="Times New Roman" panose="02020603050405020304" pitchFamily="18" charset="0"/>
+              </a:rPr>
+              <a:t> </a:t>
+            </a:r>
+            <a:r>
+              <a:rPr lang="en-US" sz="2500" dirty="0" err="1">
+                <a:solidFill>
+                  <a:schemeClr val="tx1"/>
+                </a:solidFill>
+                <a:latin typeface="Times New Roman" panose="02020603050405020304" pitchFamily="18" charset="0"/>
+                <a:cs typeface="Times New Roman" panose="02020603050405020304" pitchFamily="18" charset="0"/>
+              </a:rPr>
+              <a:t>gợi</a:t>
+            </a:r>
+            <a:r>
+              <a:rPr lang="en-US" sz="2500" dirty="0">
+                <a:solidFill>
+                  <a:schemeClr val="tx1"/>
+                </a:solidFill>
+                <a:latin typeface="Times New Roman" panose="02020603050405020304" pitchFamily="18" charset="0"/>
+                <a:cs typeface="Times New Roman" panose="02020603050405020304" pitchFamily="18" charset="0"/>
+              </a:rPr>
+              <a:t> ý.</a:t>
+            </a:r>
+          </a:p>
+          <a:p>
+            <a:pPr marL="0" indent="0" algn="just">
+              <a:buNone/>
+            </a:pPr>
+            <a:r>
+              <a:rPr lang="en-US" sz="2500" dirty="0" smtClean="0">
+                <a:solidFill>
+                  <a:schemeClr val="tx1"/>
+                </a:solidFill>
+                <a:latin typeface="Times New Roman" panose="02020603050405020304" pitchFamily="18" charset="0"/>
+                <a:cs typeface="Times New Roman" panose="02020603050405020304" pitchFamily="18" charset="0"/>
+              </a:rPr>
+              <a:t>- </a:t>
+            </a:r>
+            <a:r>
+              <a:rPr lang="en-US" sz="2500" dirty="0" err="1" smtClean="0">
+                <a:solidFill>
+                  <a:schemeClr val="tx1"/>
+                </a:solidFill>
+                <a:latin typeface="Times New Roman" panose="02020603050405020304" pitchFamily="18" charset="0"/>
+                <a:cs typeface="Times New Roman" panose="02020603050405020304" pitchFamily="18" charset="0"/>
+              </a:rPr>
+              <a:t>Thêm</a:t>
+            </a:r>
+            <a:r>
+              <a:rPr lang="en-US" sz="2500" dirty="0" smtClean="0">
+                <a:solidFill>
+                  <a:schemeClr val="tx1"/>
+                </a:solidFill>
+                <a:latin typeface="Times New Roman" panose="02020603050405020304" pitchFamily="18" charset="0"/>
+                <a:cs typeface="Times New Roman" panose="02020603050405020304" pitchFamily="18" charset="0"/>
+              </a:rPr>
+              <a:t> </a:t>
+            </a:r>
+            <a:r>
+              <a:rPr lang="en-US" sz="2500" dirty="0" err="1" smtClean="0">
+                <a:solidFill>
+                  <a:schemeClr val="tx1"/>
+                </a:solidFill>
+                <a:latin typeface="Times New Roman" panose="02020603050405020304" pitchFamily="18" charset="0"/>
+                <a:cs typeface="Times New Roman" panose="02020603050405020304" pitchFamily="18" charset="0"/>
+              </a:rPr>
+              <a:t>phần</a:t>
+            </a:r>
+            <a:r>
+              <a:rPr lang="en-US" sz="2500" dirty="0" smtClean="0">
+                <a:solidFill>
+                  <a:schemeClr val="tx1"/>
+                </a:solidFill>
+                <a:latin typeface="Times New Roman" panose="02020603050405020304" pitchFamily="18" charset="0"/>
+                <a:cs typeface="Times New Roman" panose="02020603050405020304" pitchFamily="18" charset="0"/>
+              </a:rPr>
+              <a:t> </a:t>
+            </a:r>
+            <a:r>
+              <a:rPr lang="en-US" sz="2500" dirty="0" err="1" smtClean="0">
+                <a:solidFill>
+                  <a:schemeClr val="tx1"/>
+                </a:solidFill>
+                <a:latin typeface="Times New Roman" panose="02020603050405020304" pitchFamily="18" charset="0"/>
+                <a:cs typeface="Times New Roman" panose="02020603050405020304" pitchFamily="18" charset="0"/>
+              </a:rPr>
+              <a:t>điểm</a:t>
+            </a:r>
+            <a:r>
+              <a:rPr lang="en-US" sz="2500" dirty="0" smtClean="0">
+                <a:solidFill>
+                  <a:schemeClr val="tx1"/>
+                </a:solidFill>
+                <a:latin typeface="Times New Roman" panose="02020603050405020304" pitchFamily="18" charset="0"/>
+                <a:cs typeface="Times New Roman" panose="02020603050405020304" pitchFamily="18" charset="0"/>
+              </a:rPr>
+              <a:t> </a:t>
+            </a:r>
+            <a:r>
+              <a:rPr lang="en-US" sz="2500" dirty="0" err="1" smtClean="0">
+                <a:solidFill>
+                  <a:schemeClr val="tx1"/>
+                </a:solidFill>
+                <a:latin typeface="Times New Roman" panose="02020603050405020304" pitchFamily="18" charset="0"/>
+                <a:cs typeface="Times New Roman" panose="02020603050405020304" pitchFamily="18" charset="0"/>
+              </a:rPr>
+              <a:t>cao</a:t>
+            </a:r>
+            <a:r>
+              <a:rPr lang="en-US" sz="2500" dirty="0" smtClean="0">
+                <a:solidFill>
+                  <a:schemeClr val="tx1"/>
+                </a:solidFill>
+                <a:latin typeface="Times New Roman" panose="02020603050405020304" pitchFamily="18" charset="0"/>
+                <a:cs typeface="Times New Roman" panose="02020603050405020304" pitchFamily="18" charset="0"/>
+              </a:rPr>
+              <a:t> </a:t>
+            </a:r>
+            <a:r>
+              <a:rPr lang="en-US" sz="2500" dirty="0" err="1" smtClean="0">
+                <a:solidFill>
+                  <a:schemeClr val="tx1"/>
+                </a:solidFill>
+                <a:latin typeface="Times New Roman" panose="02020603050405020304" pitchFamily="18" charset="0"/>
+                <a:cs typeface="Times New Roman" panose="02020603050405020304" pitchFamily="18" charset="0"/>
+              </a:rPr>
+              <a:t>tính</a:t>
+            </a:r>
+            <a:r>
+              <a:rPr lang="en-US" sz="2500" dirty="0" smtClean="0">
+                <a:solidFill>
+                  <a:schemeClr val="tx1"/>
+                </a:solidFill>
+                <a:latin typeface="Times New Roman" panose="02020603050405020304" pitchFamily="18" charset="0"/>
+                <a:cs typeface="Times New Roman" panose="02020603050405020304" pitchFamily="18" charset="0"/>
+              </a:rPr>
+              <a:t> </a:t>
+            </a:r>
+            <a:r>
+              <a:rPr lang="en-US" sz="2500" dirty="0" err="1" smtClean="0">
+                <a:solidFill>
+                  <a:schemeClr val="tx1"/>
+                </a:solidFill>
+                <a:latin typeface="Times New Roman" panose="02020603050405020304" pitchFamily="18" charset="0"/>
+                <a:cs typeface="Times New Roman" panose="02020603050405020304" pitchFamily="18" charset="0"/>
+              </a:rPr>
+              <a:t>theo</a:t>
+            </a:r>
+            <a:r>
+              <a:rPr lang="en-US" sz="2500" dirty="0" smtClean="0">
+                <a:solidFill>
+                  <a:schemeClr val="tx1"/>
+                </a:solidFill>
+                <a:latin typeface="Times New Roman" panose="02020603050405020304" pitchFamily="18" charset="0"/>
+                <a:cs typeface="Times New Roman" panose="02020603050405020304" pitchFamily="18" charset="0"/>
+              </a:rPr>
+              <a:t> </a:t>
+            </a:r>
+            <a:r>
+              <a:rPr lang="en-US" sz="2500" dirty="0" err="1" smtClean="0">
+                <a:solidFill>
+                  <a:schemeClr val="tx1"/>
+                </a:solidFill>
+                <a:latin typeface="Times New Roman" panose="02020603050405020304" pitchFamily="18" charset="0"/>
+                <a:cs typeface="Times New Roman" panose="02020603050405020304" pitchFamily="18" charset="0"/>
+              </a:rPr>
+              <a:t>thời</a:t>
+            </a:r>
+            <a:r>
+              <a:rPr lang="en-US" sz="2500" dirty="0" smtClean="0">
+                <a:solidFill>
+                  <a:schemeClr val="tx1"/>
+                </a:solidFill>
+                <a:latin typeface="Times New Roman" panose="02020603050405020304" pitchFamily="18" charset="0"/>
+                <a:cs typeface="Times New Roman" panose="02020603050405020304" pitchFamily="18" charset="0"/>
+              </a:rPr>
+              <a:t> </a:t>
+            </a:r>
+            <a:r>
+              <a:rPr lang="en-US" sz="2500" dirty="0" err="1" smtClean="0">
+                <a:solidFill>
+                  <a:schemeClr val="tx1"/>
+                </a:solidFill>
+                <a:latin typeface="Times New Roman" panose="02020603050405020304" pitchFamily="18" charset="0"/>
+                <a:cs typeface="Times New Roman" panose="02020603050405020304" pitchFamily="18" charset="0"/>
+              </a:rPr>
+              <a:t>gian</a:t>
+            </a:r>
+            <a:r>
+              <a:rPr lang="en-US" sz="2500" dirty="0" smtClean="0">
+                <a:solidFill>
+                  <a:schemeClr val="tx1"/>
+                </a:solidFill>
+                <a:latin typeface="Times New Roman" panose="02020603050405020304" pitchFamily="18" charset="0"/>
+                <a:cs typeface="Times New Roman" panose="02020603050405020304" pitchFamily="18" charset="0"/>
+              </a:rPr>
+              <a:t> </a:t>
+            </a:r>
+            <a:r>
+              <a:rPr lang="en-US" sz="2500" dirty="0" err="1" smtClean="0">
+                <a:solidFill>
+                  <a:schemeClr val="tx1"/>
+                </a:solidFill>
+                <a:latin typeface="Times New Roman" panose="02020603050405020304" pitchFamily="18" charset="0"/>
+                <a:cs typeface="Times New Roman" panose="02020603050405020304" pitchFamily="18" charset="0"/>
+              </a:rPr>
+              <a:t>người</a:t>
+            </a:r>
+            <a:r>
+              <a:rPr lang="en-US" sz="2500" dirty="0" smtClean="0">
+                <a:solidFill>
+                  <a:schemeClr val="tx1"/>
+                </a:solidFill>
+                <a:latin typeface="Times New Roman" panose="02020603050405020304" pitchFamily="18" charset="0"/>
+                <a:cs typeface="Times New Roman" panose="02020603050405020304" pitchFamily="18" charset="0"/>
+              </a:rPr>
+              <a:t> </a:t>
+            </a:r>
+            <a:r>
+              <a:rPr lang="en-US" sz="2500" dirty="0" err="1" smtClean="0">
+                <a:solidFill>
+                  <a:schemeClr val="tx1"/>
+                </a:solidFill>
+                <a:latin typeface="Times New Roman" panose="02020603050405020304" pitchFamily="18" charset="0"/>
+                <a:cs typeface="Times New Roman" panose="02020603050405020304" pitchFamily="18" charset="0"/>
+              </a:rPr>
+              <a:t>chơi</a:t>
+            </a:r>
+            <a:r>
+              <a:rPr lang="en-US" sz="2500" dirty="0" smtClean="0">
+                <a:solidFill>
+                  <a:schemeClr val="tx1"/>
+                </a:solidFill>
+                <a:latin typeface="Times New Roman" panose="02020603050405020304" pitchFamily="18" charset="0"/>
+                <a:cs typeface="Times New Roman" panose="02020603050405020304" pitchFamily="18" charset="0"/>
+              </a:rPr>
+              <a:t> </a:t>
+            </a:r>
+            <a:r>
+              <a:rPr lang="en-US" sz="2500" dirty="0" err="1" smtClean="0">
+                <a:solidFill>
+                  <a:schemeClr val="tx1"/>
+                </a:solidFill>
+                <a:latin typeface="Times New Roman" panose="02020603050405020304" pitchFamily="18" charset="0"/>
+                <a:cs typeface="Times New Roman" panose="02020603050405020304" pitchFamily="18" charset="0"/>
+              </a:rPr>
+              <a:t>hoàn</a:t>
+            </a:r>
+            <a:r>
+              <a:rPr lang="en-US" sz="2500" dirty="0" smtClean="0">
+                <a:solidFill>
+                  <a:schemeClr val="tx1"/>
+                </a:solidFill>
+                <a:latin typeface="Times New Roman" panose="02020603050405020304" pitchFamily="18" charset="0"/>
+                <a:cs typeface="Times New Roman" panose="02020603050405020304" pitchFamily="18" charset="0"/>
+              </a:rPr>
+              <a:t> </a:t>
+            </a:r>
+            <a:r>
+              <a:rPr lang="en-US" sz="2500" dirty="0" err="1" smtClean="0">
+                <a:solidFill>
+                  <a:schemeClr val="tx1"/>
+                </a:solidFill>
+                <a:latin typeface="Times New Roman" panose="02020603050405020304" pitchFamily="18" charset="0"/>
+                <a:cs typeface="Times New Roman" panose="02020603050405020304" pitchFamily="18" charset="0"/>
+              </a:rPr>
+              <a:t>thành</a:t>
+            </a:r>
+            <a:r>
+              <a:rPr lang="en-US" sz="2500" dirty="0" smtClean="0">
+                <a:solidFill>
+                  <a:schemeClr val="tx1"/>
+                </a:solidFill>
+                <a:latin typeface="Times New Roman" panose="02020603050405020304" pitchFamily="18" charset="0"/>
+                <a:cs typeface="Times New Roman" panose="02020603050405020304" pitchFamily="18" charset="0"/>
+              </a:rPr>
+              <a:t> </a:t>
+            </a:r>
+            <a:r>
+              <a:rPr lang="en-US" sz="2500" dirty="0" err="1" smtClean="0">
+                <a:solidFill>
+                  <a:schemeClr val="tx1"/>
+                </a:solidFill>
+                <a:latin typeface="Times New Roman" panose="02020603050405020304" pitchFamily="18" charset="0"/>
+                <a:cs typeface="Times New Roman" panose="02020603050405020304" pitchFamily="18" charset="0"/>
+              </a:rPr>
+              <a:t>một</a:t>
+            </a:r>
+            <a:r>
+              <a:rPr lang="en-US" sz="2500" dirty="0" smtClean="0">
+                <a:solidFill>
+                  <a:schemeClr val="tx1"/>
+                </a:solidFill>
+                <a:latin typeface="Times New Roman" panose="02020603050405020304" pitchFamily="18" charset="0"/>
+                <a:cs typeface="Times New Roman" panose="02020603050405020304" pitchFamily="18" charset="0"/>
+              </a:rPr>
+              <a:t> game.</a:t>
+            </a:r>
+            <a:endParaRPr lang="en-US" sz="2500" dirty="0">
+              <a:solidFill>
+                <a:schemeClr val="tx1"/>
+              </a:solidFill>
+              <a:effectLst/>
+              <a:latin typeface="Times New Roman" panose="02020603050405020304" pitchFamily="18" charset="0"/>
+              <a:cs typeface="Times New Roman" panose="02020603050405020304" pitchFamily="18" charset="0"/>
+            </a:endParaRPr>
+          </a:p>
+        </p:txBody>
+      </p:sp>
+      <p:pic>
+        <p:nvPicPr>
+          <p:cNvPr id="6" name="Picture 5"/>
+          <p:cNvPicPr>
+            <a:picLocks noChangeAspect="1"/>
+          </p:cNvPicPr>
+          <p:nvPr/>
+        </p:nvPicPr>
+        <p:blipFill>
+          <a:blip r:embed="rId2">
+            <a:extLst>
+              <a:ext uri="{28A0092B-C50C-407E-A947-70E740481C1C}">
+                <a14:useLocalDpi xmlns:a14="http://schemas.microsoft.com/office/drawing/2010/main" val="0"/>
+              </a:ext>
+            </a:extLst>
+          </a:blip>
+          <a:stretch>
+            <a:fillRect/>
+          </a:stretch>
+        </p:blipFill>
+        <p:spPr>
+          <a:xfrm>
+            <a:off x="250657" y="1930400"/>
+            <a:ext cx="4124104" cy="3507690"/>
+          </a:xfrm>
+          <a:prstGeom prst="rect">
+            <a:avLst/>
+          </a:prstGeom>
+        </p:spPr>
+      </p:pic>
     </p:spTree>
     <p:extLst>
       <p:ext uri="{BB962C8B-B14F-4D97-AF65-F5344CB8AC3E}">
-        <p14:creationId xmlns:p14="http://schemas.microsoft.com/office/powerpoint/2010/main" val="1907672415"/>
+        <p14:creationId xmlns:p14="http://schemas.microsoft.com/office/powerpoint/2010/main" val="2057551979"/>
       </p:ext>
     </p:extLst>
   </p:cSld>
@@ -10689,6 +9823,181 @@
                       </p:childTnLst>
                     </p:cTn>
                   </p:par>
+                  <p:par>
+                    <p:cTn id="9" fill="hold">
+                      <p:stCondLst>
+                        <p:cond delay="indefinite"/>
+                      </p:stCondLst>
+                      <p:childTnLst>
+                        <p:par>
+                          <p:cTn id="10" fill="hold">
+                            <p:stCondLst>
+                              <p:cond delay="0"/>
+                            </p:stCondLst>
+                            <p:childTnLst>
+                              <p:par>
+                                <p:cTn id="11" presetID="10" presetClass="entr" presetSubtype="0" fill="hold" nodeType="clickEffect">
+                                  <p:stCondLst>
+                                    <p:cond delay="0"/>
+                                  </p:stCondLst>
+                                  <p:childTnLst>
+                                    <p:set>
+                                      <p:cBhvr>
+                                        <p:cTn id="12" dur="1" fill="hold">
+                                          <p:stCondLst>
+                                            <p:cond delay="0"/>
+                                          </p:stCondLst>
+                                        </p:cTn>
+                                        <p:tgtEl>
+                                          <p:spTgt spid="6"/>
+                                        </p:tgtEl>
+                                        <p:attrNameLst>
+                                          <p:attrName>style.visibility</p:attrName>
+                                        </p:attrNameLst>
+                                      </p:cBhvr>
+                                      <p:to>
+                                        <p:strVal val="visible"/>
+                                      </p:to>
+                                    </p:set>
+                                    <p:animEffect transition="in" filter="fade">
+                                      <p:cBhvr>
+                                        <p:cTn id="13" dur="500"/>
+                                        <p:tgtEl>
+                                          <p:spTgt spid="6"/>
+                                        </p:tgtEl>
+                                      </p:cBhvr>
+                                    </p:animEffect>
+                                  </p:childTnLst>
+                                </p:cTn>
+                              </p:par>
+                            </p:childTnLst>
+                          </p:cTn>
+                        </p:par>
+                      </p:childTnLst>
+                    </p:cTn>
+                  </p:par>
+                  <p:par>
+                    <p:cTn id="14" fill="hold">
+                      <p:stCondLst>
+                        <p:cond delay="indefinite"/>
+                      </p:stCondLst>
+                      <p:childTnLst>
+                        <p:par>
+                          <p:cTn id="15" fill="hold">
+                            <p:stCondLst>
+                              <p:cond delay="0"/>
+                            </p:stCondLst>
+                            <p:childTnLst>
+                              <p:par>
+                                <p:cTn id="16" presetID="10" presetClass="entr" presetSubtype="0" fill="hold" nodeType="clickEffect">
+                                  <p:stCondLst>
+                                    <p:cond delay="0"/>
+                                  </p:stCondLst>
+                                  <p:childTnLst>
+                                    <p:set>
+                                      <p:cBhvr>
+                                        <p:cTn id="17" dur="1" fill="hold">
+                                          <p:stCondLst>
+                                            <p:cond delay="0"/>
+                                          </p:stCondLst>
+                                        </p:cTn>
+                                        <p:tgtEl>
+                                          <p:spTgt spid="3">
+                                            <p:txEl>
+                                              <p:pRg st="0" end="0"/>
+                                            </p:txEl>
+                                          </p:spTgt>
+                                        </p:tgtEl>
+                                        <p:attrNameLst>
+                                          <p:attrName>style.visibility</p:attrName>
+                                        </p:attrNameLst>
+                                      </p:cBhvr>
+                                      <p:to>
+                                        <p:strVal val="visible"/>
+                                      </p:to>
+                                    </p:set>
+                                    <p:animEffect transition="in" filter="fade">
+                                      <p:cBhvr>
+                                        <p:cTn id="18" dur="500"/>
+                                        <p:tgtEl>
+                                          <p:spTgt spid="3">
+                                            <p:txEl>
+                                              <p:pRg st="0" end="0"/>
+                                            </p:txEl>
+                                          </p:spTgt>
+                                        </p:tgtEl>
+                                      </p:cBhvr>
+                                    </p:animEffect>
+                                  </p:childTnLst>
+                                </p:cTn>
+                              </p:par>
+                            </p:childTnLst>
+                          </p:cTn>
+                        </p:par>
+                      </p:childTnLst>
+                    </p:cTn>
+                  </p:par>
+                  <p:par>
+                    <p:cTn id="19" fill="hold">
+                      <p:stCondLst>
+                        <p:cond delay="indefinite"/>
+                      </p:stCondLst>
+                      <p:childTnLst>
+                        <p:par>
+                          <p:cTn id="20" fill="hold">
+                            <p:stCondLst>
+                              <p:cond delay="0"/>
+                            </p:stCondLst>
+                            <p:childTnLst>
+                              <p:par>
+                                <p:cTn id="21" presetID="10" presetClass="entr" presetSubtype="0" fill="hold" nodeType="clickEffect">
+                                  <p:stCondLst>
+                                    <p:cond delay="0"/>
+                                  </p:stCondLst>
+                                  <p:childTnLst>
+                                    <p:set>
+                                      <p:cBhvr>
+                                        <p:cTn id="22" dur="1" fill="hold">
+                                          <p:stCondLst>
+                                            <p:cond delay="0"/>
+                                          </p:stCondLst>
+                                        </p:cTn>
+                                        <p:tgtEl>
+                                          <p:spTgt spid="3">
+                                            <p:txEl>
+                                              <p:pRg st="1" end="1"/>
+                                            </p:txEl>
+                                          </p:spTgt>
+                                        </p:tgtEl>
+                                        <p:attrNameLst>
+                                          <p:attrName>style.visibility</p:attrName>
+                                        </p:attrNameLst>
+                                      </p:cBhvr>
+                                      <p:to>
+                                        <p:strVal val="visible"/>
+                                      </p:to>
+                                    </p:set>
+                                    <p:animEffect transition="in" filter="fade">
+                                      <p:cBhvr>
+                                        <p:cTn id="23" dur="500"/>
+                                        <p:tgtEl>
+                                          <p:spTgt spid="3">
+                                            <p:txEl>
+                                              <p:pRg st="1" end="1"/>
+                                            </p:txEl>
+                                          </p:spTgt>
+                                        </p:tgtEl>
+                                      </p:cBhvr>
+                                    </p:animEffect>
+                                  </p:childTnLst>
+                                </p:cTn>
+                              </p:par>
+                            </p:childTnLst>
+                          </p:cTn>
+                        </p:par>
+                      </p:childTnLst>
+                    </p:cTn>
+                  </p:par>
                 </p:childTnLst>
               </p:cTn>
               <p:prevCondLst>
@@ -10744,1303 +10053,37 @@
             <p:ph type="title"/>
           </p:nvPr>
         </p:nvSpPr>
-        <p:spPr/>
-        <p:txBody>
-          <a:bodyPr/>
+        <p:spPr>
+          <a:xfrm>
+            <a:off x="1083734" y="2780175"/>
+            <a:ext cx="8596668" cy="1320800"/>
+          </a:xfrm>
+        </p:spPr>
+        <p:txBody>
+          <a:bodyPr>
+            <a:noAutofit/>
+          </a:bodyPr>
           <a:lstStyle/>
           <a:p>
-            <a:r>
-              <a:rPr lang="en-US" dirty="0">
-                <a:latin typeface="Times New Roman" panose="02020603050405020304" pitchFamily="18" charset="0"/>
-                <a:cs typeface="Times New Roman" panose="02020603050405020304" pitchFamily="18" charset="0"/>
-              </a:rPr>
-              <a:t>4</a:t>
-            </a:r>
-            <a:r>
-              <a:rPr lang="en-US" dirty="0" smtClean="0">
-                <a:latin typeface="Times New Roman" panose="02020603050405020304" pitchFamily="18" charset="0"/>
-                <a:cs typeface="Times New Roman" panose="02020603050405020304" pitchFamily="18" charset="0"/>
-              </a:rPr>
-              <a:t>. </a:t>
-            </a:r>
-            <a:r>
-              <a:rPr lang="en-US" dirty="0" smtClean="0">
-                <a:latin typeface="Times New Roman" panose="02020603050405020304" pitchFamily="18" charset="0"/>
-                <a:cs typeface="Times New Roman" panose="02020603050405020304" pitchFamily="18" charset="0"/>
-              </a:rPr>
-              <a:t>ĐÁNH GIÁ</a:t>
-            </a:r>
-            <a:endParaRPr lang="en-US" dirty="0">
+            <a:pPr algn="ctr"/>
+            <a:r>
+              <a:rPr lang="en-US" sz="5500" dirty="0" smtClean="0">
+                <a:latin typeface="Times New Roman" panose="02020603050405020304" pitchFamily="18" charset="0"/>
+                <a:cs typeface="Times New Roman" panose="02020603050405020304" pitchFamily="18" charset="0"/>
+              </a:rPr>
+              <a:t>CẢM ƠN THẦY ĐÃ CHÚ Ý LẮNG NGHE!</a:t>
+            </a:r>
+            <a:endParaRPr lang="en-US" sz="5500" dirty="0">
               <a:latin typeface="Times New Roman" panose="02020603050405020304" pitchFamily="18" charset="0"/>
               <a:cs typeface="Times New Roman" panose="02020603050405020304" pitchFamily="18" charset="0"/>
             </a:endParaRPr>
           </a:p>
         </p:txBody>
       </p:sp>
-      <p:sp>
-        <p:nvSpPr>
-          <p:cNvPr id="3" name="Content Placeholder 2"/>
-          <p:cNvSpPr>
-            <a:spLocks noGrp="1"/>
-          </p:cNvSpPr>
-          <p:nvPr>
-            <p:ph idx="1"/>
-          </p:nvPr>
-        </p:nvSpPr>
-        <p:spPr/>
-        <p:txBody>
-          <a:bodyPr>
-            <a:normAutofit/>
-          </a:bodyPr>
-          <a:lstStyle/>
-          <a:p>
-            <a:pPr marL="0" indent="0">
-              <a:buNone/>
-            </a:pPr>
-            <a:r>
-              <a:rPr lang="en-US" sz="2400" b="1" dirty="0" err="1" smtClean="0">
-                <a:solidFill>
-                  <a:schemeClr val="tx1"/>
-                </a:solidFill>
-                <a:latin typeface="Times New Roman" panose="02020603050405020304" pitchFamily="18" charset="0"/>
-                <a:cs typeface="Times New Roman" panose="02020603050405020304" pitchFamily="18" charset="0"/>
-              </a:rPr>
-              <a:t>Ưu</a:t>
-            </a:r>
-            <a:r>
-              <a:rPr lang="en-US" sz="2400" b="1" dirty="0" smtClean="0">
-                <a:solidFill>
-                  <a:schemeClr val="tx1"/>
-                </a:solidFill>
-                <a:latin typeface="Times New Roman" panose="02020603050405020304" pitchFamily="18" charset="0"/>
-                <a:cs typeface="Times New Roman" panose="02020603050405020304" pitchFamily="18" charset="0"/>
-              </a:rPr>
-              <a:t> </a:t>
-            </a:r>
-            <a:r>
-              <a:rPr lang="en-US" sz="2400" b="1" dirty="0" err="1" smtClean="0">
-                <a:solidFill>
-                  <a:schemeClr val="tx1"/>
-                </a:solidFill>
-                <a:latin typeface="Times New Roman" panose="02020603050405020304" pitchFamily="18" charset="0"/>
-                <a:cs typeface="Times New Roman" panose="02020603050405020304" pitchFamily="18" charset="0"/>
-              </a:rPr>
-              <a:t>điểm</a:t>
-            </a:r>
-            <a:r>
-              <a:rPr lang="en-US" sz="2400" b="1" dirty="0" smtClean="0">
-                <a:solidFill>
-                  <a:schemeClr val="tx1"/>
-                </a:solidFill>
-                <a:latin typeface="Times New Roman" panose="02020603050405020304" pitchFamily="18" charset="0"/>
-                <a:cs typeface="Times New Roman" panose="02020603050405020304" pitchFamily="18" charset="0"/>
-              </a:rPr>
-              <a:t>:</a:t>
-            </a:r>
-          </a:p>
-          <a:p>
-            <a:pPr marL="0" indent="0">
-              <a:buNone/>
-            </a:pPr>
-            <a:r>
-              <a:rPr lang="en-US" sz="2400" dirty="0" smtClean="0">
-                <a:solidFill>
-                  <a:schemeClr val="tx1"/>
-                </a:solidFill>
-                <a:latin typeface="Times New Roman" panose="02020603050405020304" pitchFamily="18" charset="0"/>
-                <a:cs typeface="Times New Roman" panose="02020603050405020304" pitchFamily="18" charset="0"/>
-              </a:rPr>
-              <a:t>	- </a:t>
-            </a:r>
-            <a:r>
-              <a:rPr lang="en-US" sz="2400" dirty="0" err="1">
-                <a:solidFill>
-                  <a:schemeClr val="tx1"/>
-                </a:solidFill>
-                <a:latin typeface="Times New Roman" panose="02020603050405020304" pitchFamily="18" charset="0"/>
-                <a:cs typeface="Times New Roman" panose="02020603050405020304" pitchFamily="18" charset="0"/>
-              </a:rPr>
-              <a:t>Ứng</a:t>
-            </a:r>
-            <a:r>
-              <a:rPr lang="en-US" sz="2400" dirty="0">
-                <a:solidFill>
-                  <a:schemeClr val="tx1"/>
-                </a:solidFill>
-                <a:latin typeface="Times New Roman" panose="02020603050405020304" pitchFamily="18" charset="0"/>
-                <a:cs typeface="Times New Roman" panose="02020603050405020304" pitchFamily="18" charset="0"/>
-              </a:rPr>
-              <a:t> </a:t>
-            </a:r>
-            <a:r>
-              <a:rPr lang="en-US" sz="2400" dirty="0" err="1">
-                <a:solidFill>
-                  <a:schemeClr val="tx1"/>
-                </a:solidFill>
-                <a:latin typeface="Times New Roman" panose="02020603050405020304" pitchFamily="18" charset="0"/>
-                <a:cs typeface="Times New Roman" panose="02020603050405020304" pitchFamily="18" charset="0"/>
-              </a:rPr>
-              <a:t>dụng</a:t>
-            </a:r>
-            <a:r>
-              <a:rPr lang="en-US" sz="2400" dirty="0">
-                <a:solidFill>
-                  <a:schemeClr val="tx1"/>
-                </a:solidFill>
-                <a:latin typeface="Times New Roman" panose="02020603050405020304" pitchFamily="18" charset="0"/>
-                <a:cs typeface="Times New Roman" panose="02020603050405020304" pitchFamily="18" charset="0"/>
-              </a:rPr>
-              <a:t> </a:t>
-            </a:r>
-            <a:r>
-              <a:rPr lang="en-US" sz="2400" dirty="0" err="1">
-                <a:solidFill>
-                  <a:schemeClr val="tx1"/>
-                </a:solidFill>
-                <a:latin typeface="Times New Roman" panose="02020603050405020304" pitchFamily="18" charset="0"/>
-                <a:cs typeface="Times New Roman" panose="02020603050405020304" pitchFamily="18" charset="0"/>
-              </a:rPr>
-              <a:t>cho</a:t>
-            </a:r>
-            <a:r>
-              <a:rPr lang="en-US" sz="2400" dirty="0">
-                <a:solidFill>
-                  <a:schemeClr val="tx1"/>
-                </a:solidFill>
-                <a:latin typeface="Times New Roman" panose="02020603050405020304" pitchFamily="18" charset="0"/>
-                <a:cs typeface="Times New Roman" panose="02020603050405020304" pitchFamily="18" charset="0"/>
-              </a:rPr>
-              <a:t> </a:t>
-            </a:r>
-            <a:r>
-              <a:rPr lang="en-US" sz="2400" dirty="0" err="1">
-                <a:solidFill>
-                  <a:schemeClr val="tx1"/>
-                </a:solidFill>
-                <a:latin typeface="Times New Roman" panose="02020603050405020304" pitchFamily="18" charset="0"/>
-                <a:cs typeface="Times New Roman" panose="02020603050405020304" pitchFamily="18" charset="0"/>
-              </a:rPr>
-              <a:t>phép</a:t>
-            </a:r>
-            <a:r>
-              <a:rPr lang="en-US" sz="2400" dirty="0">
-                <a:solidFill>
-                  <a:schemeClr val="tx1"/>
-                </a:solidFill>
-                <a:latin typeface="Times New Roman" panose="02020603050405020304" pitchFamily="18" charset="0"/>
-                <a:cs typeface="Times New Roman" panose="02020603050405020304" pitchFamily="18" charset="0"/>
-              </a:rPr>
-              <a:t> </a:t>
-            </a:r>
-            <a:r>
-              <a:rPr lang="en-US" sz="2400" dirty="0" err="1">
-                <a:solidFill>
-                  <a:schemeClr val="tx1"/>
-                </a:solidFill>
-                <a:latin typeface="Times New Roman" panose="02020603050405020304" pitchFamily="18" charset="0"/>
-                <a:cs typeface="Times New Roman" panose="02020603050405020304" pitchFamily="18" charset="0"/>
-              </a:rPr>
-              <a:t>người</a:t>
-            </a:r>
-            <a:r>
-              <a:rPr lang="en-US" sz="2400" dirty="0">
-                <a:solidFill>
-                  <a:schemeClr val="tx1"/>
-                </a:solidFill>
-                <a:latin typeface="Times New Roman" panose="02020603050405020304" pitchFamily="18" charset="0"/>
-                <a:cs typeface="Times New Roman" panose="02020603050405020304" pitchFamily="18" charset="0"/>
-              </a:rPr>
-              <a:t> </a:t>
-            </a:r>
-            <a:r>
-              <a:rPr lang="en-US" sz="2400" dirty="0" err="1">
-                <a:solidFill>
-                  <a:schemeClr val="tx1"/>
-                </a:solidFill>
-                <a:latin typeface="Times New Roman" panose="02020603050405020304" pitchFamily="18" charset="0"/>
-                <a:cs typeface="Times New Roman" panose="02020603050405020304" pitchFamily="18" charset="0"/>
-              </a:rPr>
-              <a:t>chơi</a:t>
-            </a:r>
-            <a:r>
-              <a:rPr lang="en-US" sz="2400" dirty="0">
-                <a:solidFill>
-                  <a:schemeClr val="tx1"/>
-                </a:solidFill>
-                <a:latin typeface="Times New Roman" panose="02020603050405020304" pitchFamily="18" charset="0"/>
-                <a:cs typeface="Times New Roman" panose="02020603050405020304" pitchFamily="18" charset="0"/>
-              </a:rPr>
-              <a:t> </a:t>
-            </a:r>
-            <a:r>
-              <a:rPr lang="en-US" sz="2400" dirty="0" err="1">
-                <a:solidFill>
-                  <a:schemeClr val="tx1"/>
-                </a:solidFill>
-                <a:latin typeface="Times New Roman" panose="02020603050405020304" pitchFamily="18" charset="0"/>
-                <a:cs typeface="Times New Roman" panose="02020603050405020304" pitchFamily="18" charset="0"/>
-              </a:rPr>
-              <a:t>tạo</a:t>
-            </a:r>
-            <a:r>
-              <a:rPr lang="en-US" sz="2400" dirty="0">
-                <a:solidFill>
-                  <a:schemeClr val="tx1"/>
-                </a:solidFill>
-                <a:latin typeface="Times New Roman" panose="02020603050405020304" pitchFamily="18" charset="0"/>
-                <a:cs typeface="Times New Roman" panose="02020603050405020304" pitchFamily="18" charset="0"/>
-              </a:rPr>
-              <a:t> </a:t>
-            </a:r>
-            <a:r>
-              <a:rPr lang="en-US" sz="2400" dirty="0" err="1">
-                <a:solidFill>
-                  <a:schemeClr val="tx1"/>
-                </a:solidFill>
-                <a:latin typeface="Times New Roman" panose="02020603050405020304" pitchFamily="18" charset="0"/>
-                <a:cs typeface="Times New Roman" panose="02020603050405020304" pitchFamily="18" charset="0"/>
-              </a:rPr>
-              <a:t>bảng</a:t>
-            </a:r>
-            <a:r>
-              <a:rPr lang="en-US" sz="2400" dirty="0">
-                <a:solidFill>
-                  <a:schemeClr val="tx1"/>
-                </a:solidFill>
-                <a:latin typeface="Times New Roman" panose="02020603050405020304" pitchFamily="18" charset="0"/>
-                <a:cs typeface="Times New Roman" panose="02020603050405020304" pitchFamily="18" charset="0"/>
-              </a:rPr>
-              <a:t> </a:t>
-            </a:r>
-            <a:r>
-              <a:rPr lang="en-US" sz="2400" dirty="0" err="1">
-                <a:solidFill>
-                  <a:schemeClr val="tx1"/>
-                </a:solidFill>
-                <a:latin typeface="Times New Roman" panose="02020603050405020304" pitchFamily="18" charset="0"/>
-                <a:cs typeface="Times New Roman" panose="02020603050405020304" pitchFamily="18" charset="0"/>
-              </a:rPr>
-              <a:t>số</a:t>
-            </a:r>
-            <a:r>
-              <a:rPr lang="en-US" sz="2400" dirty="0">
-                <a:solidFill>
-                  <a:schemeClr val="tx1"/>
-                </a:solidFill>
-                <a:latin typeface="Times New Roman" panose="02020603050405020304" pitchFamily="18" charset="0"/>
-                <a:cs typeface="Times New Roman" panose="02020603050405020304" pitchFamily="18" charset="0"/>
-              </a:rPr>
-              <a:t> 9x9 </a:t>
-            </a:r>
-            <a:r>
-              <a:rPr lang="en-US" sz="2400" dirty="0" err="1">
-                <a:solidFill>
-                  <a:schemeClr val="tx1"/>
-                </a:solidFill>
-                <a:latin typeface="Times New Roman" panose="02020603050405020304" pitchFamily="18" charset="0"/>
-                <a:cs typeface="Times New Roman" panose="02020603050405020304" pitchFamily="18" charset="0"/>
-              </a:rPr>
-              <a:t>hoặc</a:t>
-            </a:r>
-            <a:r>
-              <a:rPr lang="en-US" sz="2400" dirty="0">
-                <a:solidFill>
-                  <a:schemeClr val="tx1"/>
-                </a:solidFill>
-                <a:latin typeface="Times New Roman" panose="02020603050405020304" pitchFamily="18" charset="0"/>
-                <a:cs typeface="Times New Roman" panose="02020603050405020304" pitchFamily="18" charset="0"/>
-              </a:rPr>
-              <a:t> </a:t>
-            </a:r>
-            <a:r>
-              <a:rPr lang="en-US" sz="2400" dirty="0" err="1">
-                <a:solidFill>
-                  <a:schemeClr val="tx1"/>
-                </a:solidFill>
-                <a:latin typeface="Times New Roman" panose="02020603050405020304" pitchFamily="18" charset="0"/>
-                <a:cs typeface="Times New Roman" panose="02020603050405020304" pitchFamily="18" charset="0"/>
-              </a:rPr>
-              <a:t>bảng</a:t>
-            </a:r>
-            <a:r>
-              <a:rPr lang="en-US" sz="2400" dirty="0">
-                <a:solidFill>
-                  <a:schemeClr val="tx1"/>
-                </a:solidFill>
-                <a:latin typeface="Times New Roman" panose="02020603050405020304" pitchFamily="18" charset="0"/>
-                <a:cs typeface="Times New Roman" panose="02020603050405020304" pitchFamily="18" charset="0"/>
-              </a:rPr>
-              <a:t> </a:t>
-            </a:r>
-            <a:r>
-              <a:rPr lang="en-US" sz="2400" dirty="0" err="1">
-                <a:solidFill>
-                  <a:schemeClr val="tx1"/>
-                </a:solidFill>
-                <a:latin typeface="Times New Roman" panose="02020603050405020304" pitchFamily="18" charset="0"/>
-                <a:cs typeface="Times New Roman" panose="02020603050405020304" pitchFamily="18" charset="0"/>
-              </a:rPr>
-              <a:t>chữ</a:t>
-            </a:r>
-            <a:r>
-              <a:rPr lang="en-US" sz="2400" dirty="0">
-                <a:solidFill>
-                  <a:schemeClr val="tx1"/>
-                </a:solidFill>
-                <a:latin typeface="Times New Roman" panose="02020603050405020304" pitchFamily="18" charset="0"/>
-                <a:cs typeface="Times New Roman" panose="02020603050405020304" pitchFamily="18" charset="0"/>
-              </a:rPr>
-              <a:t> </a:t>
-            </a:r>
-            <a:r>
-              <a:rPr lang="en-US" sz="2400" dirty="0" smtClean="0">
-                <a:solidFill>
-                  <a:schemeClr val="tx1"/>
-                </a:solidFill>
-                <a:latin typeface="Times New Roman" panose="02020603050405020304" pitchFamily="18" charset="0"/>
-                <a:cs typeface="Times New Roman" panose="02020603050405020304" pitchFamily="18" charset="0"/>
-              </a:rPr>
-              <a:t>	16x16 </a:t>
-            </a:r>
-            <a:r>
-              <a:rPr lang="en-US" sz="2400" dirty="0" err="1">
-                <a:solidFill>
-                  <a:schemeClr val="tx1"/>
-                </a:solidFill>
-                <a:latin typeface="Times New Roman" panose="02020603050405020304" pitchFamily="18" charset="0"/>
-                <a:cs typeface="Times New Roman" panose="02020603050405020304" pitchFamily="18" charset="0"/>
-              </a:rPr>
-              <a:t>tùy</a:t>
-            </a:r>
-            <a:r>
-              <a:rPr lang="en-US" sz="2400" dirty="0">
-                <a:solidFill>
-                  <a:schemeClr val="tx1"/>
-                </a:solidFill>
-                <a:latin typeface="Times New Roman" panose="02020603050405020304" pitchFamily="18" charset="0"/>
-                <a:cs typeface="Times New Roman" panose="02020603050405020304" pitchFamily="18" charset="0"/>
-              </a:rPr>
-              <a:t> </a:t>
-            </a:r>
-            <a:r>
-              <a:rPr lang="en-US" sz="2400" dirty="0" err="1">
-                <a:solidFill>
-                  <a:schemeClr val="tx1"/>
-                </a:solidFill>
-                <a:latin typeface="Times New Roman" panose="02020603050405020304" pitchFamily="18" charset="0"/>
-                <a:cs typeface="Times New Roman" panose="02020603050405020304" pitchFamily="18" charset="0"/>
-              </a:rPr>
-              <a:t>theo</a:t>
-            </a:r>
-            <a:r>
-              <a:rPr lang="en-US" sz="2400" dirty="0">
-                <a:solidFill>
-                  <a:schemeClr val="tx1"/>
-                </a:solidFill>
-                <a:latin typeface="Times New Roman" panose="02020603050405020304" pitchFamily="18" charset="0"/>
-                <a:cs typeface="Times New Roman" panose="02020603050405020304" pitchFamily="18" charset="0"/>
-              </a:rPr>
-              <a:t> </a:t>
-            </a:r>
-            <a:r>
-              <a:rPr lang="en-US" sz="2400" dirty="0" err="1">
-                <a:solidFill>
-                  <a:schemeClr val="tx1"/>
-                </a:solidFill>
-                <a:latin typeface="Times New Roman" panose="02020603050405020304" pitchFamily="18" charset="0"/>
-                <a:cs typeface="Times New Roman" panose="02020603050405020304" pitchFamily="18" charset="0"/>
-              </a:rPr>
-              <a:t>nhu</a:t>
-            </a:r>
-            <a:r>
-              <a:rPr lang="en-US" sz="2400" dirty="0">
-                <a:solidFill>
-                  <a:schemeClr val="tx1"/>
-                </a:solidFill>
-                <a:latin typeface="Times New Roman" panose="02020603050405020304" pitchFamily="18" charset="0"/>
-                <a:cs typeface="Times New Roman" panose="02020603050405020304" pitchFamily="18" charset="0"/>
-              </a:rPr>
-              <a:t> </a:t>
-            </a:r>
-            <a:r>
-              <a:rPr lang="en-US" sz="2400" dirty="0" err="1">
-                <a:solidFill>
-                  <a:schemeClr val="tx1"/>
-                </a:solidFill>
-                <a:latin typeface="Times New Roman" panose="02020603050405020304" pitchFamily="18" charset="0"/>
-                <a:cs typeface="Times New Roman" panose="02020603050405020304" pitchFamily="18" charset="0"/>
-              </a:rPr>
-              <a:t>cầu</a:t>
-            </a:r>
-            <a:r>
-              <a:rPr lang="en-US" sz="2400" dirty="0">
-                <a:solidFill>
-                  <a:schemeClr val="tx1"/>
-                </a:solidFill>
-                <a:latin typeface="Times New Roman" panose="02020603050405020304" pitchFamily="18" charset="0"/>
-                <a:cs typeface="Times New Roman" panose="02020603050405020304" pitchFamily="18" charset="0"/>
-              </a:rPr>
-              <a:t>.</a:t>
-            </a:r>
-          </a:p>
-          <a:p>
-            <a:pPr marL="0" indent="0">
-              <a:buNone/>
-            </a:pPr>
-            <a:r>
-              <a:rPr lang="en-US" sz="2400" dirty="0" smtClean="0">
-                <a:solidFill>
-                  <a:schemeClr val="tx1"/>
-                </a:solidFill>
-                <a:latin typeface="Times New Roman" panose="02020603050405020304" pitchFamily="18" charset="0"/>
-                <a:cs typeface="Times New Roman" panose="02020603050405020304" pitchFamily="18" charset="0"/>
-              </a:rPr>
-              <a:t>	- </a:t>
-            </a:r>
-            <a:r>
-              <a:rPr lang="en-US" sz="2400" dirty="0">
-                <a:solidFill>
-                  <a:schemeClr val="tx1"/>
-                </a:solidFill>
-                <a:latin typeface="Times New Roman" panose="02020603050405020304" pitchFamily="18" charset="0"/>
-                <a:cs typeface="Times New Roman" panose="02020603050405020304" pitchFamily="18" charset="0"/>
-              </a:rPr>
-              <a:t>Ta </a:t>
-            </a:r>
-            <a:r>
-              <a:rPr lang="en-US" sz="2400" dirty="0" err="1">
-                <a:solidFill>
-                  <a:schemeClr val="tx1"/>
-                </a:solidFill>
-                <a:latin typeface="Times New Roman" panose="02020603050405020304" pitchFamily="18" charset="0"/>
-                <a:cs typeface="Times New Roman" panose="02020603050405020304" pitchFamily="18" charset="0"/>
-              </a:rPr>
-              <a:t>có</a:t>
-            </a:r>
-            <a:r>
-              <a:rPr lang="en-US" sz="2400" dirty="0">
-                <a:solidFill>
-                  <a:schemeClr val="tx1"/>
-                </a:solidFill>
-                <a:latin typeface="Times New Roman" panose="02020603050405020304" pitchFamily="18" charset="0"/>
-                <a:cs typeface="Times New Roman" panose="02020603050405020304" pitchFamily="18" charset="0"/>
-              </a:rPr>
-              <a:t> </a:t>
-            </a:r>
-            <a:r>
-              <a:rPr lang="en-US" sz="2400" dirty="0" err="1">
-                <a:solidFill>
-                  <a:schemeClr val="tx1"/>
-                </a:solidFill>
-                <a:latin typeface="Times New Roman" panose="02020603050405020304" pitchFamily="18" charset="0"/>
-                <a:cs typeface="Times New Roman" panose="02020603050405020304" pitchFamily="18" charset="0"/>
-              </a:rPr>
-              <a:t>thể</a:t>
-            </a:r>
-            <a:r>
-              <a:rPr lang="en-US" sz="2400" dirty="0">
-                <a:solidFill>
-                  <a:schemeClr val="tx1"/>
-                </a:solidFill>
-                <a:latin typeface="Times New Roman" panose="02020603050405020304" pitchFamily="18" charset="0"/>
-                <a:cs typeface="Times New Roman" panose="02020603050405020304" pitchFamily="18" charset="0"/>
-              </a:rPr>
-              <a:t> undo (</a:t>
-            </a:r>
-            <a:r>
-              <a:rPr lang="en-US" sz="2400" dirty="0" err="1">
-                <a:solidFill>
-                  <a:schemeClr val="tx1"/>
-                </a:solidFill>
-                <a:latin typeface="Times New Roman" panose="02020603050405020304" pitchFamily="18" charset="0"/>
-                <a:cs typeface="Times New Roman" panose="02020603050405020304" pitchFamily="18" charset="0"/>
-              </a:rPr>
-              <a:t>đi</a:t>
-            </a:r>
-            <a:r>
-              <a:rPr lang="en-US" sz="2400" dirty="0">
-                <a:solidFill>
-                  <a:schemeClr val="tx1"/>
-                </a:solidFill>
-                <a:latin typeface="Times New Roman" panose="02020603050405020304" pitchFamily="18" charset="0"/>
-                <a:cs typeface="Times New Roman" panose="02020603050405020304" pitchFamily="18" charset="0"/>
-              </a:rPr>
-              <a:t> </a:t>
-            </a:r>
-            <a:r>
-              <a:rPr lang="en-US" sz="2400" dirty="0" err="1">
-                <a:solidFill>
-                  <a:schemeClr val="tx1"/>
-                </a:solidFill>
-                <a:latin typeface="Times New Roman" panose="02020603050405020304" pitchFamily="18" charset="0"/>
-                <a:cs typeface="Times New Roman" panose="02020603050405020304" pitchFamily="18" charset="0"/>
-              </a:rPr>
-              <a:t>lùi</a:t>
-            </a:r>
-            <a:r>
-              <a:rPr lang="en-US" sz="2400" dirty="0">
-                <a:solidFill>
-                  <a:schemeClr val="tx1"/>
-                </a:solidFill>
-                <a:latin typeface="Times New Roman" panose="02020603050405020304" pitchFamily="18" charset="0"/>
-                <a:cs typeface="Times New Roman" panose="02020603050405020304" pitchFamily="18" charset="0"/>
-              </a:rPr>
-              <a:t>) </a:t>
-            </a:r>
-            <a:r>
-              <a:rPr lang="en-US" sz="2400" dirty="0" err="1">
-                <a:solidFill>
-                  <a:schemeClr val="tx1"/>
-                </a:solidFill>
-                <a:latin typeface="Times New Roman" panose="02020603050405020304" pitchFamily="18" charset="0"/>
-                <a:cs typeface="Times New Roman" panose="02020603050405020304" pitchFamily="18" charset="0"/>
-              </a:rPr>
-              <a:t>hoặc</a:t>
-            </a:r>
-            <a:r>
-              <a:rPr lang="en-US" sz="2400" dirty="0">
-                <a:solidFill>
-                  <a:schemeClr val="tx1"/>
-                </a:solidFill>
-                <a:latin typeface="Times New Roman" panose="02020603050405020304" pitchFamily="18" charset="0"/>
-                <a:cs typeface="Times New Roman" panose="02020603050405020304" pitchFamily="18" charset="0"/>
-              </a:rPr>
-              <a:t> redo (</a:t>
-            </a:r>
-            <a:r>
-              <a:rPr lang="en-US" sz="2400" dirty="0" err="1">
-                <a:solidFill>
-                  <a:schemeClr val="tx1"/>
-                </a:solidFill>
-                <a:latin typeface="Times New Roman" panose="02020603050405020304" pitchFamily="18" charset="0"/>
-                <a:cs typeface="Times New Roman" panose="02020603050405020304" pitchFamily="18" charset="0"/>
-              </a:rPr>
-              <a:t>đi</a:t>
-            </a:r>
-            <a:r>
-              <a:rPr lang="en-US" sz="2400" dirty="0">
-                <a:solidFill>
-                  <a:schemeClr val="tx1"/>
-                </a:solidFill>
-                <a:latin typeface="Times New Roman" panose="02020603050405020304" pitchFamily="18" charset="0"/>
-                <a:cs typeface="Times New Roman" panose="02020603050405020304" pitchFamily="18" charset="0"/>
-              </a:rPr>
-              <a:t> </a:t>
-            </a:r>
-            <a:r>
-              <a:rPr lang="en-US" sz="2400" dirty="0" err="1">
-                <a:solidFill>
-                  <a:schemeClr val="tx1"/>
-                </a:solidFill>
-                <a:latin typeface="Times New Roman" panose="02020603050405020304" pitchFamily="18" charset="0"/>
-                <a:cs typeface="Times New Roman" panose="02020603050405020304" pitchFamily="18" charset="0"/>
-              </a:rPr>
-              <a:t>tới</a:t>
-            </a:r>
-            <a:r>
-              <a:rPr lang="en-US" sz="2400" dirty="0">
-                <a:solidFill>
-                  <a:schemeClr val="tx1"/>
-                </a:solidFill>
-                <a:latin typeface="Times New Roman" panose="02020603050405020304" pitchFamily="18" charset="0"/>
-                <a:cs typeface="Times New Roman" panose="02020603050405020304" pitchFamily="18" charset="0"/>
-              </a:rPr>
-              <a:t>) </a:t>
-            </a:r>
-            <a:r>
-              <a:rPr lang="en-US" sz="2400" dirty="0" err="1">
-                <a:solidFill>
-                  <a:schemeClr val="tx1"/>
-                </a:solidFill>
-                <a:latin typeface="Times New Roman" panose="02020603050405020304" pitchFamily="18" charset="0"/>
-                <a:cs typeface="Times New Roman" panose="02020603050405020304" pitchFamily="18" charset="0"/>
-              </a:rPr>
-              <a:t>nếu</a:t>
-            </a:r>
-            <a:r>
-              <a:rPr lang="en-US" sz="2400" dirty="0">
-                <a:solidFill>
-                  <a:schemeClr val="tx1"/>
-                </a:solidFill>
-                <a:latin typeface="Times New Roman" panose="02020603050405020304" pitchFamily="18" charset="0"/>
-                <a:cs typeface="Times New Roman" panose="02020603050405020304" pitchFamily="18" charset="0"/>
-              </a:rPr>
-              <a:t> </a:t>
-            </a:r>
-            <a:r>
-              <a:rPr lang="en-US" sz="2400" dirty="0" err="1">
-                <a:solidFill>
-                  <a:schemeClr val="tx1"/>
-                </a:solidFill>
-                <a:latin typeface="Times New Roman" panose="02020603050405020304" pitchFamily="18" charset="0"/>
-                <a:cs typeface="Times New Roman" panose="02020603050405020304" pitchFamily="18" charset="0"/>
-              </a:rPr>
-              <a:t>muốn</a:t>
-            </a:r>
-            <a:r>
-              <a:rPr lang="en-US" sz="2400" dirty="0">
-                <a:solidFill>
-                  <a:schemeClr val="tx1"/>
-                </a:solidFill>
-                <a:latin typeface="Times New Roman" panose="02020603050405020304" pitchFamily="18" charset="0"/>
-                <a:cs typeface="Times New Roman" panose="02020603050405020304" pitchFamily="18" charset="0"/>
-              </a:rPr>
-              <a:t> </a:t>
-            </a:r>
-            <a:r>
-              <a:rPr lang="en-US" sz="2400" dirty="0" err="1">
-                <a:solidFill>
-                  <a:schemeClr val="tx1"/>
-                </a:solidFill>
-                <a:latin typeface="Times New Roman" panose="02020603050405020304" pitchFamily="18" charset="0"/>
-                <a:cs typeface="Times New Roman" panose="02020603050405020304" pitchFamily="18" charset="0"/>
-              </a:rPr>
-              <a:t>thay</a:t>
-            </a:r>
-            <a:r>
-              <a:rPr lang="en-US" sz="2400" dirty="0">
-                <a:solidFill>
-                  <a:schemeClr val="tx1"/>
-                </a:solidFill>
-                <a:latin typeface="Times New Roman" panose="02020603050405020304" pitchFamily="18" charset="0"/>
-                <a:cs typeface="Times New Roman" panose="02020603050405020304" pitchFamily="18" charset="0"/>
-              </a:rPr>
-              <a:t> </a:t>
-            </a:r>
-            <a:r>
-              <a:rPr lang="en-US" sz="2400" dirty="0" err="1">
-                <a:solidFill>
-                  <a:schemeClr val="tx1"/>
-                </a:solidFill>
-                <a:latin typeface="Times New Roman" panose="02020603050405020304" pitchFamily="18" charset="0"/>
-                <a:cs typeface="Times New Roman" panose="02020603050405020304" pitchFamily="18" charset="0"/>
-              </a:rPr>
-              <a:t>đổi</a:t>
-            </a:r>
-            <a:r>
-              <a:rPr lang="en-US" sz="2400" dirty="0">
-                <a:solidFill>
-                  <a:schemeClr val="tx1"/>
-                </a:solidFill>
-                <a:latin typeface="Times New Roman" panose="02020603050405020304" pitchFamily="18" charset="0"/>
-                <a:cs typeface="Times New Roman" panose="02020603050405020304" pitchFamily="18" charset="0"/>
-              </a:rPr>
-              <a:t> </a:t>
-            </a:r>
-            <a:r>
-              <a:rPr lang="en-US" sz="2400" dirty="0" err="1">
-                <a:solidFill>
-                  <a:schemeClr val="tx1"/>
-                </a:solidFill>
-                <a:latin typeface="Times New Roman" panose="02020603050405020304" pitchFamily="18" charset="0"/>
-                <a:cs typeface="Times New Roman" panose="02020603050405020304" pitchFamily="18" charset="0"/>
-              </a:rPr>
-              <a:t>giá</a:t>
-            </a:r>
-            <a:r>
-              <a:rPr lang="en-US" sz="2400" dirty="0">
-                <a:solidFill>
-                  <a:schemeClr val="tx1"/>
-                </a:solidFill>
-                <a:latin typeface="Times New Roman" panose="02020603050405020304" pitchFamily="18" charset="0"/>
-                <a:cs typeface="Times New Roman" panose="02020603050405020304" pitchFamily="18" charset="0"/>
-              </a:rPr>
-              <a:t> </a:t>
-            </a:r>
-            <a:r>
-              <a:rPr lang="en-US" sz="2400" dirty="0" smtClean="0">
-                <a:solidFill>
-                  <a:schemeClr val="tx1"/>
-                </a:solidFill>
-                <a:latin typeface="Times New Roman" panose="02020603050405020304" pitchFamily="18" charset="0"/>
-                <a:cs typeface="Times New Roman" panose="02020603050405020304" pitchFamily="18" charset="0"/>
-              </a:rPr>
-              <a:t>	</a:t>
-            </a:r>
-            <a:r>
-              <a:rPr lang="en-US" sz="2400" dirty="0" err="1" smtClean="0">
-                <a:solidFill>
-                  <a:schemeClr val="tx1"/>
-                </a:solidFill>
-                <a:latin typeface="Times New Roman" panose="02020603050405020304" pitchFamily="18" charset="0"/>
-                <a:cs typeface="Times New Roman" panose="02020603050405020304" pitchFamily="18" charset="0"/>
-              </a:rPr>
-              <a:t>trị</a:t>
-            </a:r>
-            <a:r>
-              <a:rPr lang="en-US" sz="2400" dirty="0" smtClean="0">
-                <a:solidFill>
-                  <a:schemeClr val="tx1"/>
-                </a:solidFill>
-                <a:latin typeface="Times New Roman" panose="02020603050405020304" pitchFamily="18" charset="0"/>
-                <a:cs typeface="Times New Roman" panose="02020603050405020304" pitchFamily="18" charset="0"/>
-              </a:rPr>
-              <a:t> </a:t>
-            </a:r>
-            <a:r>
-              <a:rPr lang="en-US" sz="2400" dirty="0">
-                <a:solidFill>
-                  <a:schemeClr val="tx1"/>
-                </a:solidFill>
-                <a:latin typeface="Times New Roman" panose="02020603050405020304" pitchFamily="18" charset="0"/>
-                <a:cs typeface="Times New Roman" panose="02020603050405020304" pitchFamily="18" charset="0"/>
-              </a:rPr>
-              <a:t>ô </a:t>
-            </a:r>
-            <a:r>
-              <a:rPr lang="en-US" sz="2400" dirty="0" err="1">
-                <a:solidFill>
-                  <a:schemeClr val="tx1"/>
-                </a:solidFill>
-                <a:latin typeface="Times New Roman" panose="02020603050405020304" pitchFamily="18" charset="0"/>
-                <a:cs typeface="Times New Roman" panose="02020603050405020304" pitchFamily="18" charset="0"/>
-              </a:rPr>
-              <a:t>số</a:t>
-            </a:r>
-            <a:r>
-              <a:rPr lang="en-US" sz="2400" dirty="0">
-                <a:solidFill>
-                  <a:schemeClr val="tx1"/>
-                </a:solidFill>
-                <a:latin typeface="Times New Roman" panose="02020603050405020304" pitchFamily="18" charset="0"/>
-                <a:cs typeface="Times New Roman" panose="02020603050405020304" pitchFamily="18" charset="0"/>
-              </a:rPr>
-              <a:t> </a:t>
-            </a:r>
-            <a:r>
-              <a:rPr lang="en-US" sz="2400" dirty="0" err="1">
-                <a:solidFill>
-                  <a:schemeClr val="tx1"/>
-                </a:solidFill>
-                <a:latin typeface="Times New Roman" panose="02020603050405020304" pitchFamily="18" charset="0"/>
-                <a:cs typeface="Times New Roman" panose="02020603050405020304" pitchFamily="18" charset="0"/>
-              </a:rPr>
-              <a:t>đã</a:t>
-            </a:r>
-            <a:r>
-              <a:rPr lang="en-US" sz="2400" dirty="0">
-                <a:solidFill>
-                  <a:schemeClr val="tx1"/>
-                </a:solidFill>
-                <a:latin typeface="Times New Roman" panose="02020603050405020304" pitchFamily="18" charset="0"/>
-                <a:cs typeface="Times New Roman" panose="02020603050405020304" pitchFamily="18" charset="0"/>
-              </a:rPr>
-              <a:t> </a:t>
-            </a:r>
-            <a:r>
-              <a:rPr lang="en-US" sz="2400" dirty="0" err="1">
-                <a:solidFill>
-                  <a:schemeClr val="tx1"/>
-                </a:solidFill>
-                <a:latin typeface="Times New Roman" panose="02020603050405020304" pitchFamily="18" charset="0"/>
-                <a:cs typeface="Times New Roman" panose="02020603050405020304" pitchFamily="18" charset="0"/>
-              </a:rPr>
-              <a:t>nhập</a:t>
-            </a:r>
-            <a:r>
-              <a:rPr lang="en-US" sz="2400" dirty="0">
-                <a:solidFill>
-                  <a:schemeClr val="tx1"/>
-                </a:solidFill>
-                <a:latin typeface="Times New Roman" panose="02020603050405020304" pitchFamily="18" charset="0"/>
-                <a:cs typeface="Times New Roman" panose="02020603050405020304" pitchFamily="18" charset="0"/>
-              </a:rPr>
-              <a:t>.</a:t>
-            </a:r>
-          </a:p>
-          <a:p>
-            <a:pPr marL="0" indent="0">
-              <a:buNone/>
-            </a:pPr>
-            <a:r>
-              <a:rPr lang="en-US" sz="2400" dirty="0" smtClean="0">
-                <a:solidFill>
-                  <a:schemeClr val="tx1"/>
-                </a:solidFill>
-                <a:latin typeface="Times New Roman" panose="02020603050405020304" pitchFamily="18" charset="0"/>
-                <a:cs typeface="Times New Roman" panose="02020603050405020304" pitchFamily="18" charset="0"/>
-              </a:rPr>
-              <a:t>	- </a:t>
-            </a:r>
-            <a:r>
-              <a:rPr lang="en-US" sz="2400" dirty="0" err="1">
-                <a:solidFill>
-                  <a:schemeClr val="tx1"/>
-                </a:solidFill>
-                <a:latin typeface="Times New Roman" panose="02020603050405020304" pitchFamily="18" charset="0"/>
-                <a:cs typeface="Times New Roman" panose="02020603050405020304" pitchFamily="18" charset="0"/>
-              </a:rPr>
-              <a:t>Ứng</a:t>
-            </a:r>
-            <a:r>
-              <a:rPr lang="en-US" sz="2400" dirty="0">
-                <a:solidFill>
-                  <a:schemeClr val="tx1"/>
-                </a:solidFill>
-                <a:latin typeface="Times New Roman" panose="02020603050405020304" pitchFamily="18" charset="0"/>
-                <a:cs typeface="Times New Roman" panose="02020603050405020304" pitchFamily="18" charset="0"/>
-              </a:rPr>
-              <a:t> </a:t>
-            </a:r>
-            <a:r>
-              <a:rPr lang="en-US" sz="2400" dirty="0" err="1">
-                <a:solidFill>
-                  <a:schemeClr val="tx1"/>
-                </a:solidFill>
-                <a:latin typeface="Times New Roman" panose="02020603050405020304" pitchFamily="18" charset="0"/>
-                <a:cs typeface="Times New Roman" panose="02020603050405020304" pitchFamily="18" charset="0"/>
-              </a:rPr>
-              <a:t>dụng</a:t>
-            </a:r>
-            <a:r>
-              <a:rPr lang="en-US" sz="2400" dirty="0">
-                <a:solidFill>
-                  <a:schemeClr val="tx1"/>
-                </a:solidFill>
-                <a:latin typeface="Times New Roman" panose="02020603050405020304" pitchFamily="18" charset="0"/>
-                <a:cs typeface="Times New Roman" panose="02020603050405020304" pitchFamily="18" charset="0"/>
-              </a:rPr>
-              <a:t> </a:t>
-            </a:r>
-            <a:r>
-              <a:rPr lang="en-US" sz="2400" dirty="0" err="1">
-                <a:solidFill>
-                  <a:schemeClr val="tx1"/>
-                </a:solidFill>
-                <a:latin typeface="Times New Roman" panose="02020603050405020304" pitchFamily="18" charset="0"/>
-                <a:cs typeface="Times New Roman" panose="02020603050405020304" pitchFamily="18" charset="0"/>
-              </a:rPr>
-              <a:t>cũng</a:t>
-            </a:r>
-            <a:r>
-              <a:rPr lang="en-US" sz="2400" dirty="0">
-                <a:solidFill>
-                  <a:schemeClr val="tx1"/>
-                </a:solidFill>
-                <a:latin typeface="Times New Roman" panose="02020603050405020304" pitchFamily="18" charset="0"/>
-                <a:cs typeface="Times New Roman" panose="02020603050405020304" pitchFamily="18" charset="0"/>
-              </a:rPr>
-              <a:t> </a:t>
-            </a:r>
-            <a:r>
-              <a:rPr lang="en-US" sz="2400" dirty="0" err="1">
-                <a:solidFill>
-                  <a:schemeClr val="tx1"/>
-                </a:solidFill>
-                <a:latin typeface="Times New Roman" panose="02020603050405020304" pitchFamily="18" charset="0"/>
-                <a:cs typeface="Times New Roman" panose="02020603050405020304" pitchFamily="18" charset="0"/>
-              </a:rPr>
-              <a:t>cho</a:t>
-            </a:r>
-            <a:r>
-              <a:rPr lang="en-US" sz="2400" dirty="0">
-                <a:solidFill>
-                  <a:schemeClr val="tx1"/>
-                </a:solidFill>
-                <a:latin typeface="Times New Roman" panose="02020603050405020304" pitchFamily="18" charset="0"/>
-                <a:cs typeface="Times New Roman" panose="02020603050405020304" pitchFamily="18" charset="0"/>
-              </a:rPr>
-              <a:t> </a:t>
-            </a:r>
-            <a:r>
-              <a:rPr lang="en-US" sz="2400" dirty="0" err="1">
-                <a:solidFill>
-                  <a:schemeClr val="tx1"/>
-                </a:solidFill>
-                <a:latin typeface="Times New Roman" panose="02020603050405020304" pitchFamily="18" charset="0"/>
-                <a:cs typeface="Times New Roman" panose="02020603050405020304" pitchFamily="18" charset="0"/>
-              </a:rPr>
-              <a:t>phép</a:t>
-            </a:r>
-            <a:r>
-              <a:rPr lang="en-US" sz="2400" dirty="0">
-                <a:solidFill>
-                  <a:schemeClr val="tx1"/>
-                </a:solidFill>
-                <a:latin typeface="Times New Roman" panose="02020603050405020304" pitchFamily="18" charset="0"/>
-                <a:cs typeface="Times New Roman" panose="02020603050405020304" pitchFamily="18" charset="0"/>
-              </a:rPr>
-              <a:t> ta show </a:t>
-            </a:r>
-            <a:r>
-              <a:rPr lang="en-US" sz="2400" dirty="0" err="1">
-                <a:solidFill>
-                  <a:schemeClr val="tx1"/>
-                </a:solidFill>
-                <a:latin typeface="Times New Roman" panose="02020603050405020304" pitchFamily="18" charset="0"/>
-                <a:cs typeface="Times New Roman" panose="02020603050405020304" pitchFamily="18" charset="0"/>
-              </a:rPr>
-              <a:t>ra</a:t>
-            </a:r>
-            <a:r>
-              <a:rPr lang="en-US" sz="2400" dirty="0">
-                <a:solidFill>
-                  <a:schemeClr val="tx1"/>
-                </a:solidFill>
-                <a:latin typeface="Times New Roman" panose="02020603050405020304" pitchFamily="18" charset="0"/>
-                <a:cs typeface="Times New Roman" panose="02020603050405020304" pitchFamily="18" charset="0"/>
-              </a:rPr>
-              <a:t> </a:t>
-            </a:r>
-            <a:r>
-              <a:rPr lang="en-US" sz="2400" dirty="0" err="1">
-                <a:solidFill>
-                  <a:schemeClr val="tx1"/>
-                </a:solidFill>
-                <a:latin typeface="Times New Roman" panose="02020603050405020304" pitchFamily="18" charset="0"/>
-                <a:cs typeface="Times New Roman" panose="02020603050405020304" pitchFamily="18" charset="0"/>
-              </a:rPr>
-              <a:t>đáp</a:t>
-            </a:r>
-            <a:r>
-              <a:rPr lang="en-US" sz="2400" dirty="0">
-                <a:solidFill>
-                  <a:schemeClr val="tx1"/>
-                </a:solidFill>
-                <a:latin typeface="Times New Roman" panose="02020603050405020304" pitchFamily="18" charset="0"/>
-                <a:cs typeface="Times New Roman" panose="02020603050405020304" pitchFamily="18" charset="0"/>
-              </a:rPr>
-              <a:t> </a:t>
-            </a:r>
-            <a:r>
-              <a:rPr lang="en-US" sz="2400" dirty="0" err="1">
-                <a:solidFill>
-                  <a:schemeClr val="tx1"/>
-                </a:solidFill>
-                <a:latin typeface="Times New Roman" panose="02020603050405020304" pitchFamily="18" charset="0"/>
-                <a:cs typeface="Times New Roman" panose="02020603050405020304" pitchFamily="18" charset="0"/>
-              </a:rPr>
-              <a:t>án</a:t>
-            </a:r>
-            <a:r>
-              <a:rPr lang="en-US" sz="2400" dirty="0">
-                <a:solidFill>
-                  <a:schemeClr val="tx1"/>
-                </a:solidFill>
-                <a:latin typeface="Times New Roman" panose="02020603050405020304" pitchFamily="18" charset="0"/>
-                <a:cs typeface="Times New Roman" panose="02020603050405020304" pitchFamily="18" charset="0"/>
-              </a:rPr>
-              <a:t> </a:t>
-            </a:r>
-            <a:r>
-              <a:rPr lang="en-US" sz="2400" dirty="0" err="1">
-                <a:solidFill>
-                  <a:schemeClr val="tx1"/>
-                </a:solidFill>
-                <a:latin typeface="Times New Roman" panose="02020603050405020304" pitchFamily="18" charset="0"/>
-                <a:cs typeface="Times New Roman" panose="02020603050405020304" pitchFamily="18" charset="0"/>
-              </a:rPr>
-              <a:t>của</a:t>
-            </a:r>
-            <a:r>
-              <a:rPr lang="en-US" sz="2400" dirty="0">
-                <a:solidFill>
-                  <a:schemeClr val="tx1"/>
-                </a:solidFill>
-                <a:latin typeface="Times New Roman" panose="02020603050405020304" pitchFamily="18" charset="0"/>
-                <a:cs typeface="Times New Roman" panose="02020603050405020304" pitchFamily="18" charset="0"/>
-              </a:rPr>
-              <a:t> </a:t>
-            </a:r>
-            <a:r>
-              <a:rPr lang="en-US" sz="2400" dirty="0" err="1">
-                <a:solidFill>
-                  <a:schemeClr val="tx1"/>
-                </a:solidFill>
-                <a:latin typeface="Times New Roman" panose="02020603050405020304" pitchFamily="18" charset="0"/>
-                <a:cs typeface="Times New Roman" panose="02020603050405020304" pitchFamily="18" charset="0"/>
-              </a:rPr>
-              <a:t>tất</a:t>
-            </a:r>
-            <a:r>
-              <a:rPr lang="en-US" sz="2400" dirty="0">
-                <a:solidFill>
-                  <a:schemeClr val="tx1"/>
-                </a:solidFill>
-                <a:latin typeface="Times New Roman" panose="02020603050405020304" pitchFamily="18" charset="0"/>
-                <a:cs typeface="Times New Roman" panose="02020603050405020304" pitchFamily="18" charset="0"/>
-              </a:rPr>
-              <a:t> </a:t>
-            </a:r>
-            <a:r>
-              <a:rPr lang="en-US" sz="2400" dirty="0" err="1">
-                <a:solidFill>
-                  <a:schemeClr val="tx1"/>
-                </a:solidFill>
-                <a:latin typeface="Times New Roman" panose="02020603050405020304" pitchFamily="18" charset="0"/>
-                <a:cs typeface="Times New Roman" panose="02020603050405020304" pitchFamily="18" charset="0"/>
-              </a:rPr>
-              <a:t>cả</a:t>
-            </a:r>
-            <a:r>
-              <a:rPr lang="en-US" sz="2400" dirty="0">
-                <a:solidFill>
-                  <a:schemeClr val="tx1"/>
-                </a:solidFill>
-                <a:latin typeface="Times New Roman" panose="02020603050405020304" pitchFamily="18" charset="0"/>
-                <a:cs typeface="Times New Roman" panose="02020603050405020304" pitchFamily="18" charset="0"/>
-              </a:rPr>
-              <a:t> ô </a:t>
-            </a:r>
-            <a:r>
-              <a:rPr lang="en-US" sz="2400" dirty="0" err="1">
-                <a:solidFill>
-                  <a:schemeClr val="tx1"/>
-                </a:solidFill>
-                <a:latin typeface="Times New Roman" panose="02020603050405020304" pitchFamily="18" charset="0"/>
-                <a:cs typeface="Times New Roman" panose="02020603050405020304" pitchFamily="18" charset="0"/>
-              </a:rPr>
-              <a:t>số</a:t>
-            </a:r>
-            <a:r>
-              <a:rPr lang="en-US" sz="2400" dirty="0">
-                <a:solidFill>
-                  <a:schemeClr val="tx1"/>
-                </a:solidFill>
-                <a:latin typeface="Times New Roman" panose="02020603050405020304" pitchFamily="18" charset="0"/>
-                <a:cs typeface="Times New Roman" panose="02020603050405020304" pitchFamily="18" charset="0"/>
-              </a:rPr>
-              <a:t> </a:t>
-            </a:r>
-            <a:r>
-              <a:rPr lang="en-US" sz="2400" dirty="0" err="1">
-                <a:solidFill>
-                  <a:schemeClr val="tx1"/>
-                </a:solidFill>
-                <a:latin typeface="Times New Roman" panose="02020603050405020304" pitchFamily="18" charset="0"/>
-                <a:cs typeface="Times New Roman" panose="02020603050405020304" pitchFamily="18" charset="0"/>
-              </a:rPr>
-              <a:t>cũng</a:t>
-            </a:r>
-            <a:r>
-              <a:rPr lang="en-US" sz="2400" dirty="0">
-                <a:solidFill>
-                  <a:schemeClr val="tx1"/>
-                </a:solidFill>
-                <a:latin typeface="Times New Roman" panose="02020603050405020304" pitchFamily="18" charset="0"/>
-                <a:cs typeface="Times New Roman" panose="02020603050405020304" pitchFamily="18" charset="0"/>
-              </a:rPr>
-              <a:t> </a:t>
-            </a:r>
-            <a:r>
-              <a:rPr lang="en-US" sz="2400" dirty="0" smtClean="0">
-                <a:solidFill>
-                  <a:schemeClr val="tx1"/>
-                </a:solidFill>
-                <a:latin typeface="Times New Roman" panose="02020603050405020304" pitchFamily="18" charset="0"/>
-                <a:cs typeface="Times New Roman" panose="02020603050405020304" pitchFamily="18" charset="0"/>
-              </a:rPr>
-              <a:t>	</a:t>
-            </a:r>
-            <a:r>
-              <a:rPr lang="en-US" sz="2400" dirty="0" err="1" smtClean="0">
-                <a:solidFill>
-                  <a:schemeClr val="tx1"/>
-                </a:solidFill>
-                <a:latin typeface="Times New Roman" panose="02020603050405020304" pitchFamily="18" charset="0"/>
-                <a:cs typeface="Times New Roman" panose="02020603050405020304" pitchFamily="18" charset="0"/>
-              </a:rPr>
-              <a:t>như</a:t>
-            </a:r>
-            <a:r>
-              <a:rPr lang="en-US" sz="2400" dirty="0" smtClean="0">
-                <a:solidFill>
-                  <a:schemeClr val="tx1"/>
-                </a:solidFill>
-                <a:latin typeface="Times New Roman" panose="02020603050405020304" pitchFamily="18" charset="0"/>
-                <a:cs typeface="Times New Roman" panose="02020603050405020304" pitchFamily="18" charset="0"/>
-              </a:rPr>
-              <a:t> </a:t>
-            </a:r>
-            <a:r>
-              <a:rPr lang="en-US" sz="2400" dirty="0">
-                <a:solidFill>
-                  <a:schemeClr val="tx1"/>
-                </a:solidFill>
-                <a:latin typeface="Times New Roman" panose="02020603050405020304" pitchFamily="18" charset="0"/>
-                <a:cs typeface="Times New Roman" panose="02020603050405020304" pitchFamily="18" charset="0"/>
-              </a:rPr>
-              <a:t>check </a:t>
-            </a:r>
-            <a:r>
-              <a:rPr lang="en-US" sz="2400" dirty="0" err="1">
-                <a:solidFill>
-                  <a:schemeClr val="tx1"/>
-                </a:solidFill>
-                <a:latin typeface="Times New Roman" panose="02020603050405020304" pitchFamily="18" charset="0"/>
-                <a:cs typeface="Times New Roman" panose="02020603050405020304" pitchFamily="18" charset="0"/>
-              </a:rPr>
-              <a:t>xem</a:t>
-            </a:r>
-            <a:r>
-              <a:rPr lang="en-US" sz="2400" dirty="0">
-                <a:solidFill>
-                  <a:schemeClr val="tx1"/>
-                </a:solidFill>
-                <a:latin typeface="Times New Roman" panose="02020603050405020304" pitchFamily="18" charset="0"/>
-                <a:cs typeface="Times New Roman" panose="02020603050405020304" pitchFamily="18" charset="0"/>
-              </a:rPr>
-              <a:t> </a:t>
-            </a:r>
-            <a:r>
-              <a:rPr lang="en-US" sz="2400" dirty="0" err="1">
-                <a:solidFill>
-                  <a:schemeClr val="tx1"/>
-                </a:solidFill>
-                <a:latin typeface="Times New Roman" panose="02020603050405020304" pitchFamily="18" charset="0"/>
-                <a:cs typeface="Times New Roman" panose="02020603050405020304" pitchFamily="18" charset="0"/>
-              </a:rPr>
-              <a:t>các</a:t>
-            </a:r>
-            <a:r>
-              <a:rPr lang="en-US" sz="2400" dirty="0">
-                <a:solidFill>
-                  <a:schemeClr val="tx1"/>
-                </a:solidFill>
-                <a:latin typeface="Times New Roman" panose="02020603050405020304" pitchFamily="18" charset="0"/>
-                <a:cs typeface="Times New Roman" panose="02020603050405020304" pitchFamily="18" charset="0"/>
-              </a:rPr>
-              <a:t> ô </a:t>
-            </a:r>
-            <a:r>
-              <a:rPr lang="en-US" sz="2400" dirty="0" err="1">
-                <a:solidFill>
-                  <a:schemeClr val="tx1"/>
-                </a:solidFill>
-                <a:latin typeface="Times New Roman" panose="02020603050405020304" pitchFamily="18" charset="0"/>
-                <a:cs typeface="Times New Roman" panose="02020603050405020304" pitchFamily="18" charset="0"/>
-              </a:rPr>
-              <a:t>số</a:t>
-            </a:r>
-            <a:r>
-              <a:rPr lang="en-US" sz="2400" dirty="0">
-                <a:solidFill>
-                  <a:schemeClr val="tx1"/>
-                </a:solidFill>
-                <a:latin typeface="Times New Roman" panose="02020603050405020304" pitchFamily="18" charset="0"/>
-                <a:cs typeface="Times New Roman" panose="02020603050405020304" pitchFamily="18" charset="0"/>
-              </a:rPr>
-              <a:t> </a:t>
-            </a:r>
-            <a:r>
-              <a:rPr lang="en-US" sz="2400" dirty="0" err="1">
-                <a:solidFill>
-                  <a:schemeClr val="tx1"/>
-                </a:solidFill>
-                <a:latin typeface="Times New Roman" panose="02020603050405020304" pitchFamily="18" charset="0"/>
-                <a:cs typeface="Times New Roman" panose="02020603050405020304" pitchFamily="18" charset="0"/>
-              </a:rPr>
-              <a:t>đã</a:t>
-            </a:r>
-            <a:r>
-              <a:rPr lang="en-US" sz="2400" dirty="0">
-                <a:solidFill>
-                  <a:schemeClr val="tx1"/>
-                </a:solidFill>
-                <a:latin typeface="Times New Roman" panose="02020603050405020304" pitchFamily="18" charset="0"/>
-                <a:cs typeface="Times New Roman" panose="02020603050405020304" pitchFamily="18" charset="0"/>
-              </a:rPr>
-              <a:t> </a:t>
-            </a:r>
-            <a:r>
-              <a:rPr lang="en-US" sz="2400" dirty="0" err="1">
-                <a:solidFill>
-                  <a:schemeClr val="tx1"/>
-                </a:solidFill>
-                <a:latin typeface="Times New Roman" panose="02020603050405020304" pitchFamily="18" charset="0"/>
-                <a:cs typeface="Times New Roman" panose="02020603050405020304" pitchFamily="18" charset="0"/>
-              </a:rPr>
-              <a:t>điền</a:t>
-            </a:r>
-            <a:r>
-              <a:rPr lang="en-US" sz="2400" dirty="0">
-                <a:solidFill>
-                  <a:schemeClr val="tx1"/>
-                </a:solidFill>
-                <a:latin typeface="Times New Roman" panose="02020603050405020304" pitchFamily="18" charset="0"/>
-                <a:cs typeface="Times New Roman" panose="02020603050405020304" pitchFamily="18" charset="0"/>
-              </a:rPr>
-              <a:t> </a:t>
-            </a:r>
-            <a:r>
-              <a:rPr lang="en-US" sz="2400" dirty="0" err="1">
-                <a:solidFill>
-                  <a:schemeClr val="tx1"/>
-                </a:solidFill>
-                <a:latin typeface="Times New Roman" panose="02020603050405020304" pitchFamily="18" charset="0"/>
-                <a:cs typeface="Times New Roman" panose="02020603050405020304" pitchFamily="18" charset="0"/>
-              </a:rPr>
-              <a:t>có</a:t>
-            </a:r>
-            <a:r>
-              <a:rPr lang="en-US" sz="2400" dirty="0">
-                <a:solidFill>
-                  <a:schemeClr val="tx1"/>
-                </a:solidFill>
-                <a:latin typeface="Times New Roman" panose="02020603050405020304" pitchFamily="18" charset="0"/>
-                <a:cs typeface="Times New Roman" panose="02020603050405020304" pitchFamily="18" charset="0"/>
-              </a:rPr>
-              <a:t> </a:t>
-            </a:r>
-            <a:r>
-              <a:rPr lang="en-US" sz="2400" dirty="0" err="1">
-                <a:solidFill>
-                  <a:schemeClr val="tx1"/>
-                </a:solidFill>
-                <a:latin typeface="Times New Roman" panose="02020603050405020304" pitchFamily="18" charset="0"/>
-                <a:cs typeface="Times New Roman" panose="02020603050405020304" pitchFamily="18" charset="0"/>
-              </a:rPr>
-              <a:t>đúng</a:t>
-            </a:r>
-            <a:r>
-              <a:rPr lang="en-US" sz="2400" dirty="0">
-                <a:solidFill>
-                  <a:schemeClr val="tx1"/>
-                </a:solidFill>
-                <a:latin typeface="Times New Roman" panose="02020603050405020304" pitchFamily="18" charset="0"/>
-                <a:cs typeface="Times New Roman" panose="02020603050405020304" pitchFamily="18" charset="0"/>
-              </a:rPr>
-              <a:t> hay </a:t>
-            </a:r>
-            <a:r>
-              <a:rPr lang="en-US" sz="2400" dirty="0" err="1">
-                <a:solidFill>
-                  <a:schemeClr val="tx1"/>
-                </a:solidFill>
-                <a:latin typeface="Times New Roman" panose="02020603050405020304" pitchFamily="18" charset="0"/>
-                <a:cs typeface="Times New Roman" panose="02020603050405020304" pitchFamily="18" charset="0"/>
-              </a:rPr>
-              <a:t>không</a:t>
-            </a:r>
-            <a:r>
-              <a:rPr lang="en-US" sz="2400" dirty="0">
-                <a:solidFill>
-                  <a:schemeClr val="tx1"/>
-                </a:solidFill>
-                <a:latin typeface="Times New Roman" panose="02020603050405020304" pitchFamily="18" charset="0"/>
-                <a:cs typeface="Times New Roman" panose="02020603050405020304" pitchFamily="18" charset="0"/>
-              </a:rPr>
-              <a:t>.</a:t>
-            </a:r>
-          </a:p>
-          <a:p>
-            <a:pPr marL="0" indent="0">
-              <a:buNone/>
-            </a:pPr>
-            <a:endParaRPr lang="en-US" sz="2200" dirty="0" smtClean="0">
-              <a:solidFill>
-                <a:schemeClr val="tx1"/>
-              </a:solidFill>
-              <a:latin typeface="Times New Roman" panose="02020603050405020304" pitchFamily="18" charset="0"/>
-              <a:cs typeface="Times New Roman" panose="02020603050405020304" pitchFamily="18" charset="0"/>
-            </a:endParaRPr>
-          </a:p>
-        </p:txBody>
-      </p:sp>
     </p:spTree>
     <p:extLst>
       <p:ext uri="{BB962C8B-B14F-4D97-AF65-F5344CB8AC3E}">
-        <p14:creationId xmlns:p14="http://schemas.microsoft.com/office/powerpoint/2010/main" val="2271791203"/>
+        <p14:creationId xmlns:p14="http://schemas.microsoft.com/office/powerpoint/2010/main" val="3768985155"/>
       </p:ext>
     </p:extLst>
   </p:cSld>
@@ -12068,7 +10111,7 @@
                             </p:stCondLst>
                             <p:childTnLst>
                               <p:par>
-                                <p:cTn id="5" presetID="42" presetClass="entr" presetSubtype="0" fill="hold" grpId="0" nodeType="clickEffect">
+                                <p:cTn id="5" presetID="6" presetClass="entr" presetSubtype="16" fill="hold" grpId="0" nodeType="clickEffect">
                                   <p:stCondLst>
                                     <p:cond delay="0"/>
                                   </p:stCondLst>
@@ -12091,301 +10134,11 @@
                                         <p:strVal val="visible"/>
                                       </p:to>
                                     </p:set>
-                                    <p:animEffect transition="in" filter="fade">
+                                    <p:animEffect transition="in" filter="circle(in)">
                                       <p:cBhvr>
-                                        <p:cTn id="7" dur="1000"/>
+                                        <p:cTn id="7" dur="2000"/>
                                         <p:tgtEl>
                                           <p:spTgt spid="2"/>
-                                        </p:tgtEl>
-                                      </p:cBhvr>
-                                    </p:animEffect>
-                                    <p:anim calcmode="lin" valueType="num">
-                                      <p:cBhvr>
-                                        <p:cTn id="8" dur="1000" fill="hold"/>
-                                        <p:tgtEl>
-                                          <p:spTgt spid="2"/>
-                                        </p:tgtEl>
-                                        <p:attrNameLst>
-                                          <p:attrName>ppt_x</p:attrName>
-                                        </p:attrNameLst>
-                                      </p:cBhvr>
-                                      <p:tavLst>
-                                        <p:tav tm="0">
-                                          <p:val>
-                                            <p:strVal val="#ppt_x"/>
-                                          </p:val>
-                                        </p:tav>
-                                        <p:tav tm="100000">
-                                          <p:val>
-                                            <p:strVal val="#ppt_x"/>
-                                          </p:val>
-                                        </p:tav>
-                                      </p:tavLst>
-                                    </p:anim>
-                                    <p:anim calcmode="lin" valueType="num">
-                                      <p:cBhvr>
-                                        <p:cTn id="9" dur="1000" fill="hold"/>
-                                        <p:tgtEl>
-                                          <p:spTgt spid="2"/>
-                                        </p:tgtEl>
-                                        <p:attrNameLst>
-                                          <p:attrName>ppt_y</p:attrName>
-                                        </p:attrNameLst>
-                                      </p:cBhvr>
-                                      <p:tavLst>
-                                        <p:tav tm="0">
-                                          <p:val>
-                                            <p:strVal val="#ppt_y+.1"/>
-                                          </p:val>
-                                        </p:tav>
-                                        <p:tav tm="100000">
-                                          <p:val>
-                                            <p:strVal val="#ppt_y"/>
-                                          </p:val>
-                                        </p:tav>
-                                      </p:tavLst>
-                                    </p:anim>
-                                  </p:childTnLst>
-                                </p:cTn>
-                              </p:par>
-                            </p:childTnLst>
-                          </p:cTn>
-                        </p:par>
-                      </p:childTnLst>
-                    </p:cTn>
-                  </p:par>
-                  <p:par>
-                    <p:cTn id="10" fill="hold">
-                      <p:stCondLst>
-                        <p:cond delay="indefinite"/>
-                      </p:stCondLst>
-                      <p:childTnLst>
-                        <p:par>
-                          <p:cTn id="11" fill="hold">
-                            <p:stCondLst>
-                              <p:cond delay="0"/>
-                            </p:stCondLst>
-                            <p:childTnLst>
-                              <p:par>
-                                <p:cTn id="12" presetID="10" presetClass="entr" presetSubtype="0" fill="hold" nodeType="clickEffect">
-                                  <p:stCondLst>
-                                    <p:cond delay="0"/>
-                                  </p:stCondLst>
-                                  <p:childTnLst>
-                                    <p:set>
-                                      <p:cBhvr>
-                                        <p:cTn id="13" dur="1" fill="hold">
-                                          <p:stCondLst>
-                                            <p:cond delay="0"/>
-                                          </p:stCondLst>
-                                        </p:cTn>
-                                        <p:tgtEl>
-                                          <p:spTgt spid="3">
-                                            <p:txEl>
-                                              <p:pRg st="0" end="0"/>
-                                            </p:txEl>
-                                          </p:spTgt>
-                                        </p:tgtEl>
-                                        <p:attrNameLst>
-                                          <p:attrName>style.visibility</p:attrName>
-                                        </p:attrNameLst>
-                                      </p:cBhvr>
-                                      <p:to>
-                                        <p:strVal val="visible"/>
-                                      </p:to>
-                                    </p:set>
-                                    <p:animEffect transition="in" filter="fade">
-                                      <p:cBhvr>
-                                        <p:cTn id="14" dur="500"/>
-                                        <p:tgtEl>
-                                          <p:spTgt spid="3">
-                                            <p:txEl>
-                                              <p:pRg st="0" end="0"/>
-                                            </p:txEl>
-                                          </p:spTgt>
-                                        </p:tgtEl>
-                                      </p:cBhvr>
-                                    </p:animEffect>
-                                  </p:childTnLst>
-                                </p:cTn>
-                              </p:par>
-                            </p:childTnLst>
-                          </p:cTn>
-                        </p:par>
-                      </p:childTnLst>
-                    </p:cTn>
-                  </p:par>
-                  <p:par>
-                    <p:cTn id="15" fill="hold">
-                      <p:stCondLst>
-                        <p:cond delay="indefinite"/>
-                      </p:stCondLst>
-                      <p:childTnLst>
-                        <p:par>
-                          <p:cTn id="16" fill="hold">
-                            <p:stCondLst>
-                              <p:cond delay="0"/>
-                            </p:stCondLst>
-                            <p:childTnLst>
-                              <p:par>
-                                <p:cTn id="17" presetID="10" presetClass="entr" presetSubtype="0" fill="hold" nodeType="clickEffect">
-                                  <p:stCondLst>
-                                    <p:cond delay="0"/>
-                                  </p:stCondLst>
-                                  <p:childTnLst>
-                                    <p:set>
-                                      <p:cBhvr>
-                                        <p:cTn id="18" dur="1" fill="hold">
-                                          <p:stCondLst>
-                                            <p:cond delay="0"/>
-                                          </p:stCondLst>
-                                        </p:cTn>
-                                        <p:tgtEl>
-                                          <p:spTgt spid="3">
-                                            <p:txEl>
-                                              <p:pRg st="1" end="1"/>
-                                            </p:txEl>
-                                          </p:spTgt>
-                                        </p:tgtEl>
-                                        <p:attrNameLst>
-                                          <p:attrName>style.visibility</p:attrName>
-                                        </p:attrNameLst>
-                                      </p:cBhvr>
-                                      <p:to>
-                                        <p:strVal val="visible"/>
-                                      </p:to>
-                                    </p:set>
-                                    <p:animEffect transition="in" filter="fade">
-                                      <p:cBhvr>
-                                        <p:cTn id="19" dur="500"/>
-                                        <p:tgtEl>
-                                          <p:spTgt spid="3">
-                                            <p:txEl>
-                                              <p:pRg st="1" end="1"/>
-                                            </p:txEl>
-                                          </p:spTgt>
-                                        </p:tgtEl>
-                                      </p:cBhvr>
-                                    </p:animEffect>
-                                  </p:childTnLst>
-                                </p:cTn>
-                              </p:par>
-                            </p:childTnLst>
-                          </p:cTn>
-                        </p:par>
-                      </p:childTnLst>
-                    </p:cTn>
-                  </p:par>
-                  <p:par>
-                    <p:cTn id="20" fill="hold">
-                      <p:stCondLst>
-                        <p:cond delay="indefinite"/>
-                      </p:stCondLst>
-                      <p:childTnLst>
-                        <p:par>
-                          <p:cTn id="21" fill="hold">
-                            <p:stCondLst>
-                              <p:cond delay="0"/>
-                            </p:stCondLst>
-                            <p:childTnLst>
-                              <p:par>
-                                <p:cTn id="22" presetID="10" presetClass="entr" presetSubtype="0" fill="hold" nodeType="clickEffect">
-                                  <p:stCondLst>
-                                    <p:cond delay="0"/>
-                                  </p:stCondLst>
-                                  <p:childTnLst>
-                                    <p:set>
-                                      <p:cBhvr>
-                                        <p:cTn id="23" dur="1" fill="hold">
-                                          <p:stCondLst>
-                                            <p:cond delay="0"/>
-                                          </p:stCondLst>
-                                        </p:cTn>
-                                        <p:tgtEl>
-                                          <p:spTgt spid="3">
-                                            <p:txEl>
-                                              <p:pRg st="2" end="2"/>
-                                            </p:txEl>
-                                          </p:spTgt>
-                                        </p:tgtEl>
-                                        <p:attrNameLst>
-                                          <p:attrName>style.visibility</p:attrName>
-                                        </p:attrNameLst>
-                                      </p:cBhvr>
-                                      <p:to>
-                                        <p:strVal val="visible"/>
-                                      </p:to>
-                                    </p:set>
-                                    <p:animEffect transition="in" filter="fade">
-                                      <p:cBhvr>
-                                        <p:cTn id="24" dur="500"/>
-                                        <p:tgtEl>
-                                          <p:spTgt spid="3">
-                                            <p:txEl>
-                                              <p:pRg st="2" end="2"/>
-                                            </p:txEl>
-                                          </p:spTgt>
-                                        </p:tgtEl>
-                                      </p:cBhvr>
-                                    </p:animEffect>
-                                  </p:childTnLst>
-                                </p:cTn>
-                              </p:par>
-                            </p:childTnLst>
-                          </p:cTn>
-                        </p:par>
-                      </p:childTnLst>
-                    </p:cTn>
-                  </p:par>
-                  <p:par>
-                    <p:cTn id="25" fill="hold">
-                      <p:stCondLst>
-                        <p:cond delay="indefinite"/>
-                      </p:stCondLst>
-                      <p:childTnLst>
-                        <p:par>
-                          <p:cTn id="26" fill="hold">
-                            <p:stCondLst>
-                              <p:cond delay="0"/>
-                            </p:stCondLst>
-                            <p:childTnLst>
-                              <p:par>
-                                <p:cTn id="27" presetID="10" presetClass="entr" presetSubtype="0" fill="hold" nodeType="clickEffect">
-                                  <p:stCondLst>
-                                    <p:cond delay="0"/>
-                                  </p:stCondLst>
-                                  <p:childTnLst>
-                                    <p:set>
-                                      <p:cBhvr>
-                                        <p:cTn id="28" dur="1" fill="hold">
-                                          <p:stCondLst>
-                                            <p:cond delay="0"/>
-                                          </p:stCondLst>
-                                        </p:cTn>
-                                        <p:tgtEl>
-                                          <p:spTgt spid="3">
-                                            <p:txEl>
-                                              <p:pRg st="3" end="3"/>
-                                            </p:txEl>
-                                          </p:spTgt>
-                                        </p:tgtEl>
-                                        <p:attrNameLst>
-                                          <p:attrName>style.visibility</p:attrName>
-                                        </p:attrNameLst>
-                                      </p:cBhvr>
-                                      <p:to>
-                                        <p:strVal val="visible"/>
-                                      </p:to>
-                                    </p:set>
-                                    <p:animEffect transition="in" filter="fade">
-                                      <p:cBhvr>
-                                        <p:cTn id="29" dur="500"/>
-                                        <p:tgtEl>
-                                          <p:spTgt spid="3">
-                                            <p:txEl>
-                                              <p:pRg st="3" end="3"/>
-                                            </p:txEl>
-                                          </p:spTgt>
                                         </p:tgtEl>
                                       </p:cBhvr>
                                     </p:animEffect>
